--- a/figures/Sig ASVs mod.deseq4 v1.pptx
+++ b/figures/Sig ASVs mod.deseq4 v1.pptx
@@ -2,12 +2,14 @@
 <file path=ppt/presentation.xml><?xml version="1.0" encoding="utf-8"?>
 <p:presentation xmlns:a="http://schemas.openxmlformats.org/drawingml/2006/main" xmlns:r="http://schemas.openxmlformats.org/officeDocument/2006/relationships" xmlns:p="http://schemas.openxmlformats.org/presentationml/2006/main" saveSubsetFonts="1">
   <p:sldMasterIdLst>
-    <p:sldMasterId id="2147483660" r:id="rId1"/>
+    <p:sldMasterId id="2147483686" r:id="rId1"/>
   </p:sldMasterIdLst>
   <p:sldIdLst>
-    <p:sldId id="277" r:id="rId2"/>
+    <p:sldId id="279" r:id="rId2"/>
+    <p:sldId id="280" r:id="rId3"/>
+    <p:sldId id="281" r:id="rId4"/>
   </p:sldIdLst>
-  <p:sldSz cx="13716000" cy="18288000"/>
+  <p:sldSz cx="27432000" cy="45720000"/>
   <p:notesSz cx="6858000" cy="9144000"/>
   <p:defaultTextStyle>
     <a:defPPr>
@@ -141,15 +143,15 @@
         </p:nvSpPr>
         <p:spPr>
           <a:xfrm>
-            <a:off x="1028700" y="2992968"/>
-            <a:ext cx="11658600" cy="6366933"/>
+            <a:off x="2057400" y="7482420"/>
+            <a:ext cx="23317200" cy="15917333"/>
           </a:xfrm>
         </p:spPr>
         <p:txBody>
           <a:bodyPr anchor="b"/>
           <a:lstStyle>
             <a:lvl1pPr algn="ctr">
-              <a:defRPr sz="9000"/>
+              <a:defRPr sz="18000"/>
             </a:lvl1pPr>
           </a:lstStyle>
           <a:p>
@@ -173,8 +175,8 @@
         </p:nvSpPr>
         <p:spPr>
           <a:xfrm>
-            <a:off x="1714500" y="9605435"/>
-            <a:ext cx="10287000" cy="4415365"/>
+            <a:off x="3429000" y="24013587"/>
+            <a:ext cx="20574000" cy="11038413"/>
           </a:xfrm>
         </p:spPr>
         <p:txBody>
@@ -182,39 +184,39 @@
           <a:lstStyle>
             <a:lvl1pPr marL="0" indent="0" algn="ctr">
               <a:buNone/>
-              <a:defRPr sz="3600"/>
+              <a:defRPr sz="7200"/>
             </a:lvl1pPr>
-            <a:lvl2pPr marL="685800" indent="0" algn="ctr">
-              <a:buNone/>
-              <a:defRPr sz="3000"/>
+            <a:lvl2pPr marL="1371600" indent="0" algn="ctr">
+              <a:buNone/>
+              <a:defRPr sz="6000"/>
             </a:lvl2pPr>
-            <a:lvl3pPr marL="1371600" indent="0" algn="ctr">
-              <a:buNone/>
-              <a:defRPr sz="2700"/>
+            <a:lvl3pPr marL="2743200" indent="0" algn="ctr">
+              <a:buNone/>
+              <a:defRPr sz="5400"/>
             </a:lvl3pPr>
-            <a:lvl4pPr marL="2057400" indent="0" algn="ctr">
-              <a:buNone/>
-              <a:defRPr sz="2400"/>
+            <a:lvl4pPr marL="4114800" indent="0" algn="ctr">
+              <a:buNone/>
+              <a:defRPr sz="4800"/>
             </a:lvl4pPr>
-            <a:lvl5pPr marL="2743200" indent="0" algn="ctr">
-              <a:buNone/>
-              <a:defRPr sz="2400"/>
+            <a:lvl5pPr marL="5486400" indent="0" algn="ctr">
+              <a:buNone/>
+              <a:defRPr sz="4800"/>
             </a:lvl5pPr>
-            <a:lvl6pPr marL="3429000" indent="0" algn="ctr">
-              <a:buNone/>
-              <a:defRPr sz="2400"/>
+            <a:lvl6pPr marL="6858000" indent="0" algn="ctr">
+              <a:buNone/>
+              <a:defRPr sz="4800"/>
             </a:lvl6pPr>
-            <a:lvl7pPr marL="4114800" indent="0" algn="ctr">
-              <a:buNone/>
-              <a:defRPr sz="2400"/>
+            <a:lvl7pPr marL="8229600" indent="0" algn="ctr">
+              <a:buNone/>
+              <a:defRPr sz="4800"/>
             </a:lvl7pPr>
-            <a:lvl8pPr marL="4800600" indent="0" algn="ctr">
-              <a:buNone/>
-              <a:defRPr sz="2400"/>
+            <a:lvl8pPr marL="9601200" indent="0" algn="ctr">
+              <a:buNone/>
+              <a:defRPr sz="4800"/>
             </a:lvl8pPr>
-            <a:lvl9pPr marL="5486400" indent="0" algn="ctr">
-              <a:buNone/>
-              <a:defRPr sz="2400"/>
+            <a:lvl9pPr marL="10972800" indent="0" algn="ctr">
+              <a:buNone/>
+              <a:defRPr sz="4800"/>
             </a:lvl9pPr>
           </a:lstStyle>
           <a:p>
@@ -243,7 +245,7 @@
           <a:p>
             <a:fld id="{6E3ADA4A-3132-471B-AC99-0A34C065C717}" type="datetimeFigureOut">
               <a:rPr lang="en-US" smtClean="0"/>
-              <a:t>6/11/2022</a:t>
+              <a:t>7/1/2022</a:t>
             </a:fld>
             <a:endParaRPr lang="en-US"/>
           </a:p>
@@ -294,7 +296,7 @@
     </p:spTree>
     <p:extLst>
       <p:ext uri="{BB962C8B-B14F-4D97-AF65-F5344CB8AC3E}">
-        <p14:creationId xmlns:p14="http://schemas.microsoft.com/office/powerpoint/2010/main" val="823148526"/>
+        <p14:creationId xmlns:p14="http://schemas.microsoft.com/office/powerpoint/2010/main" val="343557981"/>
       </p:ext>
     </p:extLst>
   </p:cSld>
@@ -413,7 +415,7 @@
           <a:p>
             <a:fld id="{6E3ADA4A-3132-471B-AC99-0A34C065C717}" type="datetimeFigureOut">
               <a:rPr lang="en-US" smtClean="0"/>
-              <a:t>6/11/2022</a:t>
+              <a:t>7/1/2022</a:t>
             </a:fld>
             <a:endParaRPr lang="en-US"/>
           </a:p>
@@ -464,7 +466,7 @@
     </p:spTree>
     <p:extLst>
       <p:ext uri="{BB962C8B-B14F-4D97-AF65-F5344CB8AC3E}">
-        <p14:creationId xmlns:p14="http://schemas.microsoft.com/office/powerpoint/2010/main" val="2002260744"/>
+        <p14:creationId xmlns:p14="http://schemas.microsoft.com/office/powerpoint/2010/main" val="2052135932"/>
       </p:ext>
     </p:extLst>
   </p:cSld>
@@ -503,8 +505,8 @@
         </p:nvSpPr>
         <p:spPr>
           <a:xfrm>
-            <a:off x="9815513" y="973667"/>
-            <a:ext cx="2957513" cy="15498235"/>
+            <a:off x="19631027" y="2434167"/>
+            <a:ext cx="5915025" cy="38745587"/>
           </a:xfrm>
         </p:spPr>
         <p:txBody>
@@ -531,8 +533,8 @@
         </p:nvSpPr>
         <p:spPr>
           <a:xfrm>
-            <a:off x="942976" y="973667"/>
-            <a:ext cx="8701088" cy="15498235"/>
+            <a:off x="1885952" y="2434167"/>
+            <a:ext cx="17402175" cy="38745587"/>
           </a:xfrm>
         </p:spPr>
         <p:txBody>
@@ -593,7 +595,7 @@
           <a:p>
             <a:fld id="{6E3ADA4A-3132-471B-AC99-0A34C065C717}" type="datetimeFigureOut">
               <a:rPr lang="en-US" smtClean="0"/>
-              <a:t>6/11/2022</a:t>
+              <a:t>7/1/2022</a:t>
             </a:fld>
             <a:endParaRPr lang="en-US"/>
           </a:p>
@@ -644,7 +646,7 @@
     </p:spTree>
     <p:extLst>
       <p:ext uri="{BB962C8B-B14F-4D97-AF65-F5344CB8AC3E}">
-        <p14:creationId xmlns:p14="http://schemas.microsoft.com/office/powerpoint/2010/main" val="908436270"/>
+        <p14:creationId xmlns:p14="http://schemas.microsoft.com/office/powerpoint/2010/main" val="1733215518"/>
       </p:ext>
     </p:extLst>
   </p:cSld>
@@ -683,8 +685,8 @@
         </p:nvSpPr>
         <p:spPr>
           <a:xfrm>
-            <a:off x="467550" y="1582313"/>
-            <a:ext cx="12780901" cy="2036266"/>
+            <a:off x="935101" y="3955784"/>
+            <a:ext cx="25561802" cy="5090665"/>
           </a:xfrm>
           <a:prstGeom prst="rect">
             <a:avLst/>
@@ -812,8 +814,8 @@
         </p:nvSpPr>
         <p:spPr>
           <a:xfrm>
-            <a:off x="467550" y="4097688"/>
-            <a:ext cx="12780901" cy="12147200"/>
+            <a:off x="935101" y="10244220"/>
+            <a:ext cx="25561802" cy="30368000"/>
           </a:xfrm>
           <a:prstGeom prst="rect">
             <a:avLst/>
@@ -824,7 +826,7 @@
             <a:normAutofit/>
           </a:bodyPr>
           <a:lstStyle>
-            <a:lvl1pPr marL="1625797" lvl="0" indent="-1219347">
+            <a:lvl1pPr marL="3251594" lvl="0" indent="-2438694">
               <a:spcBef>
                 <a:spcPts val="0"/>
               </a:spcBef>
@@ -835,7 +837,7 @@
               <a:buChar char="●"/>
               <a:defRPr/>
             </a:lvl1pPr>
-            <a:lvl2pPr marL="3251595" lvl="1" indent="-1129026">
+            <a:lvl2pPr marL="6503190" lvl="1" indent="-2258052">
               <a:spcBef>
                 <a:spcPts val="0"/>
               </a:spcBef>
@@ -846,7 +848,7 @@
               <a:buChar char="○"/>
               <a:defRPr/>
             </a:lvl2pPr>
-            <a:lvl3pPr marL="4877391" lvl="2" indent="-1129026">
+            <a:lvl3pPr marL="9754782" lvl="2" indent="-2258052">
               <a:spcBef>
                 <a:spcPts val="0"/>
               </a:spcBef>
@@ -857,7 +859,7 @@
               <a:buChar char="■"/>
               <a:defRPr/>
             </a:lvl3pPr>
-            <a:lvl4pPr marL="6503185" lvl="3" indent="-1129026">
+            <a:lvl4pPr marL="13006370" lvl="3" indent="-2258052">
               <a:spcBef>
                 <a:spcPts val="0"/>
               </a:spcBef>
@@ -868,7 +870,7 @@
               <a:buChar char="●"/>
               <a:defRPr/>
             </a:lvl4pPr>
-            <a:lvl5pPr marL="8128981" lvl="4" indent="-1129026">
+            <a:lvl5pPr marL="16257962" lvl="4" indent="-2258052">
               <a:spcBef>
                 <a:spcPts val="0"/>
               </a:spcBef>
@@ -879,7 +881,7 @@
               <a:buChar char="○"/>
               <a:defRPr/>
             </a:lvl5pPr>
-            <a:lvl6pPr marL="9754781" lvl="5" indent="-1129026">
+            <a:lvl6pPr marL="19509562" lvl="5" indent="-2258052">
               <a:spcBef>
                 <a:spcPts val="0"/>
               </a:spcBef>
@@ -890,7 +892,7 @@
               <a:buChar char="■"/>
               <a:defRPr/>
             </a:lvl6pPr>
-            <a:lvl7pPr marL="11380577" lvl="6" indent="-1129026">
+            <a:lvl7pPr marL="22761154" lvl="6" indent="-2258052">
               <a:spcBef>
                 <a:spcPts val="0"/>
               </a:spcBef>
@@ -901,7 +903,7 @@
               <a:buChar char="●"/>
               <a:defRPr/>
             </a:lvl7pPr>
-            <a:lvl8pPr marL="13006375" lvl="7" indent="-1129026">
+            <a:lvl8pPr marL="26012750" lvl="7" indent="-2258052">
               <a:spcBef>
                 <a:spcPts val="0"/>
               </a:spcBef>
@@ -912,7 +914,7 @@
               <a:buChar char="○"/>
               <a:defRPr/>
             </a:lvl8pPr>
-            <a:lvl9pPr marL="14632172" lvl="8" indent="-1129026">
+            <a:lvl9pPr marL="29264344" lvl="8" indent="-2258052">
               <a:spcBef>
                 <a:spcPts val="0"/>
               </a:spcBef>
@@ -941,8 +943,8 @@
         </p:nvSpPr>
         <p:spPr>
           <a:xfrm>
-            <a:off x="12708689" y="16580329"/>
-            <a:ext cx="823051" cy="1399466"/>
+            <a:off x="25417379" y="41450824"/>
+            <a:ext cx="1646102" cy="3498665"/>
           </a:xfrm>
           <a:prstGeom prst="rect">
             <a:avLst/>
@@ -1003,7 +1005,7 @@
     </p:spTree>
     <p:extLst>
       <p:ext uri="{BB962C8B-B14F-4D97-AF65-F5344CB8AC3E}">
-        <p14:creationId xmlns:p14="http://schemas.microsoft.com/office/powerpoint/2010/main" val="1010859700"/>
+        <p14:creationId xmlns:p14="http://schemas.microsoft.com/office/powerpoint/2010/main" val="1135368939"/>
       </p:ext>
     </p:extLst>
   </p:cSld>
@@ -1122,7 +1124,7 @@
           <a:p>
             <a:fld id="{6E3ADA4A-3132-471B-AC99-0A34C065C717}" type="datetimeFigureOut">
               <a:rPr lang="en-US" smtClean="0"/>
-              <a:t>6/11/2022</a:t>
+              <a:t>7/1/2022</a:t>
             </a:fld>
             <a:endParaRPr lang="en-US"/>
           </a:p>
@@ -1173,7 +1175,7 @@
     </p:spTree>
     <p:extLst>
       <p:ext uri="{BB962C8B-B14F-4D97-AF65-F5344CB8AC3E}">
-        <p14:creationId xmlns:p14="http://schemas.microsoft.com/office/powerpoint/2010/main" val="1650304888"/>
+        <p14:creationId xmlns:p14="http://schemas.microsoft.com/office/powerpoint/2010/main" val="1617301353"/>
       </p:ext>
     </p:extLst>
   </p:cSld>
@@ -1212,15 +1214,15 @@
         </p:nvSpPr>
         <p:spPr>
           <a:xfrm>
-            <a:off x="935832" y="4559305"/>
-            <a:ext cx="11830050" cy="7607299"/>
+            <a:off x="1871664" y="11398263"/>
+            <a:ext cx="23660100" cy="19018247"/>
           </a:xfrm>
         </p:spPr>
         <p:txBody>
           <a:bodyPr anchor="b"/>
           <a:lstStyle>
             <a:lvl1pPr>
-              <a:defRPr sz="9000"/>
+              <a:defRPr sz="18000"/>
             </a:lvl1pPr>
           </a:lstStyle>
           <a:p>
@@ -1244,8 +1246,8 @@
         </p:nvSpPr>
         <p:spPr>
           <a:xfrm>
-            <a:off x="935832" y="12238572"/>
-            <a:ext cx="11830050" cy="4000499"/>
+            <a:off x="1871664" y="30596430"/>
+            <a:ext cx="23660100" cy="10001247"/>
           </a:xfrm>
         </p:spPr>
         <p:txBody>
@@ -1253,15 +1255,15 @@
           <a:lstStyle>
             <a:lvl1pPr marL="0" indent="0">
               <a:buNone/>
-              <a:defRPr sz="3600">
+              <a:defRPr sz="7200">
                 <a:solidFill>
                   <a:schemeClr val="tx1"/>
                 </a:solidFill>
               </a:defRPr>
             </a:lvl1pPr>
-            <a:lvl2pPr marL="685800" indent="0">
-              <a:buNone/>
-              <a:defRPr sz="3000">
+            <a:lvl2pPr marL="1371600" indent="0">
+              <a:buNone/>
+              <a:defRPr sz="6000">
                 <a:solidFill>
                   <a:schemeClr val="tx1">
                     <a:tint val="75000"/>
@@ -1269,9 +1271,9 @@
                 </a:solidFill>
               </a:defRPr>
             </a:lvl2pPr>
-            <a:lvl3pPr marL="1371600" indent="0">
-              <a:buNone/>
-              <a:defRPr sz="2700">
+            <a:lvl3pPr marL="2743200" indent="0">
+              <a:buNone/>
+              <a:defRPr sz="5400">
                 <a:solidFill>
                   <a:schemeClr val="tx1">
                     <a:tint val="75000"/>
@@ -1279,9 +1281,9 @@
                 </a:solidFill>
               </a:defRPr>
             </a:lvl3pPr>
-            <a:lvl4pPr marL="2057400" indent="0">
-              <a:buNone/>
-              <a:defRPr sz="2400">
+            <a:lvl4pPr marL="4114800" indent="0">
+              <a:buNone/>
+              <a:defRPr sz="4800">
                 <a:solidFill>
                   <a:schemeClr val="tx1">
                     <a:tint val="75000"/>
@@ -1289,9 +1291,9 @@
                 </a:solidFill>
               </a:defRPr>
             </a:lvl4pPr>
-            <a:lvl5pPr marL="2743200" indent="0">
-              <a:buNone/>
-              <a:defRPr sz="2400">
+            <a:lvl5pPr marL="5486400" indent="0">
+              <a:buNone/>
+              <a:defRPr sz="4800">
                 <a:solidFill>
                   <a:schemeClr val="tx1">
                     <a:tint val="75000"/>
@@ -1299,9 +1301,9 @@
                 </a:solidFill>
               </a:defRPr>
             </a:lvl5pPr>
-            <a:lvl6pPr marL="3429000" indent="0">
-              <a:buNone/>
-              <a:defRPr sz="2400">
+            <a:lvl6pPr marL="6858000" indent="0">
+              <a:buNone/>
+              <a:defRPr sz="4800">
                 <a:solidFill>
                   <a:schemeClr val="tx1">
                     <a:tint val="75000"/>
@@ -1309,9 +1311,9 @@
                 </a:solidFill>
               </a:defRPr>
             </a:lvl6pPr>
-            <a:lvl7pPr marL="4114800" indent="0">
-              <a:buNone/>
-              <a:defRPr sz="2400">
+            <a:lvl7pPr marL="8229600" indent="0">
+              <a:buNone/>
+              <a:defRPr sz="4800">
                 <a:solidFill>
                   <a:schemeClr val="tx1">
                     <a:tint val="75000"/>
@@ -1319,9 +1321,9 @@
                 </a:solidFill>
               </a:defRPr>
             </a:lvl7pPr>
-            <a:lvl8pPr marL="4800600" indent="0">
-              <a:buNone/>
-              <a:defRPr sz="2400">
+            <a:lvl8pPr marL="9601200" indent="0">
+              <a:buNone/>
+              <a:defRPr sz="4800">
                 <a:solidFill>
                   <a:schemeClr val="tx1">
                     <a:tint val="75000"/>
@@ -1329,9 +1331,9 @@
                 </a:solidFill>
               </a:defRPr>
             </a:lvl8pPr>
-            <a:lvl9pPr marL="5486400" indent="0">
-              <a:buNone/>
-              <a:defRPr sz="2400">
+            <a:lvl9pPr marL="10972800" indent="0">
+              <a:buNone/>
+              <a:defRPr sz="4800">
                 <a:solidFill>
                   <a:schemeClr val="tx1">
                     <a:tint val="75000"/>
@@ -1366,7 +1368,7 @@
           <a:p>
             <a:fld id="{6E3ADA4A-3132-471B-AC99-0A34C065C717}" type="datetimeFigureOut">
               <a:rPr lang="en-US" smtClean="0"/>
-              <a:t>6/11/2022</a:t>
+              <a:t>7/1/2022</a:t>
             </a:fld>
             <a:endParaRPr lang="en-US"/>
           </a:p>
@@ -1417,7 +1419,7 @@
     </p:spTree>
     <p:extLst>
       <p:ext uri="{BB962C8B-B14F-4D97-AF65-F5344CB8AC3E}">
-        <p14:creationId xmlns:p14="http://schemas.microsoft.com/office/powerpoint/2010/main" val="2520134617"/>
+        <p14:creationId xmlns:p14="http://schemas.microsoft.com/office/powerpoint/2010/main" val="2837406508"/>
       </p:ext>
     </p:extLst>
   </p:cSld>
@@ -1479,8 +1481,8 @@
         </p:nvSpPr>
         <p:spPr>
           <a:xfrm>
-            <a:off x="942975" y="4868333"/>
-            <a:ext cx="5829300" cy="11603568"/>
+            <a:off x="1885950" y="12170833"/>
+            <a:ext cx="11658600" cy="29008920"/>
           </a:xfrm>
         </p:spPr>
         <p:txBody>
@@ -1536,8 +1538,8 @@
         </p:nvSpPr>
         <p:spPr>
           <a:xfrm>
-            <a:off x="6943725" y="4868333"/>
-            <a:ext cx="5829300" cy="11603568"/>
+            <a:off x="13887450" y="12170833"/>
+            <a:ext cx="11658600" cy="29008920"/>
           </a:xfrm>
         </p:spPr>
         <p:txBody>
@@ -1598,7 +1600,7 @@
           <a:p>
             <a:fld id="{6E3ADA4A-3132-471B-AC99-0A34C065C717}" type="datetimeFigureOut">
               <a:rPr lang="en-US" smtClean="0"/>
-              <a:t>6/11/2022</a:t>
+              <a:t>7/1/2022</a:t>
             </a:fld>
             <a:endParaRPr lang="en-US"/>
           </a:p>
@@ -1649,7 +1651,7 @@
     </p:spTree>
     <p:extLst>
       <p:ext uri="{BB962C8B-B14F-4D97-AF65-F5344CB8AC3E}">
-        <p14:creationId xmlns:p14="http://schemas.microsoft.com/office/powerpoint/2010/main" val="293253778"/>
+        <p14:creationId xmlns:p14="http://schemas.microsoft.com/office/powerpoint/2010/main" val="2132876443"/>
       </p:ext>
     </p:extLst>
   </p:cSld>
@@ -1688,8 +1690,8 @@
         </p:nvSpPr>
         <p:spPr>
           <a:xfrm>
-            <a:off x="944762" y="973671"/>
-            <a:ext cx="11830050" cy="3534835"/>
+            <a:off x="1889523" y="2434177"/>
+            <a:ext cx="23660100" cy="8837087"/>
           </a:xfrm>
         </p:spPr>
         <p:txBody>
@@ -1716,8 +1718,8 @@
         </p:nvSpPr>
         <p:spPr>
           <a:xfrm>
-            <a:off x="944763" y="4483101"/>
-            <a:ext cx="5802510" cy="2197099"/>
+            <a:off x="1889526" y="11207753"/>
+            <a:ext cx="11605020" cy="5492747"/>
           </a:xfrm>
         </p:spPr>
         <p:txBody>
@@ -1725,39 +1727,39 @@
           <a:lstStyle>
             <a:lvl1pPr marL="0" indent="0">
               <a:buNone/>
-              <a:defRPr sz="3600" b="1"/>
+              <a:defRPr sz="7200" b="1"/>
             </a:lvl1pPr>
-            <a:lvl2pPr marL="685800" indent="0">
-              <a:buNone/>
-              <a:defRPr sz="3000" b="1"/>
+            <a:lvl2pPr marL="1371600" indent="0">
+              <a:buNone/>
+              <a:defRPr sz="6000" b="1"/>
             </a:lvl2pPr>
-            <a:lvl3pPr marL="1371600" indent="0">
-              <a:buNone/>
-              <a:defRPr sz="2700" b="1"/>
+            <a:lvl3pPr marL="2743200" indent="0">
+              <a:buNone/>
+              <a:defRPr sz="5400" b="1"/>
             </a:lvl3pPr>
-            <a:lvl4pPr marL="2057400" indent="0">
-              <a:buNone/>
-              <a:defRPr sz="2400" b="1"/>
+            <a:lvl4pPr marL="4114800" indent="0">
+              <a:buNone/>
+              <a:defRPr sz="4800" b="1"/>
             </a:lvl4pPr>
-            <a:lvl5pPr marL="2743200" indent="0">
-              <a:buNone/>
-              <a:defRPr sz="2400" b="1"/>
+            <a:lvl5pPr marL="5486400" indent="0">
+              <a:buNone/>
+              <a:defRPr sz="4800" b="1"/>
             </a:lvl5pPr>
-            <a:lvl6pPr marL="3429000" indent="0">
-              <a:buNone/>
-              <a:defRPr sz="2400" b="1"/>
+            <a:lvl6pPr marL="6858000" indent="0">
+              <a:buNone/>
+              <a:defRPr sz="4800" b="1"/>
             </a:lvl6pPr>
-            <a:lvl7pPr marL="4114800" indent="0">
-              <a:buNone/>
-              <a:defRPr sz="2400" b="1"/>
+            <a:lvl7pPr marL="8229600" indent="0">
+              <a:buNone/>
+              <a:defRPr sz="4800" b="1"/>
             </a:lvl7pPr>
-            <a:lvl8pPr marL="4800600" indent="0">
-              <a:buNone/>
-              <a:defRPr sz="2400" b="1"/>
+            <a:lvl8pPr marL="9601200" indent="0">
+              <a:buNone/>
+              <a:defRPr sz="4800" b="1"/>
             </a:lvl8pPr>
-            <a:lvl9pPr marL="5486400" indent="0">
-              <a:buNone/>
-              <a:defRPr sz="2400" b="1"/>
+            <a:lvl9pPr marL="10972800" indent="0">
+              <a:buNone/>
+              <a:defRPr sz="4800" b="1"/>
             </a:lvl9pPr>
           </a:lstStyle>
           <a:p>
@@ -1781,8 +1783,8 @@
         </p:nvSpPr>
         <p:spPr>
           <a:xfrm>
-            <a:off x="944763" y="6680200"/>
-            <a:ext cx="5802510" cy="9825568"/>
+            <a:off x="1889526" y="16700500"/>
+            <a:ext cx="11605020" cy="24563920"/>
           </a:xfrm>
         </p:spPr>
         <p:txBody>
@@ -1838,8 +1840,8 @@
         </p:nvSpPr>
         <p:spPr>
           <a:xfrm>
-            <a:off x="6943726" y="4483101"/>
-            <a:ext cx="5831087" cy="2197099"/>
+            <a:off x="13887452" y="11207753"/>
+            <a:ext cx="11662173" cy="5492747"/>
           </a:xfrm>
         </p:spPr>
         <p:txBody>
@@ -1847,39 +1849,39 @@
           <a:lstStyle>
             <a:lvl1pPr marL="0" indent="0">
               <a:buNone/>
-              <a:defRPr sz="3600" b="1"/>
+              <a:defRPr sz="7200" b="1"/>
             </a:lvl1pPr>
-            <a:lvl2pPr marL="685800" indent="0">
-              <a:buNone/>
-              <a:defRPr sz="3000" b="1"/>
+            <a:lvl2pPr marL="1371600" indent="0">
+              <a:buNone/>
+              <a:defRPr sz="6000" b="1"/>
             </a:lvl2pPr>
-            <a:lvl3pPr marL="1371600" indent="0">
-              <a:buNone/>
-              <a:defRPr sz="2700" b="1"/>
+            <a:lvl3pPr marL="2743200" indent="0">
+              <a:buNone/>
+              <a:defRPr sz="5400" b="1"/>
             </a:lvl3pPr>
-            <a:lvl4pPr marL="2057400" indent="0">
-              <a:buNone/>
-              <a:defRPr sz="2400" b="1"/>
+            <a:lvl4pPr marL="4114800" indent="0">
+              <a:buNone/>
+              <a:defRPr sz="4800" b="1"/>
             </a:lvl4pPr>
-            <a:lvl5pPr marL="2743200" indent="0">
-              <a:buNone/>
-              <a:defRPr sz="2400" b="1"/>
+            <a:lvl5pPr marL="5486400" indent="0">
+              <a:buNone/>
+              <a:defRPr sz="4800" b="1"/>
             </a:lvl5pPr>
-            <a:lvl6pPr marL="3429000" indent="0">
-              <a:buNone/>
-              <a:defRPr sz="2400" b="1"/>
+            <a:lvl6pPr marL="6858000" indent="0">
+              <a:buNone/>
+              <a:defRPr sz="4800" b="1"/>
             </a:lvl6pPr>
-            <a:lvl7pPr marL="4114800" indent="0">
-              <a:buNone/>
-              <a:defRPr sz="2400" b="1"/>
+            <a:lvl7pPr marL="8229600" indent="0">
+              <a:buNone/>
+              <a:defRPr sz="4800" b="1"/>
             </a:lvl7pPr>
-            <a:lvl8pPr marL="4800600" indent="0">
-              <a:buNone/>
-              <a:defRPr sz="2400" b="1"/>
+            <a:lvl8pPr marL="9601200" indent="0">
+              <a:buNone/>
+              <a:defRPr sz="4800" b="1"/>
             </a:lvl8pPr>
-            <a:lvl9pPr marL="5486400" indent="0">
-              <a:buNone/>
-              <a:defRPr sz="2400" b="1"/>
+            <a:lvl9pPr marL="10972800" indent="0">
+              <a:buNone/>
+              <a:defRPr sz="4800" b="1"/>
             </a:lvl9pPr>
           </a:lstStyle>
           <a:p>
@@ -1903,8 +1905,8 @@
         </p:nvSpPr>
         <p:spPr>
           <a:xfrm>
-            <a:off x="6943726" y="6680200"/>
-            <a:ext cx="5831087" cy="9825568"/>
+            <a:off x="13887452" y="16700500"/>
+            <a:ext cx="11662173" cy="24563920"/>
           </a:xfrm>
         </p:spPr>
         <p:txBody>
@@ -1965,7 +1967,7 @@
           <a:p>
             <a:fld id="{6E3ADA4A-3132-471B-AC99-0A34C065C717}" type="datetimeFigureOut">
               <a:rPr lang="en-US" smtClean="0"/>
-              <a:t>6/11/2022</a:t>
+              <a:t>7/1/2022</a:t>
             </a:fld>
             <a:endParaRPr lang="en-US"/>
           </a:p>
@@ -2016,7 +2018,7 @@
     </p:spTree>
     <p:extLst>
       <p:ext uri="{BB962C8B-B14F-4D97-AF65-F5344CB8AC3E}">
-        <p14:creationId xmlns:p14="http://schemas.microsoft.com/office/powerpoint/2010/main" val="1988456158"/>
+        <p14:creationId xmlns:p14="http://schemas.microsoft.com/office/powerpoint/2010/main" val="1771357208"/>
       </p:ext>
     </p:extLst>
   </p:cSld>
@@ -2083,7 +2085,7 @@
           <a:p>
             <a:fld id="{6E3ADA4A-3132-471B-AC99-0A34C065C717}" type="datetimeFigureOut">
               <a:rPr lang="en-US" smtClean="0"/>
-              <a:t>6/11/2022</a:t>
+              <a:t>7/1/2022</a:t>
             </a:fld>
             <a:endParaRPr lang="en-US"/>
           </a:p>
@@ -2134,7 +2136,7 @@
     </p:spTree>
     <p:extLst>
       <p:ext uri="{BB962C8B-B14F-4D97-AF65-F5344CB8AC3E}">
-        <p14:creationId xmlns:p14="http://schemas.microsoft.com/office/powerpoint/2010/main" val="2890936481"/>
+        <p14:creationId xmlns:p14="http://schemas.microsoft.com/office/powerpoint/2010/main" val="855351586"/>
       </p:ext>
     </p:extLst>
   </p:cSld>
@@ -2178,7 +2180,7 @@
           <a:p>
             <a:fld id="{6E3ADA4A-3132-471B-AC99-0A34C065C717}" type="datetimeFigureOut">
               <a:rPr lang="en-US" smtClean="0"/>
-              <a:t>6/11/2022</a:t>
+              <a:t>7/1/2022</a:t>
             </a:fld>
             <a:endParaRPr lang="en-US"/>
           </a:p>
@@ -2229,7 +2231,7 @@
     </p:spTree>
     <p:extLst>
       <p:ext uri="{BB962C8B-B14F-4D97-AF65-F5344CB8AC3E}">
-        <p14:creationId xmlns:p14="http://schemas.microsoft.com/office/powerpoint/2010/main" val="971163346"/>
+        <p14:creationId xmlns:p14="http://schemas.microsoft.com/office/powerpoint/2010/main" val="3693507227"/>
       </p:ext>
     </p:extLst>
   </p:cSld>
@@ -2268,15 +2270,15 @@
         </p:nvSpPr>
         <p:spPr>
           <a:xfrm>
-            <a:off x="944762" y="1219200"/>
-            <a:ext cx="4423767" cy="4267200"/>
+            <a:off x="1889523" y="3048000"/>
+            <a:ext cx="8847534" cy="10668000"/>
           </a:xfrm>
         </p:spPr>
         <p:txBody>
           <a:bodyPr anchor="b"/>
           <a:lstStyle>
             <a:lvl1pPr>
-              <a:defRPr sz="4800"/>
+              <a:defRPr sz="9600"/>
             </a:lvl1pPr>
           </a:lstStyle>
           <a:p>
@@ -2300,39 +2302,39 @@
         </p:nvSpPr>
         <p:spPr>
           <a:xfrm>
-            <a:off x="5831087" y="2633138"/>
-            <a:ext cx="6943725" cy="12996333"/>
+            <a:off x="11662173" y="6582844"/>
+            <a:ext cx="13887450" cy="32490833"/>
           </a:xfrm>
         </p:spPr>
         <p:txBody>
           <a:bodyPr/>
           <a:lstStyle>
             <a:lvl1pPr>
-              <a:defRPr sz="4800"/>
+              <a:defRPr sz="9600"/>
             </a:lvl1pPr>
             <a:lvl2pPr>
-              <a:defRPr sz="4200"/>
+              <a:defRPr sz="8400"/>
             </a:lvl2pPr>
             <a:lvl3pPr>
-              <a:defRPr sz="3600"/>
+              <a:defRPr sz="7200"/>
             </a:lvl3pPr>
             <a:lvl4pPr>
-              <a:defRPr sz="3000"/>
+              <a:defRPr sz="6000"/>
             </a:lvl4pPr>
             <a:lvl5pPr>
-              <a:defRPr sz="3000"/>
+              <a:defRPr sz="6000"/>
             </a:lvl5pPr>
             <a:lvl6pPr>
-              <a:defRPr sz="3000"/>
+              <a:defRPr sz="6000"/>
             </a:lvl6pPr>
             <a:lvl7pPr>
-              <a:defRPr sz="3000"/>
+              <a:defRPr sz="6000"/>
             </a:lvl7pPr>
             <a:lvl8pPr>
-              <a:defRPr sz="3000"/>
+              <a:defRPr sz="6000"/>
             </a:lvl8pPr>
             <a:lvl9pPr>
-              <a:defRPr sz="3000"/>
+              <a:defRPr sz="6000"/>
             </a:lvl9pPr>
           </a:lstStyle>
           <a:p>
@@ -2385,8 +2387,8 @@
         </p:nvSpPr>
         <p:spPr>
           <a:xfrm>
-            <a:off x="944762" y="5486400"/>
-            <a:ext cx="4423767" cy="10164235"/>
+            <a:off x="1889523" y="13716000"/>
+            <a:ext cx="8847534" cy="25410587"/>
           </a:xfrm>
         </p:spPr>
         <p:txBody>
@@ -2394,39 +2396,39 @@
           <a:lstStyle>
             <a:lvl1pPr marL="0" indent="0">
               <a:buNone/>
-              <a:defRPr sz="2400"/>
+              <a:defRPr sz="4800"/>
             </a:lvl1pPr>
-            <a:lvl2pPr marL="685800" indent="0">
-              <a:buNone/>
-              <a:defRPr sz="2100"/>
+            <a:lvl2pPr marL="1371600" indent="0">
+              <a:buNone/>
+              <a:defRPr sz="4200"/>
             </a:lvl2pPr>
-            <a:lvl3pPr marL="1371600" indent="0">
-              <a:buNone/>
-              <a:defRPr sz="1800"/>
+            <a:lvl3pPr marL="2743200" indent="0">
+              <a:buNone/>
+              <a:defRPr sz="3600"/>
             </a:lvl3pPr>
-            <a:lvl4pPr marL="2057400" indent="0">
-              <a:buNone/>
-              <a:defRPr sz="1500"/>
+            <a:lvl4pPr marL="4114800" indent="0">
+              <a:buNone/>
+              <a:defRPr sz="3000"/>
             </a:lvl4pPr>
-            <a:lvl5pPr marL="2743200" indent="0">
-              <a:buNone/>
-              <a:defRPr sz="1500"/>
+            <a:lvl5pPr marL="5486400" indent="0">
+              <a:buNone/>
+              <a:defRPr sz="3000"/>
             </a:lvl5pPr>
-            <a:lvl6pPr marL="3429000" indent="0">
-              <a:buNone/>
-              <a:defRPr sz="1500"/>
+            <a:lvl6pPr marL="6858000" indent="0">
+              <a:buNone/>
+              <a:defRPr sz="3000"/>
             </a:lvl6pPr>
-            <a:lvl7pPr marL="4114800" indent="0">
-              <a:buNone/>
-              <a:defRPr sz="1500"/>
+            <a:lvl7pPr marL="8229600" indent="0">
+              <a:buNone/>
+              <a:defRPr sz="3000"/>
             </a:lvl7pPr>
-            <a:lvl8pPr marL="4800600" indent="0">
-              <a:buNone/>
-              <a:defRPr sz="1500"/>
+            <a:lvl8pPr marL="9601200" indent="0">
+              <a:buNone/>
+              <a:defRPr sz="3000"/>
             </a:lvl8pPr>
-            <a:lvl9pPr marL="5486400" indent="0">
-              <a:buNone/>
-              <a:defRPr sz="1500"/>
+            <a:lvl9pPr marL="10972800" indent="0">
+              <a:buNone/>
+              <a:defRPr sz="3000"/>
             </a:lvl9pPr>
           </a:lstStyle>
           <a:p>
@@ -2455,7 +2457,7 @@
           <a:p>
             <a:fld id="{6E3ADA4A-3132-471B-AC99-0A34C065C717}" type="datetimeFigureOut">
               <a:rPr lang="en-US" smtClean="0"/>
-              <a:t>6/11/2022</a:t>
+              <a:t>7/1/2022</a:t>
             </a:fld>
             <a:endParaRPr lang="en-US"/>
           </a:p>
@@ -2506,7 +2508,7 @@
     </p:spTree>
     <p:extLst>
       <p:ext uri="{BB962C8B-B14F-4D97-AF65-F5344CB8AC3E}">
-        <p14:creationId xmlns:p14="http://schemas.microsoft.com/office/powerpoint/2010/main" val="1515089849"/>
+        <p14:creationId xmlns:p14="http://schemas.microsoft.com/office/powerpoint/2010/main" val="1592636608"/>
       </p:ext>
     </p:extLst>
   </p:cSld>
@@ -2545,15 +2547,15 @@
         </p:nvSpPr>
         <p:spPr>
           <a:xfrm>
-            <a:off x="944762" y="1219200"/>
-            <a:ext cx="4423767" cy="4267200"/>
+            <a:off x="1889523" y="3048000"/>
+            <a:ext cx="8847534" cy="10668000"/>
           </a:xfrm>
         </p:spPr>
         <p:txBody>
           <a:bodyPr anchor="b"/>
           <a:lstStyle>
             <a:lvl1pPr>
-              <a:defRPr sz="4800"/>
+              <a:defRPr sz="9600"/>
             </a:lvl1pPr>
           </a:lstStyle>
           <a:p>
@@ -2577,8 +2579,8 @@
         </p:nvSpPr>
         <p:spPr>
           <a:xfrm>
-            <a:off x="5831087" y="2633138"/>
-            <a:ext cx="6943725" cy="12996333"/>
+            <a:off x="11662173" y="6582844"/>
+            <a:ext cx="13887450" cy="32490833"/>
           </a:xfrm>
         </p:spPr>
         <p:txBody>
@@ -2586,39 +2588,39 @@
           <a:lstStyle>
             <a:lvl1pPr marL="0" indent="0">
               <a:buNone/>
-              <a:defRPr sz="4800"/>
+              <a:defRPr sz="9600"/>
             </a:lvl1pPr>
-            <a:lvl2pPr marL="685800" indent="0">
-              <a:buNone/>
-              <a:defRPr sz="4200"/>
+            <a:lvl2pPr marL="1371600" indent="0">
+              <a:buNone/>
+              <a:defRPr sz="8400"/>
             </a:lvl2pPr>
-            <a:lvl3pPr marL="1371600" indent="0">
-              <a:buNone/>
-              <a:defRPr sz="3600"/>
+            <a:lvl3pPr marL="2743200" indent="0">
+              <a:buNone/>
+              <a:defRPr sz="7200"/>
             </a:lvl3pPr>
-            <a:lvl4pPr marL="2057400" indent="0">
-              <a:buNone/>
-              <a:defRPr sz="3000"/>
+            <a:lvl4pPr marL="4114800" indent="0">
+              <a:buNone/>
+              <a:defRPr sz="6000"/>
             </a:lvl4pPr>
-            <a:lvl5pPr marL="2743200" indent="0">
-              <a:buNone/>
-              <a:defRPr sz="3000"/>
+            <a:lvl5pPr marL="5486400" indent="0">
+              <a:buNone/>
+              <a:defRPr sz="6000"/>
             </a:lvl5pPr>
-            <a:lvl6pPr marL="3429000" indent="0">
-              <a:buNone/>
-              <a:defRPr sz="3000"/>
+            <a:lvl6pPr marL="6858000" indent="0">
+              <a:buNone/>
+              <a:defRPr sz="6000"/>
             </a:lvl6pPr>
-            <a:lvl7pPr marL="4114800" indent="0">
-              <a:buNone/>
-              <a:defRPr sz="3000"/>
+            <a:lvl7pPr marL="8229600" indent="0">
+              <a:buNone/>
+              <a:defRPr sz="6000"/>
             </a:lvl7pPr>
-            <a:lvl8pPr marL="4800600" indent="0">
-              <a:buNone/>
-              <a:defRPr sz="3000"/>
+            <a:lvl8pPr marL="9601200" indent="0">
+              <a:buNone/>
+              <a:defRPr sz="6000"/>
             </a:lvl8pPr>
-            <a:lvl9pPr marL="5486400" indent="0">
-              <a:buNone/>
-              <a:defRPr sz="3000"/>
+            <a:lvl9pPr marL="10972800" indent="0">
+              <a:buNone/>
+              <a:defRPr sz="6000"/>
             </a:lvl9pPr>
           </a:lstStyle>
           <a:p>
@@ -2642,8 +2644,8 @@
         </p:nvSpPr>
         <p:spPr>
           <a:xfrm>
-            <a:off x="944762" y="5486400"/>
-            <a:ext cx="4423767" cy="10164235"/>
+            <a:off x="1889523" y="13716000"/>
+            <a:ext cx="8847534" cy="25410587"/>
           </a:xfrm>
         </p:spPr>
         <p:txBody>
@@ -2651,39 +2653,39 @@
           <a:lstStyle>
             <a:lvl1pPr marL="0" indent="0">
               <a:buNone/>
-              <a:defRPr sz="2400"/>
+              <a:defRPr sz="4800"/>
             </a:lvl1pPr>
-            <a:lvl2pPr marL="685800" indent="0">
-              <a:buNone/>
-              <a:defRPr sz="2100"/>
+            <a:lvl2pPr marL="1371600" indent="0">
+              <a:buNone/>
+              <a:defRPr sz="4200"/>
             </a:lvl2pPr>
-            <a:lvl3pPr marL="1371600" indent="0">
-              <a:buNone/>
-              <a:defRPr sz="1800"/>
+            <a:lvl3pPr marL="2743200" indent="0">
+              <a:buNone/>
+              <a:defRPr sz="3600"/>
             </a:lvl3pPr>
-            <a:lvl4pPr marL="2057400" indent="0">
-              <a:buNone/>
-              <a:defRPr sz="1500"/>
+            <a:lvl4pPr marL="4114800" indent="0">
+              <a:buNone/>
+              <a:defRPr sz="3000"/>
             </a:lvl4pPr>
-            <a:lvl5pPr marL="2743200" indent="0">
-              <a:buNone/>
-              <a:defRPr sz="1500"/>
+            <a:lvl5pPr marL="5486400" indent="0">
+              <a:buNone/>
+              <a:defRPr sz="3000"/>
             </a:lvl5pPr>
-            <a:lvl6pPr marL="3429000" indent="0">
-              <a:buNone/>
-              <a:defRPr sz="1500"/>
+            <a:lvl6pPr marL="6858000" indent="0">
+              <a:buNone/>
+              <a:defRPr sz="3000"/>
             </a:lvl6pPr>
-            <a:lvl7pPr marL="4114800" indent="0">
-              <a:buNone/>
-              <a:defRPr sz="1500"/>
+            <a:lvl7pPr marL="8229600" indent="0">
+              <a:buNone/>
+              <a:defRPr sz="3000"/>
             </a:lvl7pPr>
-            <a:lvl8pPr marL="4800600" indent="0">
-              <a:buNone/>
-              <a:defRPr sz="1500"/>
+            <a:lvl8pPr marL="9601200" indent="0">
+              <a:buNone/>
+              <a:defRPr sz="3000"/>
             </a:lvl8pPr>
-            <a:lvl9pPr marL="5486400" indent="0">
-              <a:buNone/>
-              <a:defRPr sz="1500"/>
+            <a:lvl9pPr marL="10972800" indent="0">
+              <a:buNone/>
+              <a:defRPr sz="3000"/>
             </a:lvl9pPr>
           </a:lstStyle>
           <a:p>
@@ -2712,7 +2714,7 @@
           <a:p>
             <a:fld id="{6E3ADA4A-3132-471B-AC99-0A34C065C717}" type="datetimeFigureOut">
               <a:rPr lang="en-US" smtClean="0"/>
-              <a:t>6/11/2022</a:t>
+              <a:t>7/1/2022</a:t>
             </a:fld>
             <a:endParaRPr lang="en-US"/>
           </a:p>
@@ -2763,7 +2765,7 @@
     </p:spTree>
     <p:extLst>
       <p:ext uri="{BB962C8B-B14F-4D97-AF65-F5344CB8AC3E}">
-        <p14:creationId xmlns:p14="http://schemas.microsoft.com/office/powerpoint/2010/main" val="2650520994"/>
+        <p14:creationId xmlns:p14="http://schemas.microsoft.com/office/powerpoint/2010/main" val="3950974054"/>
       </p:ext>
     </p:extLst>
   </p:cSld>
@@ -2807,8 +2809,8 @@
         </p:nvSpPr>
         <p:spPr>
           <a:xfrm>
-            <a:off x="942975" y="973671"/>
-            <a:ext cx="11830050" cy="3534835"/>
+            <a:off x="1885950" y="2434177"/>
+            <a:ext cx="23660100" cy="8837087"/>
           </a:xfrm>
           <a:prstGeom prst="rect">
             <a:avLst/>
@@ -2840,8 +2842,8 @@
         </p:nvSpPr>
         <p:spPr>
           <a:xfrm>
-            <a:off x="942975" y="4868333"/>
-            <a:ext cx="11830050" cy="11603568"/>
+            <a:off x="1885950" y="12170833"/>
+            <a:ext cx="23660100" cy="29008920"/>
           </a:xfrm>
           <a:prstGeom prst="rect">
             <a:avLst/>
@@ -2902,8 +2904,8 @@
         </p:nvSpPr>
         <p:spPr>
           <a:xfrm>
-            <a:off x="942975" y="16950271"/>
-            <a:ext cx="3086100" cy="973667"/>
+            <a:off x="1885950" y="42375677"/>
+            <a:ext cx="6172200" cy="2434167"/>
           </a:xfrm>
           <a:prstGeom prst="rect">
             <a:avLst/>
@@ -2913,7 +2915,7 @@
           <a:bodyPr vert="horz" lIns="91440" tIns="45720" rIns="91440" bIns="45720" rtlCol="0" anchor="ctr"/>
           <a:lstStyle>
             <a:lvl1pPr algn="l">
-              <a:defRPr sz="1800">
+              <a:defRPr sz="3600">
                 <a:solidFill>
                   <a:schemeClr val="tx1">
                     <a:tint val="75000"/>
@@ -2925,7 +2927,7 @@
           <a:p>
             <a:fld id="{6E3ADA4A-3132-471B-AC99-0A34C065C717}" type="datetimeFigureOut">
               <a:rPr lang="en-US" smtClean="0"/>
-              <a:t>6/11/2022</a:t>
+              <a:t>7/1/2022</a:t>
             </a:fld>
             <a:endParaRPr lang="en-US"/>
           </a:p>
@@ -2943,8 +2945,8 @@
         </p:nvSpPr>
         <p:spPr>
           <a:xfrm>
-            <a:off x="4543425" y="16950271"/>
-            <a:ext cx="4629150" cy="973667"/>
+            <a:off x="9086850" y="42375677"/>
+            <a:ext cx="9258300" cy="2434167"/>
           </a:xfrm>
           <a:prstGeom prst="rect">
             <a:avLst/>
@@ -2954,7 +2956,7 @@
           <a:bodyPr vert="horz" lIns="91440" tIns="45720" rIns="91440" bIns="45720" rtlCol="0" anchor="ctr"/>
           <a:lstStyle>
             <a:lvl1pPr algn="ctr">
-              <a:defRPr sz="1800">
+              <a:defRPr sz="3600">
                 <a:solidFill>
                   <a:schemeClr val="tx1">
                     <a:tint val="75000"/>
@@ -2980,8 +2982,8 @@
         </p:nvSpPr>
         <p:spPr>
           <a:xfrm>
-            <a:off x="9686925" y="16950271"/>
-            <a:ext cx="3086100" cy="973667"/>
+            <a:off x="19373850" y="42375677"/>
+            <a:ext cx="6172200" cy="2434167"/>
           </a:xfrm>
           <a:prstGeom prst="rect">
             <a:avLst/>
@@ -2991,7 +2993,7 @@
           <a:bodyPr vert="horz" lIns="91440" tIns="45720" rIns="91440" bIns="45720" rtlCol="0" anchor="ctr"/>
           <a:lstStyle>
             <a:lvl1pPr algn="r">
-              <a:defRPr sz="1800">
+              <a:defRPr sz="3600">
                 <a:solidFill>
                   <a:schemeClr val="tx1">
                     <a:tint val="75000"/>
@@ -3012,28 +3014,28 @@
     </p:spTree>
     <p:extLst>
       <p:ext uri="{BB962C8B-B14F-4D97-AF65-F5344CB8AC3E}">
-        <p14:creationId xmlns:p14="http://schemas.microsoft.com/office/powerpoint/2010/main" val="703981399"/>
+        <p14:creationId xmlns:p14="http://schemas.microsoft.com/office/powerpoint/2010/main" val="39947361"/>
       </p:ext>
     </p:extLst>
   </p:cSld>
   <p:clrMap bg1="lt1" tx1="dk1" bg2="lt2" tx2="dk2" accent1="accent1" accent2="accent2" accent3="accent3" accent4="accent4" accent5="accent5" accent6="accent6" hlink="hlink" folHlink="folHlink"/>
   <p:sldLayoutIdLst>
-    <p:sldLayoutId id="2147483661" r:id="rId1"/>
-    <p:sldLayoutId id="2147483662" r:id="rId2"/>
-    <p:sldLayoutId id="2147483663" r:id="rId3"/>
-    <p:sldLayoutId id="2147483664" r:id="rId4"/>
-    <p:sldLayoutId id="2147483665" r:id="rId5"/>
-    <p:sldLayoutId id="2147483666" r:id="rId6"/>
-    <p:sldLayoutId id="2147483667" r:id="rId7"/>
-    <p:sldLayoutId id="2147483668" r:id="rId8"/>
-    <p:sldLayoutId id="2147483669" r:id="rId9"/>
-    <p:sldLayoutId id="2147483670" r:id="rId10"/>
-    <p:sldLayoutId id="2147483671" r:id="rId11"/>
-    <p:sldLayoutId id="2147483672" r:id="rId12"/>
+    <p:sldLayoutId id="2147483687" r:id="rId1"/>
+    <p:sldLayoutId id="2147483688" r:id="rId2"/>
+    <p:sldLayoutId id="2147483689" r:id="rId3"/>
+    <p:sldLayoutId id="2147483690" r:id="rId4"/>
+    <p:sldLayoutId id="2147483691" r:id="rId5"/>
+    <p:sldLayoutId id="2147483692" r:id="rId6"/>
+    <p:sldLayoutId id="2147483693" r:id="rId7"/>
+    <p:sldLayoutId id="2147483694" r:id="rId8"/>
+    <p:sldLayoutId id="2147483695" r:id="rId9"/>
+    <p:sldLayoutId id="2147483696" r:id="rId10"/>
+    <p:sldLayoutId id="2147483697" r:id="rId11"/>
+    <p:sldLayoutId id="2147483698" r:id="rId12"/>
   </p:sldLayoutIdLst>
   <p:txStyles>
     <p:titleStyle>
-      <a:lvl1pPr algn="l" defTabSz="1371600" rtl="0" eaLnBrk="1" latinLnBrk="0" hangingPunct="1">
+      <a:lvl1pPr algn="l" defTabSz="2743200" rtl="0" eaLnBrk="1" latinLnBrk="0" hangingPunct="1">
         <a:lnSpc>
           <a:spcPct val="90000"/>
         </a:lnSpc>
@@ -3041,7 +3043,7 @@
           <a:spcPct val="0"/>
         </a:spcBef>
         <a:buNone/>
-        <a:defRPr sz="6600" kern="1200">
+        <a:defRPr sz="13200" kern="1200">
           <a:solidFill>
             <a:schemeClr val="tx1"/>
           </a:solidFill>
@@ -3052,7 +3054,25 @@
       </a:lvl1pPr>
     </p:titleStyle>
     <p:bodyStyle>
-      <a:lvl1pPr marL="342900" indent="-342900" algn="l" defTabSz="1371600" rtl="0" eaLnBrk="1" latinLnBrk="0" hangingPunct="1">
+      <a:lvl1pPr marL="685800" indent="-685800" algn="l" defTabSz="2743200" rtl="0" eaLnBrk="1" latinLnBrk="0" hangingPunct="1">
+        <a:lnSpc>
+          <a:spcPct val="90000"/>
+        </a:lnSpc>
+        <a:spcBef>
+          <a:spcPts val="3000"/>
+        </a:spcBef>
+        <a:buFont typeface="Arial" panose="020B0604020202020204" pitchFamily="34" charset="0"/>
+        <a:buChar char="•"/>
+        <a:defRPr sz="8400" kern="1200">
+          <a:solidFill>
+            <a:schemeClr val="tx1"/>
+          </a:solidFill>
+          <a:latin typeface="+mn-lt"/>
+          <a:ea typeface="+mn-ea"/>
+          <a:cs typeface="+mn-cs"/>
+        </a:defRPr>
+      </a:lvl1pPr>
+      <a:lvl2pPr marL="2057400" indent="-685800" algn="l" defTabSz="2743200" rtl="0" eaLnBrk="1" latinLnBrk="0" hangingPunct="1">
         <a:lnSpc>
           <a:spcPct val="90000"/>
         </a:lnSpc>
@@ -3061,25 +3081,7 @@
         </a:spcBef>
         <a:buFont typeface="Arial" panose="020B0604020202020204" pitchFamily="34" charset="0"/>
         <a:buChar char="•"/>
-        <a:defRPr sz="4200" kern="1200">
-          <a:solidFill>
-            <a:schemeClr val="tx1"/>
-          </a:solidFill>
-          <a:latin typeface="+mn-lt"/>
-          <a:ea typeface="+mn-ea"/>
-          <a:cs typeface="+mn-cs"/>
-        </a:defRPr>
-      </a:lvl1pPr>
-      <a:lvl2pPr marL="1028700" indent="-342900" algn="l" defTabSz="1371600" rtl="0" eaLnBrk="1" latinLnBrk="0" hangingPunct="1">
-        <a:lnSpc>
-          <a:spcPct val="90000"/>
-        </a:lnSpc>
-        <a:spcBef>
-          <a:spcPts val="750"/>
-        </a:spcBef>
-        <a:buFont typeface="Arial" panose="020B0604020202020204" pitchFamily="34" charset="0"/>
-        <a:buChar char="•"/>
-        <a:defRPr sz="3600" kern="1200">
+        <a:defRPr sz="7200" kern="1200">
           <a:solidFill>
             <a:schemeClr val="tx1"/>
           </a:solidFill>
@@ -3088,16 +3090,16 @@
           <a:cs typeface="+mn-cs"/>
         </a:defRPr>
       </a:lvl2pPr>
-      <a:lvl3pPr marL="1714500" indent="-342900" algn="l" defTabSz="1371600" rtl="0" eaLnBrk="1" latinLnBrk="0" hangingPunct="1">
+      <a:lvl3pPr marL="3429000" indent="-685800" algn="l" defTabSz="2743200" rtl="0" eaLnBrk="1" latinLnBrk="0" hangingPunct="1">
         <a:lnSpc>
           <a:spcPct val="90000"/>
         </a:lnSpc>
         <a:spcBef>
-          <a:spcPts val="750"/>
+          <a:spcPts val="1500"/>
         </a:spcBef>
         <a:buFont typeface="Arial" panose="020B0604020202020204" pitchFamily="34" charset="0"/>
         <a:buChar char="•"/>
-        <a:defRPr sz="3000" kern="1200">
+        <a:defRPr sz="6000" kern="1200">
           <a:solidFill>
             <a:schemeClr val="tx1"/>
           </a:solidFill>
@@ -3106,16 +3108,16 @@
           <a:cs typeface="+mn-cs"/>
         </a:defRPr>
       </a:lvl3pPr>
-      <a:lvl4pPr marL="2400300" indent="-342900" algn="l" defTabSz="1371600" rtl="0" eaLnBrk="1" latinLnBrk="0" hangingPunct="1">
+      <a:lvl4pPr marL="4800600" indent="-685800" algn="l" defTabSz="2743200" rtl="0" eaLnBrk="1" latinLnBrk="0" hangingPunct="1">
         <a:lnSpc>
           <a:spcPct val="90000"/>
         </a:lnSpc>
         <a:spcBef>
-          <a:spcPts val="750"/>
+          <a:spcPts val="1500"/>
         </a:spcBef>
         <a:buFont typeface="Arial" panose="020B0604020202020204" pitchFamily="34" charset="0"/>
         <a:buChar char="•"/>
-        <a:defRPr sz="2700" kern="1200">
+        <a:defRPr sz="5400" kern="1200">
           <a:solidFill>
             <a:schemeClr val="tx1"/>
           </a:solidFill>
@@ -3124,16 +3126,16 @@
           <a:cs typeface="+mn-cs"/>
         </a:defRPr>
       </a:lvl4pPr>
-      <a:lvl5pPr marL="3086100" indent="-342900" algn="l" defTabSz="1371600" rtl="0" eaLnBrk="1" latinLnBrk="0" hangingPunct="1">
+      <a:lvl5pPr marL="6172200" indent="-685800" algn="l" defTabSz="2743200" rtl="0" eaLnBrk="1" latinLnBrk="0" hangingPunct="1">
         <a:lnSpc>
           <a:spcPct val="90000"/>
         </a:lnSpc>
         <a:spcBef>
-          <a:spcPts val="750"/>
+          <a:spcPts val="1500"/>
         </a:spcBef>
         <a:buFont typeface="Arial" panose="020B0604020202020204" pitchFamily="34" charset="0"/>
         <a:buChar char="•"/>
-        <a:defRPr sz="2700" kern="1200">
+        <a:defRPr sz="5400" kern="1200">
           <a:solidFill>
             <a:schemeClr val="tx1"/>
           </a:solidFill>
@@ -3142,16 +3144,16 @@
           <a:cs typeface="+mn-cs"/>
         </a:defRPr>
       </a:lvl5pPr>
-      <a:lvl6pPr marL="3771900" indent="-342900" algn="l" defTabSz="1371600" rtl="0" eaLnBrk="1" latinLnBrk="0" hangingPunct="1">
+      <a:lvl6pPr marL="7543800" indent="-685800" algn="l" defTabSz="2743200" rtl="0" eaLnBrk="1" latinLnBrk="0" hangingPunct="1">
         <a:lnSpc>
           <a:spcPct val="90000"/>
         </a:lnSpc>
         <a:spcBef>
-          <a:spcPts val="750"/>
+          <a:spcPts val="1500"/>
         </a:spcBef>
         <a:buFont typeface="Arial" panose="020B0604020202020204" pitchFamily="34" charset="0"/>
         <a:buChar char="•"/>
-        <a:defRPr sz="2700" kern="1200">
+        <a:defRPr sz="5400" kern="1200">
           <a:solidFill>
             <a:schemeClr val="tx1"/>
           </a:solidFill>
@@ -3160,16 +3162,16 @@
           <a:cs typeface="+mn-cs"/>
         </a:defRPr>
       </a:lvl6pPr>
-      <a:lvl7pPr marL="4457700" indent="-342900" algn="l" defTabSz="1371600" rtl="0" eaLnBrk="1" latinLnBrk="0" hangingPunct="1">
+      <a:lvl7pPr marL="8915400" indent="-685800" algn="l" defTabSz="2743200" rtl="0" eaLnBrk="1" latinLnBrk="0" hangingPunct="1">
         <a:lnSpc>
           <a:spcPct val="90000"/>
         </a:lnSpc>
         <a:spcBef>
-          <a:spcPts val="750"/>
+          <a:spcPts val="1500"/>
         </a:spcBef>
         <a:buFont typeface="Arial" panose="020B0604020202020204" pitchFamily="34" charset="0"/>
         <a:buChar char="•"/>
-        <a:defRPr sz="2700" kern="1200">
+        <a:defRPr sz="5400" kern="1200">
           <a:solidFill>
             <a:schemeClr val="tx1"/>
           </a:solidFill>
@@ -3178,16 +3180,16 @@
           <a:cs typeface="+mn-cs"/>
         </a:defRPr>
       </a:lvl7pPr>
-      <a:lvl8pPr marL="5143500" indent="-342900" algn="l" defTabSz="1371600" rtl="0" eaLnBrk="1" latinLnBrk="0" hangingPunct="1">
+      <a:lvl8pPr marL="10287000" indent="-685800" algn="l" defTabSz="2743200" rtl="0" eaLnBrk="1" latinLnBrk="0" hangingPunct="1">
         <a:lnSpc>
           <a:spcPct val="90000"/>
         </a:lnSpc>
         <a:spcBef>
-          <a:spcPts val="750"/>
+          <a:spcPts val="1500"/>
         </a:spcBef>
         <a:buFont typeface="Arial" panose="020B0604020202020204" pitchFamily="34" charset="0"/>
         <a:buChar char="•"/>
-        <a:defRPr sz="2700" kern="1200">
+        <a:defRPr sz="5400" kern="1200">
           <a:solidFill>
             <a:schemeClr val="tx1"/>
           </a:solidFill>
@@ -3196,16 +3198,16 @@
           <a:cs typeface="+mn-cs"/>
         </a:defRPr>
       </a:lvl8pPr>
-      <a:lvl9pPr marL="5829300" indent="-342900" algn="l" defTabSz="1371600" rtl="0" eaLnBrk="1" latinLnBrk="0" hangingPunct="1">
+      <a:lvl9pPr marL="11658600" indent="-685800" algn="l" defTabSz="2743200" rtl="0" eaLnBrk="1" latinLnBrk="0" hangingPunct="1">
         <a:lnSpc>
           <a:spcPct val="90000"/>
         </a:lnSpc>
         <a:spcBef>
-          <a:spcPts val="750"/>
+          <a:spcPts val="1500"/>
         </a:spcBef>
         <a:buFont typeface="Arial" panose="020B0604020202020204" pitchFamily="34" charset="0"/>
         <a:buChar char="•"/>
-        <a:defRPr sz="2700" kern="1200">
+        <a:defRPr sz="5400" kern="1200">
           <a:solidFill>
             <a:schemeClr val="tx1"/>
           </a:solidFill>
@@ -3219,8 +3221,8 @@
       <a:defPPr>
         <a:defRPr lang="en-US"/>
       </a:defPPr>
-      <a:lvl1pPr marL="0" algn="l" defTabSz="1371600" rtl="0" eaLnBrk="1" latinLnBrk="0" hangingPunct="1">
-        <a:defRPr sz="2700" kern="1200">
+      <a:lvl1pPr marL="0" algn="l" defTabSz="2743200" rtl="0" eaLnBrk="1" latinLnBrk="0" hangingPunct="1">
+        <a:defRPr sz="5400" kern="1200">
           <a:solidFill>
             <a:schemeClr val="tx1"/>
           </a:solidFill>
@@ -3229,8 +3231,8 @@
           <a:cs typeface="+mn-cs"/>
         </a:defRPr>
       </a:lvl1pPr>
-      <a:lvl2pPr marL="685800" algn="l" defTabSz="1371600" rtl="0" eaLnBrk="1" latinLnBrk="0" hangingPunct="1">
-        <a:defRPr sz="2700" kern="1200">
+      <a:lvl2pPr marL="1371600" algn="l" defTabSz="2743200" rtl="0" eaLnBrk="1" latinLnBrk="0" hangingPunct="1">
+        <a:defRPr sz="5400" kern="1200">
           <a:solidFill>
             <a:schemeClr val="tx1"/>
           </a:solidFill>
@@ -3239,8 +3241,8 @@
           <a:cs typeface="+mn-cs"/>
         </a:defRPr>
       </a:lvl2pPr>
-      <a:lvl3pPr marL="1371600" algn="l" defTabSz="1371600" rtl="0" eaLnBrk="1" latinLnBrk="0" hangingPunct="1">
-        <a:defRPr sz="2700" kern="1200">
+      <a:lvl3pPr marL="2743200" algn="l" defTabSz="2743200" rtl="0" eaLnBrk="1" latinLnBrk="0" hangingPunct="1">
+        <a:defRPr sz="5400" kern="1200">
           <a:solidFill>
             <a:schemeClr val="tx1"/>
           </a:solidFill>
@@ -3249,8 +3251,8 @@
           <a:cs typeface="+mn-cs"/>
         </a:defRPr>
       </a:lvl3pPr>
-      <a:lvl4pPr marL="2057400" algn="l" defTabSz="1371600" rtl="0" eaLnBrk="1" latinLnBrk="0" hangingPunct="1">
-        <a:defRPr sz="2700" kern="1200">
+      <a:lvl4pPr marL="4114800" algn="l" defTabSz="2743200" rtl="0" eaLnBrk="1" latinLnBrk="0" hangingPunct="1">
+        <a:defRPr sz="5400" kern="1200">
           <a:solidFill>
             <a:schemeClr val="tx1"/>
           </a:solidFill>
@@ -3259,8 +3261,8 @@
           <a:cs typeface="+mn-cs"/>
         </a:defRPr>
       </a:lvl4pPr>
-      <a:lvl5pPr marL="2743200" algn="l" defTabSz="1371600" rtl="0" eaLnBrk="1" latinLnBrk="0" hangingPunct="1">
-        <a:defRPr sz="2700" kern="1200">
+      <a:lvl5pPr marL="5486400" algn="l" defTabSz="2743200" rtl="0" eaLnBrk="1" latinLnBrk="0" hangingPunct="1">
+        <a:defRPr sz="5400" kern="1200">
           <a:solidFill>
             <a:schemeClr val="tx1"/>
           </a:solidFill>
@@ -3269,8 +3271,8 @@
           <a:cs typeface="+mn-cs"/>
         </a:defRPr>
       </a:lvl5pPr>
-      <a:lvl6pPr marL="3429000" algn="l" defTabSz="1371600" rtl="0" eaLnBrk="1" latinLnBrk="0" hangingPunct="1">
-        <a:defRPr sz="2700" kern="1200">
+      <a:lvl6pPr marL="6858000" algn="l" defTabSz="2743200" rtl="0" eaLnBrk="1" latinLnBrk="0" hangingPunct="1">
+        <a:defRPr sz="5400" kern="1200">
           <a:solidFill>
             <a:schemeClr val="tx1"/>
           </a:solidFill>
@@ -3279,8 +3281,8 @@
           <a:cs typeface="+mn-cs"/>
         </a:defRPr>
       </a:lvl6pPr>
-      <a:lvl7pPr marL="4114800" algn="l" defTabSz="1371600" rtl="0" eaLnBrk="1" latinLnBrk="0" hangingPunct="1">
-        <a:defRPr sz="2700" kern="1200">
+      <a:lvl7pPr marL="8229600" algn="l" defTabSz="2743200" rtl="0" eaLnBrk="1" latinLnBrk="0" hangingPunct="1">
+        <a:defRPr sz="5400" kern="1200">
           <a:solidFill>
             <a:schemeClr val="tx1"/>
           </a:solidFill>
@@ -3289,8 +3291,8 @@
           <a:cs typeface="+mn-cs"/>
         </a:defRPr>
       </a:lvl7pPr>
-      <a:lvl8pPr marL="4800600" algn="l" defTabSz="1371600" rtl="0" eaLnBrk="1" latinLnBrk="0" hangingPunct="1">
-        <a:defRPr sz="2700" kern="1200">
+      <a:lvl8pPr marL="9601200" algn="l" defTabSz="2743200" rtl="0" eaLnBrk="1" latinLnBrk="0" hangingPunct="1">
+        <a:defRPr sz="5400" kern="1200">
           <a:solidFill>
             <a:schemeClr val="tx1"/>
           </a:solidFill>
@@ -3299,8 +3301,8 @@
           <a:cs typeface="+mn-cs"/>
         </a:defRPr>
       </a:lvl8pPr>
-      <a:lvl9pPr marL="5486400" algn="l" defTabSz="1371600" rtl="0" eaLnBrk="1" latinLnBrk="0" hangingPunct="1">
-        <a:defRPr sz="2700" kern="1200">
+      <a:lvl9pPr marL="10972800" algn="l" defTabSz="2743200" rtl="0" eaLnBrk="1" latinLnBrk="0" hangingPunct="1">
+        <a:defRPr sz="5400" kern="1200">
           <a:solidFill>
             <a:schemeClr val="tx1"/>
           </a:solidFill>
@@ -3333,10 +3335,10 @@
       </p:grpSpPr>
       <p:grpSp>
         <p:nvGrpSpPr>
-          <p:cNvPr id="30" name="Group 29">
+          <p:cNvPr id="3" name="Group 2">
             <a:extLst>
               <a:ext uri="{FF2B5EF4-FFF2-40B4-BE49-F238E27FC236}">
-                <a16:creationId xmlns:a16="http://schemas.microsoft.com/office/drawing/2014/main" id="{FF70B245-DD16-9F16-F986-432B1E76C2E5}"/>
+                <a16:creationId xmlns:a16="http://schemas.microsoft.com/office/drawing/2014/main" id="{A9942A65-9EDD-1EF0-5AC7-54770DD4776E}"/>
               </a:ext>
             </a:extLst>
           </p:cNvPr>
@@ -3345,18 +3347,54 @@
         </p:nvGrpSpPr>
         <p:grpSpPr>
           <a:xfrm>
-            <a:off x="0" y="9561946"/>
-            <a:ext cx="12148701" cy="5683731"/>
-            <a:chOff x="2795" y="8037008"/>
-            <a:chExt cx="12148701" cy="5683731"/>
+            <a:off x="628482" y="8445601"/>
+            <a:ext cx="6682512" cy="5238980"/>
+            <a:chOff x="5586383" y="3170615"/>
+            <a:chExt cx="6561498" cy="5238980"/>
           </a:xfrm>
         </p:grpSpPr>
+        <p:sp>
+          <p:nvSpPr>
+            <p:cNvPr id="29" name="TextBox 28">
+              <a:extLst>
+                <a:ext uri="{FF2B5EF4-FFF2-40B4-BE49-F238E27FC236}">
+                  <a16:creationId xmlns:a16="http://schemas.microsoft.com/office/drawing/2014/main" id="{27A0EE05-AE9B-12F2-02E1-F51356548DDD}"/>
+                </a:ext>
+              </a:extLst>
+            </p:cNvPr>
+            <p:cNvSpPr txBox="1"/>
+            <p:nvPr/>
+          </p:nvSpPr>
+          <p:spPr>
+            <a:xfrm rot="16200000">
+              <a:off x="3253986" y="5503012"/>
+              <a:ext cx="5238980" cy="574185"/>
+            </a:xfrm>
+            <a:prstGeom prst="rect">
+              <a:avLst/>
+            </a:prstGeom>
+            <a:noFill/>
+          </p:spPr>
+          <p:txBody>
+            <a:bodyPr wrap="square" rtlCol="0">
+              <a:spAutoFit/>
+            </a:bodyPr>
+            <a:lstStyle/>
+            <a:p>
+              <a:pPr algn="ctr"/>
+              <a:r>
+                <a:rPr lang="en-US" sz="3200" dirty="0"/>
+                <a:t>Relative Abundance</a:t>
+              </a:r>
+            </a:p>
+          </p:txBody>
+        </p:sp>
         <p:grpSp>
           <p:nvGrpSpPr>
-            <p:cNvPr id="27" name="Group 26">
+            <p:cNvPr id="14" name="Group 13">
               <a:extLst>
                 <a:ext uri="{FF2B5EF4-FFF2-40B4-BE49-F238E27FC236}">
-                  <a16:creationId xmlns:a16="http://schemas.microsoft.com/office/drawing/2014/main" id="{915DFCBF-1754-EEC9-99D5-A7C17E22A6EE}"/>
+                  <a16:creationId xmlns:a16="http://schemas.microsoft.com/office/drawing/2014/main" id="{C93A595C-29C8-393A-186E-9E42B578F541}"/>
                 </a:ext>
               </a:extLst>
             </p:cNvPr>
@@ -3365,18 +3403,18 @@
           </p:nvGrpSpPr>
           <p:grpSpPr>
             <a:xfrm>
-              <a:off x="377321" y="8037008"/>
-              <a:ext cx="11774175" cy="5683731"/>
-              <a:chOff x="377321" y="8037008"/>
-              <a:chExt cx="11774175" cy="5683731"/>
+              <a:off x="6226120" y="3488772"/>
+              <a:ext cx="5921761" cy="4767739"/>
+              <a:chOff x="8042060" y="3763359"/>
+              <a:chExt cx="5921761" cy="4767739"/>
             </a:xfrm>
           </p:grpSpPr>
           <p:pic>
             <p:nvPicPr>
-              <p:cNvPr id="16" name="Picture 15" descr="Chart, box and whisker chart&#10;&#10;Description automatically generated">
+              <p:cNvPr id="7" name="Picture 6" descr="Graphical user interface, chart, box and whisker chart&#10;&#10;Description automatically generated">
                 <a:extLst>
                   <a:ext uri="{FF2B5EF4-FFF2-40B4-BE49-F238E27FC236}">
-                    <a16:creationId xmlns:a16="http://schemas.microsoft.com/office/drawing/2014/main" id="{2B726B5C-D110-A42F-4E9A-9A5AF0991A43}"/>
+                    <a16:creationId xmlns:a16="http://schemas.microsoft.com/office/drawing/2014/main" id="{03A44678-0B2E-24BF-1AC6-7E2EA0C7711C}"/>
                   </a:ext>
                 </a:extLst>
               </p:cNvPr>
@@ -3385,22 +3423,326 @@
               </p:cNvPicPr>
               <p:nvPr/>
             </p:nvPicPr>
-            <p:blipFill>
+            <p:blipFill rotWithShape="1">
               <a:blip r:embed="rId2"/>
-              <a:stretch>
-                <a:fillRect/>
-              </a:stretch>
+              <a:srcRect t="20053" b="59894"/>
+              <a:stretch/>
             </p:blipFill>
             <p:spPr>
               <a:xfrm>
-                <a:off x="9159770" y="8959167"/>
-                <a:ext cx="2991726" cy="2437703"/>
+                <a:off x="8042060" y="3763359"/>
+                <a:ext cx="5921760" cy="2418941"/>
               </a:xfrm>
               <a:prstGeom prst="rect">
                 <a:avLst/>
               </a:prstGeom>
+              <a:ln>
+                <a:noFill/>
+              </a:ln>
             </p:spPr>
           </p:pic>
+          <p:pic>
+            <p:nvPicPr>
+              <p:cNvPr id="39" name="Picture 38" descr="Bar chart&#10;&#10;Description automatically generated with low confidence">
+                <a:extLst>
+                  <a:ext uri="{FF2B5EF4-FFF2-40B4-BE49-F238E27FC236}">
+                    <a16:creationId xmlns:a16="http://schemas.microsoft.com/office/drawing/2014/main" id="{13E1195C-7E87-50D6-F829-DD8F35AB09C7}"/>
+                  </a:ext>
+                </a:extLst>
+              </p:cNvPr>
+              <p:cNvPicPr>
+                <a:picLocks noChangeAspect="1"/>
+              </p:cNvPicPr>
+              <p:nvPr/>
+            </p:nvPicPr>
+            <p:blipFill rotWithShape="1">
+              <a:blip r:embed="rId3"/>
+              <a:srcRect l="50716" t="16711" b="66578"/>
+              <a:stretch/>
+            </p:blipFill>
+            <p:spPr>
+              <a:xfrm>
+                <a:off x="8222923" y="6151979"/>
+                <a:ext cx="5740898" cy="2379119"/>
+              </a:xfrm>
+              <a:prstGeom prst="rect">
+                <a:avLst/>
+              </a:prstGeom>
+              <a:ln>
+                <a:noFill/>
+              </a:ln>
+            </p:spPr>
+          </p:pic>
+        </p:grpSp>
+      </p:grpSp>
+      <p:sp>
+        <p:nvSpPr>
+          <p:cNvPr id="43" name="TextBox 42">
+            <a:extLst>
+              <a:ext uri="{FF2B5EF4-FFF2-40B4-BE49-F238E27FC236}">
+                <a16:creationId xmlns:a16="http://schemas.microsoft.com/office/drawing/2014/main" id="{07E65E05-2F54-A357-3F2C-9F6BCD0BE205}"/>
+              </a:ext>
+            </a:extLst>
+          </p:cNvPr>
+          <p:cNvSpPr txBox="1"/>
+          <p:nvPr/>
+        </p:nvSpPr>
+        <p:spPr>
+          <a:xfrm>
+            <a:off x="1066522" y="7361226"/>
+            <a:ext cx="6748046" cy="923330"/>
+          </a:xfrm>
+          <a:prstGeom prst="rect">
+            <a:avLst/>
+          </a:prstGeom>
+          <a:noFill/>
+        </p:spPr>
+        <p:txBody>
+          <a:bodyPr wrap="square" rtlCol="0">
+            <a:spAutoFit/>
+          </a:bodyPr>
+          <a:lstStyle/>
+          <a:p>
+            <a:pPr algn="ctr"/>
+            <a:r>
+              <a:rPr lang="en-US" sz="5400" b="1" dirty="0"/>
+              <a:t>Bleached + Ambient</a:t>
+            </a:r>
+          </a:p>
+        </p:txBody>
+      </p:sp>
+      <p:sp>
+        <p:nvSpPr>
+          <p:cNvPr id="49" name="TextBox 48">
+            <a:extLst>
+              <a:ext uri="{FF2B5EF4-FFF2-40B4-BE49-F238E27FC236}">
+                <a16:creationId xmlns:a16="http://schemas.microsoft.com/office/drawing/2014/main" id="{9FE48EC9-7568-A004-326B-9EF65F4E4417}"/>
+              </a:ext>
+            </a:extLst>
+          </p:cNvPr>
+          <p:cNvSpPr txBox="1"/>
+          <p:nvPr/>
+        </p:nvSpPr>
+        <p:spPr>
+          <a:xfrm>
+            <a:off x="9432271" y="7361226"/>
+            <a:ext cx="3878272" cy="923330"/>
+          </a:xfrm>
+          <a:prstGeom prst="rect">
+            <a:avLst/>
+          </a:prstGeom>
+          <a:noFill/>
+        </p:spPr>
+        <p:txBody>
+          <a:bodyPr wrap="square" rtlCol="0">
+            <a:spAutoFit/>
+          </a:bodyPr>
+          <a:lstStyle/>
+          <a:p>
+            <a:pPr algn="ctr"/>
+            <a:r>
+              <a:rPr lang="en-US" sz="5400" b="1" dirty="0"/>
+              <a:t>Heated</a:t>
+            </a:r>
+            <a:endParaRPr lang="en-US" sz="6400" b="1" dirty="0"/>
+          </a:p>
+        </p:txBody>
+      </p:sp>
+      <p:sp>
+        <p:nvSpPr>
+          <p:cNvPr id="52" name="TextBox 51">
+            <a:extLst>
+              <a:ext uri="{FF2B5EF4-FFF2-40B4-BE49-F238E27FC236}">
+                <a16:creationId xmlns:a16="http://schemas.microsoft.com/office/drawing/2014/main" id="{151E86C4-4334-D9FE-C24F-3B043F3C79D9}"/>
+              </a:ext>
+            </a:extLst>
+          </p:cNvPr>
+          <p:cNvSpPr txBox="1"/>
+          <p:nvPr/>
+        </p:nvSpPr>
+        <p:spPr>
+          <a:xfrm>
+            <a:off x="18942776" y="7332538"/>
+            <a:ext cx="4543876" cy="923330"/>
+          </a:xfrm>
+          <a:prstGeom prst="rect">
+            <a:avLst/>
+          </a:prstGeom>
+          <a:noFill/>
+        </p:spPr>
+        <p:txBody>
+          <a:bodyPr wrap="square" rtlCol="0">
+            <a:spAutoFit/>
+          </a:bodyPr>
+          <a:lstStyle/>
+          <a:p>
+            <a:pPr algn="ctr"/>
+            <a:r>
+              <a:rPr lang="en-US" sz="5400" b="1" dirty="0"/>
+              <a:t>All treatments</a:t>
+            </a:r>
+          </a:p>
+        </p:txBody>
+      </p:sp>
+      <p:grpSp>
+        <p:nvGrpSpPr>
+          <p:cNvPr id="12" name="Group 11">
+            <a:extLst>
+              <a:ext uri="{FF2B5EF4-FFF2-40B4-BE49-F238E27FC236}">
+                <a16:creationId xmlns:a16="http://schemas.microsoft.com/office/drawing/2014/main" id="{D905BA39-52B4-BB44-10B2-F3A6417D6575}"/>
+              </a:ext>
+            </a:extLst>
+          </p:cNvPr>
+          <p:cNvGrpSpPr/>
+          <p:nvPr/>
+        </p:nvGrpSpPr>
+        <p:grpSpPr>
+          <a:xfrm>
+            <a:off x="14518821" y="8627231"/>
+            <a:ext cx="12579974" cy="16968190"/>
+            <a:chOff x="5084215" y="17405520"/>
+            <a:chExt cx="12579974" cy="16968190"/>
+          </a:xfrm>
+        </p:grpSpPr>
+        <p:pic>
+          <p:nvPicPr>
+            <p:cNvPr id="32" name="Picture 31" descr="Bar chart&#10;&#10;Description automatically generated with low confidence">
+              <a:extLst>
+                <a:ext uri="{FF2B5EF4-FFF2-40B4-BE49-F238E27FC236}">
+                  <a16:creationId xmlns:a16="http://schemas.microsoft.com/office/drawing/2014/main" id="{158079A9-4EBF-FFB3-A864-0F61869FA47A}"/>
+                </a:ext>
+              </a:extLst>
+            </p:cNvPr>
+            <p:cNvPicPr>
+              <a:picLocks noChangeAspect="1"/>
+            </p:cNvPicPr>
+            <p:nvPr/>
+          </p:nvPicPr>
+          <p:blipFill rotWithShape="1">
+            <a:blip r:embed="rId3"/>
+            <a:srcRect t="82988" r="48931" b="-1"/>
+            <a:stretch/>
+          </p:blipFill>
+          <p:spPr>
+            <a:xfrm>
+              <a:off x="11535555" y="24616054"/>
+              <a:ext cx="6122016" cy="2492599"/>
+            </a:xfrm>
+            <a:prstGeom prst="rect">
+              <a:avLst/>
+            </a:prstGeom>
+            <a:ln>
+              <a:noFill/>
+            </a:ln>
+          </p:spPr>
+        </p:pic>
+        <p:pic>
+          <p:nvPicPr>
+            <p:cNvPr id="53" name="Picture 52" descr="Chart, box and whisker chart&#10;&#10;Description automatically generated">
+              <a:extLst>
+                <a:ext uri="{FF2B5EF4-FFF2-40B4-BE49-F238E27FC236}">
+                  <a16:creationId xmlns:a16="http://schemas.microsoft.com/office/drawing/2014/main" id="{F7B57CB2-625F-4838-811D-3FDCDEB56A35}"/>
+                </a:ext>
+              </a:extLst>
+            </p:cNvPr>
+            <p:cNvPicPr>
+              <a:picLocks noChangeAspect="1"/>
+            </p:cNvPicPr>
+            <p:nvPr/>
+          </p:nvPicPr>
+          <p:blipFill rotWithShape="1">
+            <a:blip r:embed="rId4"/>
+            <a:srcRect t="74634" b="-1"/>
+            <a:stretch/>
+          </p:blipFill>
+          <p:spPr>
+            <a:xfrm>
+              <a:off x="11741611" y="29505045"/>
+              <a:ext cx="5915960" cy="2444475"/>
+            </a:xfrm>
+            <a:prstGeom prst="rect">
+              <a:avLst/>
+            </a:prstGeom>
+          </p:spPr>
+        </p:pic>
+        <p:pic>
+          <p:nvPicPr>
+            <p:cNvPr id="55" name="Picture 54" descr="Chart, box and whisker chart&#10;&#10;Description automatically generated">
+              <a:extLst>
+                <a:ext uri="{FF2B5EF4-FFF2-40B4-BE49-F238E27FC236}">
+                  <a16:creationId xmlns:a16="http://schemas.microsoft.com/office/drawing/2014/main" id="{0B4F4D65-1900-8D55-9E1B-743091BC02BF}"/>
+                </a:ext>
+              </a:extLst>
+            </p:cNvPr>
+            <p:cNvPicPr>
+              <a:picLocks noChangeAspect="1"/>
+            </p:cNvPicPr>
+            <p:nvPr/>
+          </p:nvPicPr>
+          <p:blipFill rotWithShape="1">
+            <a:blip r:embed="rId5"/>
+            <a:srcRect t="49490" b="-1"/>
+            <a:stretch/>
+          </p:blipFill>
+          <p:spPr>
+            <a:xfrm>
+              <a:off x="11674119" y="17435772"/>
+              <a:ext cx="5983452" cy="2462636"/>
+            </a:xfrm>
+            <a:prstGeom prst="rect">
+              <a:avLst/>
+            </a:prstGeom>
+          </p:spPr>
+        </p:pic>
+        <p:pic>
+          <p:nvPicPr>
+            <p:cNvPr id="16" name="Picture 15" descr="Chart, box and whisker chart&#10;&#10;Description automatically generated">
+              <a:extLst>
+                <a:ext uri="{FF2B5EF4-FFF2-40B4-BE49-F238E27FC236}">
+                  <a16:creationId xmlns:a16="http://schemas.microsoft.com/office/drawing/2014/main" id="{2B726B5C-D110-A42F-4E9A-9A5AF0991A43}"/>
+                </a:ext>
+              </a:extLst>
+            </p:cNvPr>
+            <p:cNvPicPr>
+              <a:picLocks noChangeAspect="1"/>
+            </p:cNvPicPr>
+            <p:nvPr/>
+          </p:nvPicPr>
+          <p:blipFill rotWithShape="1">
+            <a:blip r:embed="rId5"/>
+            <a:srcRect b="49969"/>
+            <a:stretch/>
+          </p:blipFill>
+          <p:spPr>
+            <a:xfrm>
+              <a:off x="5796655" y="24550067"/>
+              <a:ext cx="5983452" cy="2439221"/>
+            </a:xfrm>
+            <a:prstGeom prst="rect">
+              <a:avLst/>
+            </a:prstGeom>
+          </p:spPr>
+        </p:pic>
+        <p:grpSp>
+          <p:nvGrpSpPr>
+            <p:cNvPr id="54" name="Group 53">
+              <a:extLst>
+                <a:ext uri="{FF2B5EF4-FFF2-40B4-BE49-F238E27FC236}">
+                  <a16:creationId xmlns:a16="http://schemas.microsoft.com/office/drawing/2014/main" id="{5153BBB9-53A2-90EB-8870-74ADAB786FD1}"/>
+                </a:ext>
+              </a:extLst>
+            </p:cNvPr>
+            <p:cNvGrpSpPr/>
+            <p:nvPr/>
+          </p:nvGrpSpPr>
+          <p:grpSpPr>
+            <a:xfrm>
+              <a:off x="5858348" y="17405520"/>
+              <a:ext cx="5924259" cy="7197747"/>
+              <a:chOff x="6406982" y="23009374"/>
+              <a:chExt cx="5924259" cy="7197747"/>
+            </a:xfrm>
+          </p:grpSpPr>
           <p:pic>
             <p:nvPicPr>
               <p:cNvPr id="18" name="Picture 17" descr="Chart, box and whisker chart&#10;&#10;Description automatically generated">
@@ -3415,181 +3757,21 @@
               </p:cNvPicPr>
               <p:nvPr/>
             </p:nvPicPr>
-            <p:blipFill>
-              <a:blip r:embed="rId3"/>
-              <a:stretch>
-                <a:fillRect/>
-              </a:stretch>
+            <p:blipFill rotWithShape="1">
+              <a:blip r:embed="rId6"/>
+              <a:srcRect b="33293"/>
+              <a:stretch/>
             </p:blipFill>
             <p:spPr>
               <a:xfrm>
-                <a:off x="6160937" y="8959167"/>
-                <a:ext cx="2952074" cy="3608091"/>
+                <a:off x="6427093" y="23009374"/>
+                <a:ext cx="5904148" cy="4813665"/>
               </a:xfrm>
               <a:prstGeom prst="rect">
                 <a:avLst/>
               </a:prstGeom>
             </p:spPr>
           </p:pic>
-          <p:pic>
-            <p:nvPicPr>
-              <p:cNvPr id="20" name="Picture 19" descr="Chart, box and whisker chart&#10;&#10;Description automatically generated">
-                <a:extLst>
-                  <a:ext uri="{FF2B5EF4-FFF2-40B4-BE49-F238E27FC236}">
-                    <a16:creationId xmlns:a16="http://schemas.microsoft.com/office/drawing/2014/main" id="{8DEC8B51-2756-CA06-53A4-12EE43F9BB41}"/>
-                  </a:ext>
-                </a:extLst>
-              </p:cNvPr>
-              <p:cNvPicPr>
-                <a:picLocks noChangeAspect="1"/>
-              </p:cNvPicPr>
-              <p:nvPr/>
-            </p:nvPicPr>
-            <p:blipFill>
-              <a:blip r:embed="rId4"/>
-              <a:stretch>
-                <a:fillRect/>
-              </a:stretch>
-            </p:blipFill>
-            <p:spPr>
-              <a:xfrm>
-                <a:off x="3283565" y="8959167"/>
-                <a:ext cx="2923202" cy="4761572"/>
-              </a:xfrm>
-              <a:prstGeom prst="rect">
-                <a:avLst/>
-              </a:prstGeom>
-            </p:spPr>
-          </p:pic>
-          <p:sp>
-            <p:nvSpPr>
-              <p:cNvPr id="21" name="TextBox 20">
-                <a:extLst>
-                  <a:ext uri="{FF2B5EF4-FFF2-40B4-BE49-F238E27FC236}">
-                    <a16:creationId xmlns:a16="http://schemas.microsoft.com/office/drawing/2014/main" id="{09B91980-EFF8-AE5E-15A2-2FF500642EE2}"/>
-                  </a:ext>
-                </a:extLst>
-              </p:cNvPr>
-              <p:cNvSpPr txBox="1"/>
-              <p:nvPr/>
-            </p:nvSpPr>
-            <p:spPr>
-              <a:xfrm>
-                <a:off x="3587277" y="8309067"/>
-                <a:ext cx="2619490" cy="646331"/>
-              </a:xfrm>
-              <a:prstGeom prst="rect">
-                <a:avLst/>
-              </a:prstGeom>
-              <a:noFill/>
-            </p:spPr>
-            <p:txBody>
-              <a:bodyPr wrap="square" rtlCol="0">
-                <a:spAutoFit/>
-              </a:bodyPr>
-              <a:lstStyle/>
-              <a:p>
-                <a:pPr algn="ctr"/>
-                <a:r>
-                  <a:rPr lang="en-US" sz="1800" dirty="0"/>
-                  <a:t>Non-bleached + Heated</a:t>
-                </a:r>
-              </a:p>
-              <a:p>
-                <a:pPr algn="ctr"/>
-                <a:r>
-                  <a:rPr lang="en-US" sz="1800" dirty="0"/>
-                  <a:t>Bleached + Heated</a:t>
-                </a:r>
-              </a:p>
-            </p:txBody>
-          </p:sp>
-          <p:sp>
-            <p:nvSpPr>
-              <p:cNvPr id="22" name="TextBox 21">
-                <a:extLst>
-                  <a:ext uri="{FF2B5EF4-FFF2-40B4-BE49-F238E27FC236}">
-                    <a16:creationId xmlns:a16="http://schemas.microsoft.com/office/drawing/2014/main" id="{F62E7EEA-0E9E-76D1-3A0E-5CE690CDE81D}"/>
-                  </a:ext>
-                </a:extLst>
-              </p:cNvPr>
-              <p:cNvSpPr txBox="1"/>
-              <p:nvPr/>
-            </p:nvSpPr>
-            <p:spPr>
-              <a:xfrm>
-                <a:off x="6424376" y="8285481"/>
-                <a:ext cx="2619490" cy="646331"/>
-              </a:xfrm>
-              <a:prstGeom prst="rect">
-                <a:avLst/>
-              </a:prstGeom>
-              <a:noFill/>
-            </p:spPr>
-            <p:txBody>
-              <a:bodyPr wrap="square" rtlCol="0">
-                <a:spAutoFit/>
-              </a:bodyPr>
-              <a:lstStyle/>
-              <a:p>
-                <a:pPr algn="ctr"/>
-                <a:r>
-                  <a:rPr lang="en-US" sz="1800" dirty="0"/>
-                  <a:t>Non-bleached + Heated</a:t>
-                </a:r>
-              </a:p>
-              <a:p>
-                <a:pPr algn="ctr"/>
-                <a:r>
-                  <a:rPr lang="en-US" sz="1800" dirty="0"/>
-                  <a:t>Bleached + Ambient</a:t>
-                </a:r>
-              </a:p>
-            </p:txBody>
-          </p:sp>
-          <p:sp>
-            <p:nvSpPr>
-              <p:cNvPr id="23" name="TextBox 22">
-                <a:extLst>
-                  <a:ext uri="{FF2B5EF4-FFF2-40B4-BE49-F238E27FC236}">
-                    <a16:creationId xmlns:a16="http://schemas.microsoft.com/office/drawing/2014/main" id="{A46F5366-CE8E-AC2A-E6FA-EE7859B0336C}"/>
-                  </a:ext>
-                </a:extLst>
-              </p:cNvPr>
-              <p:cNvSpPr txBox="1"/>
-              <p:nvPr/>
-            </p:nvSpPr>
-            <p:spPr>
-              <a:xfrm>
-                <a:off x="9429904" y="8285481"/>
-                <a:ext cx="2619490" cy="646331"/>
-              </a:xfrm>
-              <a:prstGeom prst="rect">
-                <a:avLst/>
-              </a:prstGeom>
-              <a:noFill/>
-            </p:spPr>
-            <p:txBody>
-              <a:bodyPr wrap="square" rtlCol="0">
-                <a:spAutoFit/>
-              </a:bodyPr>
-              <a:lstStyle/>
-              <a:p>
-                <a:pPr algn="ctr"/>
-                <a:r>
-                  <a:rPr lang="en-US" sz="1800" dirty="0"/>
-                  <a:t>Bleached + Ambient</a:t>
-                </a:r>
-              </a:p>
-              <a:p>
-                <a:pPr algn="ctr"/>
-                <a:r>
-                  <a:rPr lang="en-US" sz="1800" dirty="0"/>
-                  <a:t>Bleached + Heated</a:t>
-                </a:r>
-              </a:p>
-            </p:txBody>
-          </p:sp>
           <p:pic>
             <p:nvPicPr>
               <p:cNvPr id="25" name="Picture 24" descr="Chart, box and whisker chart&#10;&#10;Description automatically generated">
@@ -3604,72 +3786,21 @@
               </p:cNvPicPr>
               <p:nvPr/>
             </p:nvPicPr>
-            <p:blipFill>
-              <a:blip r:embed="rId5"/>
-              <a:stretch>
-                <a:fillRect/>
-              </a:stretch>
+            <p:blipFill rotWithShape="1">
+              <a:blip r:embed="rId4"/>
+              <a:srcRect t="-1" b="74713"/>
+              <a:stretch/>
             </p:blipFill>
             <p:spPr>
               <a:xfrm>
-                <a:off x="377321" y="8931812"/>
-                <a:ext cx="2923202" cy="4761572"/>
+                <a:off x="6406982" y="27767900"/>
+                <a:ext cx="5921759" cy="2439221"/>
               </a:xfrm>
               <a:prstGeom prst="rect">
                 <a:avLst/>
               </a:prstGeom>
             </p:spPr>
           </p:pic>
-          <p:sp>
-            <p:nvSpPr>
-              <p:cNvPr id="26" name="TextBox 25">
-                <a:extLst>
-                  <a:ext uri="{FF2B5EF4-FFF2-40B4-BE49-F238E27FC236}">
-                    <a16:creationId xmlns:a16="http://schemas.microsoft.com/office/drawing/2014/main" id="{E7DD7862-CABB-8838-9164-C886C49A1C15}"/>
-                  </a:ext>
-                </a:extLst>
-              </p:cNvPr>
-              <p:cNvSpPr txBox="1"/>
-              <p:nvPr/>
-            </p:nvSpPr>
-            <p:spPr>
-              <a:xfrm>
-                <a:off x="664075" y="8037008"/>
-                <a:ext cx="2619490" cy="923330"/>
-              </a:xfrm>
-              <a:prstGeom prst="rect">
-                <a:avLst/>
-              </a:prstGeom>
-              <a:noFill/>
-            </p:spPr>
-            <p:txBody>
-              <a:bodyPr wrap="square" rtlCol="0">
-                <a:spAutoFit/>
-              </a:bodyPr>
-              <a:lstStyle/>
-              <a:p>
-                <a:pPr algn="ctr"/>
-                <a:r>
-                  <a:rPr lang="en-US" sz="1800" dirty="0"/>
-                  <a:t>Non-bleached + Heated</a:t>
-                </a:r>
-              </a:p>
-              <a:p>
-                <a:pPr algn="ctr"/>
-                <a:r>
-                  <a:rPr lang="en-US" sz="1800" dirty="0"/>
-                  <a:t>Bleached + Heated</a:t>
-                </a:r>
-              </a:p>
-              <a:p>
-                <a:pPr algn="ctr"/>
-                <a:r>
-                  <a:rPr lang="en-US" sz="1800" dirty="0"/>
-                  <a:t>Bleached Ambient</a:t>
-                </a:r>
-              </a:p>
-            </p:txBody>
-          </p:sp>
         </p:grpSp>
         <p:sp>
           <p:nvSpPr>
@@ -3685,8 +3816,8 @@
           </p:nvSpPr>
           <p:spPr>
             <a:xfrm rot="16200000">
-              <a:off x="-1137673" y="11227593"/>
-              <a:ext cx="2619490" cy="338554"/>
+              <a:off x="2757113" y="24491148"/>
+              <a:ext cx="5238980" cy="584775"/>
             </a:xfrm>
             <a:prstGeom prst="rect">
               <a:avLst/>
@@ -3701,39 +3832,18 @@
             <a:p>
               <a:pPr algn="ctr"/>
               <a:r>
-                <a:rPr lang="en-US" sz="1600" dirty="0"/>
+                <a:rPr lang="en-US" sz="3200" dirty="0"/>
                 <a:t>Relative Abundance</a:t>
               </a:r>
             </a:p>
           </p:txBody>
         </p:sp>
-      </p:grpSp>
-      <p:grpSp>
-        <p:nvGrpSpPr>
-          <p:cNvPr id="31" name="Group 30">
-            <a:extLst>
-              <a:ext uri="{FF2B5EF4-FFF2-40B4-BE49-F238E27FC236}">
-                <a16:creationId xmlns:a16="http://schemas.microsoft.com/office/drawing/2014/main" id="{1107CFF1-FBAF-5C69-7DB3-18CDBEBCA0E8}"/>
-              </a:ext>
-            </a:extLst>
-          </p:cNvPr>
-          <p:cNvGrpSpPr/>
-          <p:nvPr/>
-        </p:nvGrpSpPr>
-        <p:grpSpPr>
-          <a:xfrm>
-            <a:off x="2795" y="990721"/>
-            <a:ext cx="12140498" cy="7607042"/>
-            <a:chOff x="2795" y="138667"/>
-            <a:chExt cx="12140498" cy="7607042"/>
-          </a:xfrm>
-        </p:grpSpPr>
         <p:pic>
           <p:nvPicPr>
-            <p:cNvPr id="5" name="Picture 4" descr="Bar chart&#10;&#10;Description automatically generated with low confidence">
+            <p:cNvPr id="35" name="Picture 34" descr="Graphical user interface, chart, box and whisker chart&#10;&#10;Description automatically generated">
               <a:extLst>
                 <a:ext uri="{FF2B5EF4-FFF2-40B4-BE49-F238E27FC236}">
-                  <a16:creationId xmlns:a16="http://schemas.microsoft.com/office/drawing/2014/main" id="{A960A303-B243-18F6-AA1C-7EE816D9610B}"/>
+                  <a16:creationId xmlns:a16="http://schemas.microsoft.com/office/drawing/2014/main" id="{83173606-8CBA-08ED-4F47-DF886C4ED603}"/>
                 </a:ext>
               </a:extLst>
             </p:cNvPr>
@@ -3742,16 +3852,15 @@
             </p:cNvPicPr>
             <p:nvPr/>
           </p:nvPicPr>
-          <p:blipFill>
-            <a:blip r:embed="rId6"/>
-            <a:stretch>
-              <a:fillRect/>
-            </a:stretch>
+          <p:blipFill rotWithShape="1">
+            <a:blip r:embed="rId2"/>
+            <a:srcRect t="39774" b="40262"/>
+            <a:stretch/>
           </p:blipFill>
           <p:spPr>
             <a:xfrm>
-              <a:off x="274372" y="508001"/>
-              <a:ext cx="5921761" cy="7237708"/>
+              <a:off x="5642979" y="26989288"/>
+              <a:ext cx="6102621" cy="2481732"/>
             </a:xfrm>
             <a:prstGeom prst="rect">
               <a:avLst/>
@@ -3763,10 +3872,10 @@
         </p:pic>
         <p:pic>
           <p:nvPicPr>
-            <p:cNvPr id="7" name="Picture 6" descr="Graphical user interface, chart, box and whisker chart&#10;&#10;Description automatically generated">
+            <p:cNvPr id="56" name="Picture 55" descr="Bar chart&#10;&#10;Description automatically generated with low confidence">
               <a:extLst>
                 <a:ext uri="{FF2B5EF4-FFF2-40B4-BE49-F238E27FC236}">
-                  <a16:creationId xmlns:a16="http://schemas.microsoft.com/office/drawing/2014/main" id="{03A44678-0B2E-24BF-1AC6-7E2EA0C7711C}"/>
+                  <a16:creationId xmlns:a16="http://schemas.microsoft.com/office/drawing/2014/main" id="{478CB6AC-D34F-71E4-88B3-0A71DD6FF542}"/>
                 </a:ext>
               </a:extLst>
             </p:cNvPr>
@@ -3775,16 +3884,15 @@
             </p:cNvPicPr>
             <p:nvPr/>
           </p:nvPicPr>
-          <p:blipFill>
-            <a:blip r:embed="rId7"/>
-            <a:stretch>
-              <a:fillRect/>
-            </a:stretch>
+          <p:blipFill rotWithShape="1">
+            <a:blip r:embed="rId3"/>
+            <a:srcRect t="66378" r="49385" b="16771"/>
+            <a:stretch/>
           </p:blipFill>
           <p:spPr>
             <a:xfrm>
-              <a:off x="6206767" y="507999"/>
-              <a:ext cx="2960880" cy="6031424"/>
+              <a:off x="5653088" y="29476635"/>
+              <a:ext cx="6040410" cy="2457854"/>
             </a:xfrm>
             <a:prstGeom prst="rect">
               <a:avLst/>
@@ -3796,10 +3904,10 @@
         </p:pic>
         <p:pic>
           <p:nvPicPr>
-            <p:cNvPr id="9" name="Picture 8" descr="Chart&#10;&#10;Description automatically generated">
+            <p:cNvPr id="57" name="Picture 56" descr="Bar chart&#10;&#10;Description automatically generated with low confidence">
               <a:extLst>
                 <a:ext uri="{FF2B5EF4-FFF2-40B4-BE49-F238E27FC236}">
-                  <a16:creationId xmlns:a16="http://schemas.microsoft.com/office/drawing/2014/main" id="{9CF6E06B-1A3B-5383-31D6-941E95C40F9E}"/>
+                  <a16:creationId xmlns:a16="http://schemas.microsoft.com/office/drawing/2014/main" id="{9A3CDB79-63BF-DC0D-86F2-FC779BDB1E3E}"/>
                 </a:ext>
               </a:extLst>
             </p:cNvPr>
@@ -3808,16 +3916,15 @@
             </p:cNvPicPr>
             <p:nvPr/>
           </p:nvPicPr>
-          <p:blipFill>
-            <a:blip r:embed="rId8"/>
-            <a:stretch>
-              <a:fillRect/>
-            </a:stretch>
+          <p:blipFill rotWithShape="1">
+            <a:blip r:embed="rId3"/>
+            <a:srcRect l="50636" t="66378" b="16771"/>
+            <a:stretch/>
           </p:blipFill>
           <p:spPr>
             <a:xfrm>
-              <a:off x="9182413" y="507999"/>
-              <a:ext cx="2960880" cy="1204091"/>
+              <a:off x="5865179" y="31934489"/>
+              <a:ext cx="5846404" cy="2439221"/>
             </a:xfrm>
             <a:prstGeom prst="rect">
               <a:avLst/>
@@ -3827,12 +3934,173 @@
             </a:ln>
           </p:spPr>
         </p:pic>
+        <p:pic>
+          <p:nvPicPr>
+            <p:cNvPr id="59" name="Picture 58" descr="Bar chart&#10;&#10;Description automatically generated with low confidence">
+              <a:extLst>
+                <a:ext uri="{FF2B5EF4-FFF2-40B4-BE49-F238E27FC236}">
+                  <a16:creationId xmlns:a16="http://schemas.microsoft.com/office/drawing/2014/main" id="{FA441376-DF58-8978-9BC6-B68C0D5EC6C0}"/>
+                </a:ext>
+              </a:extLst>
+            </p:cNvPr>
+            <p:cNvPicPr>
+              <a:picLocks noChangeAspect="1"/>
+            </p:cNvPicPr>
+            <p:nvPr/>
+          </p:nvPicPr>
+          <p:blipFill rotWithShape="1">
+            <a:blip r:embed="rId3"/>
+            <a:srcRect l="50288" t="82988" b="-1"/>
+            <a:stretch/>
+          </p:blipFill>
+          <p:spPr>
+            <a:xfrm>
+              <a:off x="11704947" y="27063522"/>
+              <a:ext cx="5959242" cy="2492599"/>
+            </a:xfrm>
+            <a:prstGeom prst="rect">
+              <a:avLst/>
+            </a:prstGeom>
+            <a:ln>
+              <a:noFill/>
+            </a:ln>
+          </p:spPr>
+        </p:pic>
+        <p:pic>
+          <p:nvPicPr>
+            <p:cNvPr id="60" name="Picture 59" descr="Chart, box and whisker chart&#10;&#10;Description automatically generated">
+              <a:extLst>
+                <a:ext uri="{FF2B5EF4-FFF2-40B4-BE49-F238E27FC236}">
+                  <a16:creationId xmlns:a16="http://schemas.microsoft.com/office/drawing/2014/main" id="{F20062D1-3B31-447E-BA77-3C40FBA6396A}"/>
+                </a:ext>
+              </a:extLst>
+            </p:cNvPr>
+            <p:cNvPicPr>
+              <a:picLocks noChangeAspect="1"/>
+            </p:cNvPicPr>
+            <p:nvPr/>
+          </p:nvPicPr>
+          <p:blipFill rotWithShape="1">
+            <a:blip r:embed="rId4"/>
+            <a:srcRect t="25058" b="25332"/>
+            <a:stretch/>
+          </p:blipFill>
+          <p:spPr>
+            <a:xfrm>
+              <a:off x="11725550" y="19854645"/>
+              <a:ext cx="5932021" cy="4793534"/>
+            </a:xfrm>
+            <a:prstGeom prst="rect">
+              <a:avLst/>
+            </a:prstGeom>
+          </p:spPr>
+        </p:pic>
+      </p:grpSp>
+      <p:grpSp>
+        <p:nvGrpSpPr>
+          <p:cNvPr id="6" name="Group 5">
+            <a:extLst>
+              <a:ext uri="{FF2B5EF4-FFF2-40B4-BE49-F238E27FC236}">
+                <a16:creationId xmlns:a16="http://schemas.microsoft.com/office/drawing/2014/main" id="{2BEE0F02-1242-F55D-DF33-7AA19C4DFB8A}"/>
+              </a:ext>
+            </a:extLst>
+          </p:cNvPr>
+          <p:cNvGrpSpPr/>
+          <p:nvPr/>
+        </p:nvGrpSpPr>
+        <p:grpSpPr>
+          <a:xfrm>
+            <a:off x="7773885" y="8613282"/>
+            <a:ext cx="6520724" cy="7158496"/>
+            <a:chOff x="5235075" y="8441774"/>
+            <a:chExt cx="6520724" cy="7158496"/>
+          </a:xfrm>
+        </p:grpSpPr>
+        <p:grpSp>
+          <p:nvGrpSpPr>
+            <p:cNvPr id="17" name="Group 16">
+              <a:extLst>
+                <a:ext uri="{FF2B5EF4-FFF2-40B4-BE49-F238E27FC236}">
+                  <a16:creationId xmlns:a16="http://schemas.microsoft.com/office/drawing/2014/main" id="{AF241B7A-3DEF-C874-B7AD-FF1E887CA242}"/>
+                </a:ext>
+              </a:extLst>
+            </p:cNvPr>
+            <p:cNvGrpSpPr/>
+            <p:nvPr/>
+          </p:nvGrpSpPr>
+          <p:grpSpPr>
+            <a:xfrm>
+              <a:off x="5909395" y="8441774"/>
+              <a:ext cx="5846404" cy="7158496"/>
+              <a:chOff x="5056709" y="13846062"/>
+              <a:chExt cx="5846404" cy="7158496"/>
+            </a:xfrm>
+          </p:grpSpPr>
+          <p:pic>
+            <p:nvPicPr>
+              <p:cNvPr id="20" name="Picture 19" descr="Chart, box and whisker chart&#10;&#10;Description automatically generated">
+                <a:extLst>
+                  <a:ext uri="{FF2B5EF4-FFF2-40B4-BE49-F238E27FC236}">
+                    <a16:creationId xmlns:a16="http://schemas.microsoft.com/office/drawing/2014/main" id="{8DEC8B51-2756-CA06-53A4-12EE43F9BB41}"/>
+                  </a:ext>
+                </a:extLst>
+              </p:cNvPr>
+              <p:cNvPicPr>
+                <a:picLocks noChangeAspect="1"/>
+              </p:cNvPicPr>
+              <p:nvPr/>
+            </p:nvPicPr>
+            <p:blipFill rotWithShape="1">
+              <a:blip r:embed="rId7"/>
+              <a:srcRect t="50000"/>
+              <a:stretch/>
+            </p:blipFill>
+            <p:spPr>
+              <a:xfrm>
+                <a:off x="5056709" y="16242986"/>
+                <a:ext cx="5846404" cy="4761572"/>
+              </a:xfrm>
+              <a:prstGeom prst="rect">
+                <a:avLst/>
+              </a:prstGeom>
+            </p:spPr>
+          </p:pic>
+          <p:pic>
+            <p:nvPicPr>
+              <p:cNvPr id="51" name="Picture 50" descr="Chart, box and whisker chart&#10;&#10;Description automatically generated">
+                <a:extLst>
+                  <a:ext uri="{FF2B5EF4-FFF2-40B4-BE49-F238E27FC236}">
+                    <a16:creationId xmlns:a16="http://schemas.microsoft.com/office/drawing/2014/main" id="{BCB8D679-D46E-D836-E6D8-EFB750C4244E}"/>
+                  </a:ext>
+                </a:extLst>
+              </p:cNvPr>
+              <p:cNvPicPr>
+                <a:picLocks noChangeAspect="1"/>
+              </p:cNvPicPr>
+              <p:nvPr/>
+            </p:nvPicPr>
+            <p:blipFill rotWithShape="1">
+              <a:blip r:embed="rId7"/>
+              <a:srcRect b="74712"/>
+              <a:stretch/>
+            </p:blipFill>
+            <p:spPr>
+              <a:xfrm>
+                <a:off x="5056709" y="13846062"/>
+                <a:ext cx="5846404" cy="2408182"/>
+              </a:xfrm>
+              <a:prstGeom prst="rect">
+                <a:avLst/>
+              </a:prstGeom>
+            </p:spPr>
+          </p:pic>
+        </p:grpSp>
         <p:sp>
           <p:nvSpPr>
-            <p:cNvPr id="10" name="TextBox 9">
+            <p:cNvPr id="61" name="TextBox 60">
               <a:extLst>
                 <a:ext uri="{FF2B5EF4-FFF2-40B4-BE49-F238E27FC236}">
-                  <a16:creationId xmlns:a16="http://schemas.microsoft.com/office/drawing/2014/main" id="{85BDD4EF-E09C-27DA-2E5D-9FE7807A66F8}"/>
+                  <a16:creationId xmlns:a16="http://schemas.microsoft.com/office/drawing/2014/main" id="{F2A313A7-9EEE-3483-4804-F6B8049DDAE4}"/>
                 </a:ext>
               </a:extLst>
             </p:cNvPr>
@@ -3840,9 +4108,9 @@
             <p:nvPr/>
           </p:nvSpPr>
           <p:spPr>
-            <a:xfrm>
-              <a:off x="1925507" y="138667"/>
-              <a:ext cx="2619490" cy="400110"/>
+            <a:xfrm rot="16200000">
+              <a:off x="2907973" y="11822126"/>
+              <a:ext cx="5238980" cy="584775"/>
             </a:xfrm>
             <a:prstGeom prst="rect">
               <a:avLst/>
@@ -3857,23 +4125,188 @@
             <a:p>
               <a:pPr algn="ctr"/>
               <a:r>
-                <a:rPr lang="en-US" sz="2000" dirty="0"/>
-                <a:t>Bleached + </a:t>
+                <a:rPr lang="en-US" sz="3200" dirty="0"/>
+                <a:t>Relative Abundance</a:t>
               </a:r>
-              <a:r>
-                <a:rPr lang="en-US" sz="1800" dirty="0"/>
-                <a:t>Ambient</a:t>
-              </a:r>
-              <a:endParaRPr lang="en-US" sz="2000" dirty="0"/>
             </a:p>
           </p:txBody>
         </p:sp>
+      </p:grpSp>
+      <p:sp>
+        <p:nvSpPr>
+          <p:cNvPr id="30" name="TextBox 29">
+            <a:extLst>
+              <a:ext uri="{FF2B5EF4-FFF2-40B4-BE49-F238E27FC236}">
+                <a16:creationId xmlns:a16="http://schemas.microsoft.com/office/drawing/2014/main" id="{888B99AD-7447-D0A3-A714-AD330114A3CE}"/>
+              </a:ext>
+            </a:extLst>
+          </p:cNvPr>
+          <p:cNvSpPr txBox="1"/>
+          <p:nvPr/>
+        </p:nvSpPr>
+        <p:spPr>
+          <a:xfrm>
+            <a:off x="9476123" y="5093351"/>
+            <a:ext cx="9636973" cy="1569660"/>
+          </a:xfrm>
+          <a:prstGeom prst="rect">
+            <a:avLst/>
+          </a:prstGeom>
+          <a:noFill/>
+        </p:spPr>
+        <p:txBody>
+          <a:bodyPr wrap="square" rtlCol="0">
+            <a:spAutoFit/>
+          </a:bodyPr>
+          <a:lstStyle/>
+          <a:p>
+            <a:pPr algn="ctr"/>
+            <a:r>
+              <a:rPr lang="en-US" sz="9600" b="1" u="sng" dirty="0"/>
+              <a:t>ASVs Enriched In:</a:t>
+            </a:r>
+            <a:endParaRPr lang="en-US" sz="11500" b="1" u="sng" dirty="0"/>
+          </a:p>
+        </p:txBody>
+      </p:sp>
+    </p:spTree>
+    <p:extLst>
+      <p:ext uri="{BB962C8B-B14F-4D97-AF65-F5344CB8AC3E}">
+        <p14:creationId xmlns:p14="http://schemas.microsoft.com/office/powerpoint/2010/main" val="148502653"/>
+      </p:ext>
+    </p:extLst>
+  </p:cSld>
+  <p:clrMapOvr>
+    <a:masterClrMapping/>
+  </p:clrMapOvr>
+</p:sld>
+</file>
+
+<file path=ppt/slides/slide2.xml><?xml version="1.0" encoding="utf-8"?>
+<p:sld xmlns:a="http://schemas.openxmlformats.org/drawingml/2006/main" xmlns:r="http://schemas.openxmlformats.org/officeDocument/2006/relationships" xmlns:p="http://schemas.openxmlformats.org/presentationml/2006/main">
+  <p:cSld>
+    <p:spTree>
+      <p:nvGrpSpPr>
+        <p:cNvPr id="1" name=""/>
+        <p:cNvGrpSpPr/>
+        <p:nvPr/>
+      </p:nvGrpSpPr>
+      <p:grpSpPr>
+        <a:xfrm>
+          <a:off x="0" y="0"/>
+          <a:ext cx="0" cy="0"/>
+          <a:chOff x="0" y="0"/>
+          <a:chExt cx="0" cy="0"/>
+        </a:xfrm>
+      </p:grpSpPr>
+      <p:grpSp>
+        <p:nvGrpSpPr>
+          <p:cNvPr id="25" name="Group 24">
+            <a:extLst>
+              <a:ext uri="{FF2B5EF4-FFF2-40B4-BE49-F238E27FC236}">
+                <a16:creationId xmlns:a16="http://schemas.microsoft.com/office/drawing/2014/main" id="{6DEB78A7-1D6D-5B3A-93F9-937B28404F2A}"/>
+              </a:ext>
+            </a:extLst>
+          </p:cNvPr>
+          <p:cNvGrpSpPr/>
+          <p:nvPr/>
+        </p:nvGrpSpPr>
+        <p:grpSpPr>
+          <a:xfrm>
+            <a:off x="628824" y="8617986"/>
+            <a:ext cx="6728383" cy="7341883"/>
+            <a:chOff x="16768706" y="8443570"/>
+            <a:chExt cx="6607375" cy="7341883"/>
+          </a:xfrm>
+        </p:grpSpPr>
+        <p:grpSp>
+          <p:nvGrpSpPr>
+            <p:cNvPr id="26" name="Group 25">
+              <a:extLst>
+                <a:ext uri="{FF2B5EF4-FFF2-40B4-BE49-F238E27FC236}">
+                  <a16:creationId xmlns:a16="http://schemas.microsoft.com/office/drawing/2014/main" id="{78A04EAF-DBAE-9F3A-724C-24DD69322934}"/>
+                </a:ext>
+              </a:extLst>
+            </p:cNvPr>
+            <p:cNvGrpSpPr/>
+            <p:nvPr/>
+          </p:nvGrpSpPr>
+          <p:grpSpPr>
+            <a:xfrm>
+              <a:off x="17327653" y="8443570"/>
+              <a:ext cx="6048428" cy="7341883"/>
+              <a:chOff x="14974949" y="13968279"/>
+              <a:chExt cx="6048428" cy="7341883"/>
+            </a:xfrm>
+          </p:grpSpPr>
+          <p:pic>
+            <p:nvPicPr>
+              <p:cNvPr id="28" name="Picture 27" descr="Graphical user interface, chart, box and whisker chart&#10;&#10;Description automatically generated">
+                <a:extLst>
+                  <a:ext uri="{FF2B5EF4-FFF2-40B4-BE49-F238E27FC236}">
+                    <a16:creationId xmlns:a16="http://schemas.microsoft.com/office/drawing/2014/main" id="{F8EB9501-EA38-23E5-AC76-0D4C5038F9F6}"/>
+                  </a:ext>
+                </a:extLst>
+              </p:cNvPr>
+              <p:cNvPicPr>
+                <a:picLocks noChangeAspect="1"/>
+              </p:cNvPicPr>
+              <p:nvPr/>
+            </p:nvPicPr>
+            <p:blipFill rotWithShape="1">
+              <a:blip r:embed="rId2"/>
+              <a:srcRect t="59894"/>
+              <a:stretch/>
+            </p:blipFill>
+            <p:spPr>
+              <a:xfrm>
+                <a:off x="14974949" y="16368796"/>
+                <a:ext cx="6048427" cy="4941366"/>
+              </a:xfrm>
+              <a:prstGeom prst="rect">
+                <a:avLst/>
+              </a:prstGeom>
+              <a:ln>
+                <a:noFill/>
+              </a:ln>
+            </p:spPr>
+          </p:pic>
+          <p:pic>
+            <p:nvPicPr>
+              <p:cNvPr id="29" name="Picture 28" descr="Chart, box and whisker chart&#10;&#10;Description automatically generated">
+                <a:extLst>
+                  <a:ext uri="{FF2B5EF4-FFF2-40B4-BE49-F238E27FC236}">
+                    <a16:creationId xmlns:a16="http://schemas.microsoft.com/office/drawing/2014/main" id="{B714A2FE-F460-815F-10B6-FD526529F34D}"/>
+                  </a:ext>
+                </a:extLst>
+              </p:cNvPr>
+              <p:cNvPicPr>
+                <a:picLocks noChangeAspect="1"/>
+              </p:cNvPicPr>
+              <p:nvPr/>
+            </p:nvPicPr>
+            <p:blipFill rotWithShape="1">
+              <a:blip r:embed="rId3"/>
+              <a:srcRect t="24904" b="49797"/>
+              <a:stretch/>
+            </p:blipFill>
+            <p:spPr>
+              <a:xfrm>
+                <a:off x="15176973" y="13968279"/>
+                <a:ext cx="5846404" cy="2409234"/>
+              </a:xfrm>
+              <a:prstGeom prst="rect">
+                <a:avLst/>
+              </a:prstGeom>
+            </p:spPr>
+          </p:pic>
+        </p:grpSp>
         <p:sp>
           <p:nvSpPr>
-            <p:cNvPr id="12" name="TextBox 11">
+            <p:cNvPr id="27" name="TextBox 26">
               <a:extLst>
                 <a:ext uri="{FF2B5EF4-FFF2-40B4-BE49-F238E27FC236}">
-                  <a16:creationId xmlns:a16="http://schemas.microsoft.com/office/drawing/2014/main" id="{43BAAB1D-238B-DA73-8D89-5F0599205F26}"/>
+                  <a16:creationId xmlns:a16="http://schemas.microsoft.com/office/drawing/2014/main" id="{F61E4F6B-3406-B98D-470C-E035039D9D98}"/>
                 </a:ext>
               </a:extLst>
             </p:cNvPr>
@@ -3881,9 +4314,9 @@
             <p:nvPr/>
           </p:nvSpPr>
           <p:spPr>
-            <a:xfrm>
-              <a:off x="6684922" y="138667"/>
-              <a:ext cx="2258084" cy="369332"/>
+            <a:xfrm rot="16200000">
+              <a:off x="14436345" y="11827382"/>
+              <a:ext cx="5238980" cy="574258"/>
             </a:xfrm>
             <a:prstGeom prst="rect">
               <a:avLst/>
@@ -3898,18 +4331,434 @@
             <a:p>
               <a:pPr algn="ctr"/>
               <a:r>
-                <a:rPr lang="en-US" sz="1800" dirty="0"/>
-                <a:t>Bleached + Heated</a:t>
+                <a:rPr lang="en-US" sz="3200" dirty="0"/>
+                <a:t>Relative Abundance</a:t>
               </a:r>
             </a:p>
           </p:txBody>
         </p:sp>
+      </p:grpSp>
+      <p:grpSp>
+        <p:nvGrpSpPr>
+          <p:cNvPr id="30" name="Group 29">
+            <a:extLst>
+              <a:ext uri="{FF2B5EF4-FFF2-40B4-BE49-F238E27FC236}">
+                <a16:creationId xmlns:a16="http://schemas.microsoft.com/office/drawing/2014/main" id="{19D1EAC9-1858-6D24-FC86-DEE6EB9AF0A5}"/>
+              </a:ext>
+            </a:extLst>
+          </p:cNvPr>
+          <p:cNvGrpSpPr/>
+          <p:nvPr/>
+        </p:nvGrpSpPr>
+        <p:grpSpPr>
+          <a:xfrm>
+            <a:off x="7634769" y="8426106"/>
+            <a:ext cx="6711408" cy="9932719"/>
+            <a:chOff x="7796131" y="21227695"/>
+            <a:chExt cx="6711408" cy="9932719"/>
+          </a:xfrm>
+        </p:grpSpPr>
+        <p:grpSp>
+          <p:nvGrpSpPr>
+            <p:cNvPr id="31" name="Group 30">
+              <a:extLst>
+                <a:ext uri="{FF2B5EF4-FFF2-40B4-BE49-F238E27FC236}">
+                  <a16:creationId xmlns:a16="http://schemas.microsoft.com/office/drawing/2014/main" id="{5BA5B6D6-EC8F-ED87-0D2E-235546C761FB}"/>
+                </a:ext>
+              </a:extLst>
+            </p:cNvPr>
+            <p:cNvGrpSpPr/>
+            <p:nvPr/>
+          </p:nvGrpSpPr>
+          <p:grpSpPr>
+            <a:xfrm>
+              <a:off x="7796131" y="21227695"/>
+              <a:ext cx="6711408" cy="5238980"/>
+              <a:chOff x="13791977" y="3201097"/>
+              <a:chExt cx="6711408" cy="5238980"/>
+            </a:xfrm>
+          </p:grpSpPr>
+          <p:grpSp>
+            <p:nvGrpSpPr>
+              <p:cNvPr id="33" name="Group 32">
+                <a:extLst>
+                  <a:ext uri="{FF2B5EF4-FFF2-40B4-BE49-F238E27FC236}">
+                    <a16:creationId xmlns:a16="http://schemas.microsoft.com/office/drawing/2014/main" id="{332698A7-3770-480A-C6D7-BEBE12FDFF28}"/>
+                  </a:ext>
+                </a:extLst>
+              </p:cNvPr>
+              <p:cNvGrpSpPr/>
+              <p:nvPr/>
+            </p:nvGrpSpPr>
+            <p:grpSpPr>
+              <a:xfrm>
+                <a:off x="14425889" y="3416902"/>
+                <a:ext cx="6077496" cy="4864931"/>
+                <a:chOff x="11648960" y="2669935"/>
+                <a:chExt cx="6077496" cy="4864931"/>
+              </a:xfrm>
+            </p:grpSpPr>
+            <p:pic>
+              <p:nvPicPr>
+                <p:cNvPr id="35" name="Picture 34" descr="Bar chart&#10;&#10;Description automatically generated with low confidence">
+                  <a:extLst>
+                    <a:ext uri="{FF2B5EF4-FFF2-40B4-BE49-F238E27FC236}">
+                      <a16:creationId xmlns:a16="http://schemas.microsoft.com/office/drawing/2014/main" id="{38B9A516-4728-5C65-6C39-49E8A4161A26}"/>
+                    </a:ext>
+                  </a:extLst>
+                </p:cNvPr>
+                <p:cNvPicPr>
+                  <a:picLocks noChangeAspect="1"/>
+                </p:cNvPicPr>
+                <p:nvPr/>
+              </p:nvPicPr>
+              <p:blipFill rotWithShape="1">
+                <a:blip r:embed="rId4"/>
+                <a:srcRect l="50716" b="82966"/>
+                <a:stretch/>
+              </p:blipFill>
+              <p:spPr>
+                <a:xfrm>
+                  <a:off x="11889465" y="2669935"/>
+                  <a:ext cx="5836991" cy="2465638"/>
+                </a:xfrm>
+                <a:prstGeom prst="rect">
+                  <a:avLst/>
+                </a:prstGeom>
+                <a:ln>
+                  <a:noFill/>
+                </a:ln>
+              </p:spPr>
+            </p:pic>
+            <p:pic>
+              <p:nvPicPr>
+                <p:cNvPr id="36" name="Picture 35" descr="Graphical user interface, chart, box and whisker chart&#10;&#10;Description automatically generated">
+                  <a:extLst>
+                    <a:ext uri="{FF2B5EF4-FFF2-40B4-BE49-F238E27FC236}">
+                      <a16:creationId xmlns:a16="http://schemas.microsoft.com/office/drawing/2014/main" id="{56D94344-8B6A-1ABB-9630-83DEA800691C}"/>
+                    </a:ext>
+                  </a:extLst>
+                </p:cNvPr>
+                <p:cNvPicPr>
+                  <a:picLocks noChangeAspect="1"/>
+                </p:cNvPicPr>
+                <p:nvPr/>
+              </p:nvPicPr>
+              <p:blipFill rotWithShape="1">
+                <a:blip r:embed="rId2"/>
+                <a:srcRect b="79947"/>
+                <a:stretch/>
+              </p:blipFill>
+              <p:spPr>
+                <a:xfrm>
+                  <a:off x="11648960" y="5052309"/>
+                  <a:ext cx="6077496" cy="2482557"/>
+                </a:xfrm>
+                <a:prstGeom prst="rect">
+                  <a:avLst/>
+                </a:prstGeom>
+                <a:ln>
+                  <a:noFill/>
+                </a:ln>
+              </p:spPr>
+            </p:pic>
+          </p:grpSp>
+          <p:sp>
+            <p:nvSpPr>
+              <p:cNvPr id="34" name="TextBox 33">
+                <a:extLst>
+                  <a:ext uri="{FF2B5EF4-FFF2-40B4-BE49-F238E27FC236}">
+                    <a16:creationId xmlns:a16="http://schemas.microsoft.com/office/drawing/2014/main" id="{87907977-F2F4-C053-7CF8-30250639ABEB}"/>
+                  </a:ext>
+                </a:extLst>
+              </p:cNvPr>
+              <p:cNvSpPr txBox="1"/>
+              <p:nvPr/>
+            </p:nvSpPr>
+            <p:spPr>
+              <a:xfrm rot="16200000">
+                <a:off x="11464875" y="5528199"/>
+                <a:ext cx="5238980" cy="584775"/>
+              </a:xfrm>
+              <a:prstGeom prst="rect">
+                <a:avLst/>
+              </a:prstGeom>
+              <a:noFill/>
+            </p:spPr>
+            <p:txBody>
+              <a:bodyPr wrap="square" rtlCol="0">
+                <a:spAutoFit/>
+              </a:bodyPr>
+              <a:lstStyle/>
+              <a:p>
+                <a:pPr algn="ctr"/>
+                <a:r>
+                  <a:rPr lang="en-US" sz="3200" dirty="0"/>
+                  <a:t>Relative Abundance</a:t>
+                </a:r>
+              </a:p>
+            </p:txBody>
+          </p:sp>
+        </p:grpSp>
+        <p:pic>
+          <p:nvPicPr>
+            <p:cNvPr id="32" name="Picture 31" descr="Bar chart&#10;&#10;Description automatically generated with low confidence">
+              <a:extLst>
+                <a:ext uri="{FF2B5EF4-FFF2-40B4-BE49-F238E27FC236}">
+                  <a16:creationId xmlns:a16="http://schemas.microsoft.com/office/drawing/2014/main" id="{D1504DCC-68A0-24D5-38B1-BAF9E774AEF2}"/>
+                </a:ext>
+              </a:extLst>
+            </p:cNvPr>
+            <p:cNvPicPr>
+              <a:picLocks noChangeAspect="1"/>
+            </p:cNvPicPr>
+            <p:nvPr/>
+          </p:nvPicPr>
+          <p:blipFill rotWithShape="1">
+            <a:blip r:embed="rId4"/>
+            <a:srcRect r="49228" b="66578"/>
+            <a:stretch/>
+          </p:blipFill>
+          <p:spPr>
+            <a:xfrm>
+              <a:off x="8494382" y="26322530"/>
+              <a:ext cx="6013157" cy="4837884"/>
+            </a:xfrm>
+            <a:prstGeom prst="rect">
+              <a:avLst/>
+            </a:prstGeom>
+            <a:ln>
+              <a:noFill/>
+            </a:ln>
+          </p:spPr>
+        </p:pic>
+      </p:grpSp>
+      <p:grpSp>
+        <p:nvGrpSpPr>
+          <p:cNvPr id="37" name="Group 36">
+            <a:extLst>
+              <a:ext uri="{FF2B5EF4-FFF2-40B4-BE49-F238E27FC236}">
+                <a16:creationId xmlns:a16="http://schemas.microsoft.com/office/drawing/2014/main" id="{5830BEF4-F270-6DE3-5729-908547187AEB}"/>
+              </a:ext>
+            </a:extLst>
+          </p:cNvPr>
+          <p:cNvGrpSpPr/>
+          <p:nvPr/>
+        </p:nvGrpSpPr>
+        <p:grpSpPr>
+          <a:xfrm>
+            <a:off x="14532894" y="8695702"/>
+            <a:ext cx="6659898" cy="14288688"/>
+            <a:chOff x="16763447" y="17290303"/>
+            <a:chExt cx="6659898" cy="14288688"/>
+          </a:xfrm>
+        </p:grpSpPr>
+        <p:grpSp>
+          <p:nvGrpSpPr>
+            <p:cNvPr id="38" name="Group 37">
+              <a:extLst>
+                <a:ext uri="{FF2B5EF4-FFF2-40B4-BE49-F238E27FC236}">
+                  <a16:creationId xmlns:a16="http://schemas.microsoft.com/office/drawing/2014/main" id="{46AD6B8F-87C3-5539-FA46-F4B37DCD56E8}"/>
+                </a:ext>
+              </a:extLst>
+            </p:cNvPr>
+            <p:cNvGrpSpPr/>
+            <p:nvPr/>
+          </p:nvGrpSpPr>
+          <p:grpSpPr>
+            <a:xfrm>
+              <a:off x="17348223" y="17290303"/>
+              <a:ext cx="6075122" cy="14288688"/>
+              <a:chOff x="18540954" y="20043967"/>
+              <a:chExt cx="6075122" cy="14288688"/>
+            </a:xfrm>
+          </p:grpSpPr>
+          <p:grpSp>
+            <p:nvGrpSpPr>
+              <p:cNvPr id="40" name="Group 39">
+                <a:extLst>
+                  <a:ext uri="{FF2B5EF4-FFF2-40B4-BE49-F238E27FC236}">
+                    <a16:creationId xmlns:a16="http://schemas.microsoft.com/office/drawing/2014/main" id="{B2AE8998-CDEE-E4C3-62EA-C0910AD4AEBF}"/>
+                  </a:ext>
+                </a:extLst>
+              </p:cNvPr>
+              <p:cNvGrpSpPr/>
+              <p:nvPr/>
+            </p:nvGrpSpPr>
+            <p:grpSpPr>
+              <a:xfrm>
+                <a:off x="18540955" y="20043967"/>
+                <a:ext cx="6075121" cy="14288688"/>
+                <a:chOff x="18540955" y="20043967"/>
+                <a:chExt cx="6075121" cy="14288688"/>
+              </a:xfrm>
+            </p:grpSpPr>
+            <p:pic>
+              <p:nvPicPr>
+                <p:cNvPr id="42" name="Picture 41" descr="Chart&#10;&#10;Description automatically generated">
+                  <a:extLst>
+                    <a:ext uri="{FF2B5EF4-FFF2-40B4-BE49-F238E27FC236}">
+                      <a16:creationId xmlns:a16="http://schemas.microsoft.com/office/drawing/2014/main" id="{9A9F188A-A97A-A5A5-3637-34D484A16E17}"/>
+                    </a:ext>
+                  </a:extLst>
+                </p:cNvPr>
+                <p:cNvPicPr>
+                  <a:picLocks noChangeAspect="1"/>
+                </p:cNvPicPr>
+                <p:nvPr/>
+              </p:nvPicPr>
+              <p:blipFill>
+                <a:blip r:embed="rId5"/>
+                <a:stretch>
+                  <a:fillRect/>
+                </a:stretch>
+              </p:blipFill>
+              <p:spPr>
+                <a:xfrm>
+                  <a:off x="18711928" y="31949520"/>
+                  <a:ext cx="5860168" cy="2383135"/>
+                </a:xfrm>
+                <a:prstGeom prst="rect">
+                  <a:avLst/>
+                </a:prstGeom>
+                <a:ln>
+                  <a:noFill/>
+                </a:ln>
+              </p:spPr>
+            </p:pic>
+            <p:pic>
+              <p:nvPicPr>
+                <p:cNvPr id="43" name="Picture 42" descr="Chart, box and whisker chart&#10;&#10;Description automatically generated">
+                  <a:extLst>
+                    <a:ext uri="{FF2B5EF4-FFF2-40B4-BE49-F238E27FC236}">
+                      <a16:creationId xmlns:a16="http://schemas.microsoft.com/office/drawing/2014/main" id="{2DBCFF43-4A2E-C930-D228-2B8F62C6A3C1}"/>
+                    </a:ext>
+                  </a:extLst>
+                </p:cNvPr>
+                <p:cNvPicPr>
+                  <a:picLocks noChangeAspect="1"/>
+                </p:cNvPicPr>
+                <p:nvPr/>
+              </p:nvPicPr>
+              <p:blipFill rotWithShape="1">
+                <a:blip r:embed="rId6"/>
+                <a:srcRect t="66629"/>
+                <a:stretch/>
+              </p:blipFill>
+              <p:spPr>
+                <a:xfrm>
+                  <a:off x="18711928" y="22496920"/>
+                  <a:ext cx="5904148" cy="2408183"/>
+                </a:xfrm>
+                <a:prstGeom prst="rect">
+                  <a:avLst/>
+                </a:prstGeom>
+              </p:spPr>
+            </p:pic>
+            <p:pic>
+              <p:nvPicPr>
+                <p:cNvPr id="44" name="Picture 43" descr="Bar chart&#10;&#10;Description automatically generated with low confidence">
+                  <a:extLst>
+                    <a:ext uri="{FF2B5EF4-FFF2-40B4-BE49-F238E27FC236}">
+                      <a16:creationId xmlns:a16="http://schemas.microsoft.com/office/drawing/2014/main" id="{A3B6EAE9-C562-553B-1264-F2882784ABBD}"/>
+                    </a:ext>
+                  </a:extLst>
+                </p:cNvPr>
+                <p:cNvPicPr>
+                  <a:picLocks noChangeAspect="1"/>
+                </p:cNvPicPr>
+                <p:nvPr/>
+              </p:nvPicPr>
+              <p:blipFill rotWithShape="1">
+                <a:blip r:embed="rId4"/>
+                <a:srcRect t="33276" r="48931" b="50080"/>
+                <a:stretch/>
+              </p:blipFill>
+              <p:spPr>
+                <a:xfrm>
+                  <a:off x="18540955" y="20043967"/>
+                  <a:ext cx="6048427" cy="2409234"/>
+                </a:xfrm>
+                <a:prstGeom prst="rect">
+                  <a:avLst/>
+                </a:prstGeom>
+                <a:ln>
+                  <a:noFill/>
+                </a:ln>
+              </p:spPr>
+            </p:pic>
+            <p:pic>
+              <p:nvPicPr>
+                <p:cNvPr id="45" name="Picture 44" descr="Bar chart&#10;&#10;Description automatically generated with low confidence">
+                  <a:extLst>
+                    <a:ext uri="{FF2B5EF4-FFF2-40B4-BE49-F238E27FC236}">
+                      <a16:creationId xmlns:a16="http://schemas.microsoft.com/office/drawing/2014/main" id="{43662FFB-9E6F-8C81-D80F-F4FAB2A571E6}"/>
+                    </a:ext>
+                  </a:extLst>
+                </p:cNvPr>
+                <p:cNvPicPr>
+                  <a:picLocks noChangeAspect="1"/>
+                </p:cNvPicPr>
+                <p:nvPr/>
+              </p:nvPicPr>
+              <p:blipFill rotWithShape="1">
+                <a:blip r:embed="rId4"/>
+                <a:srcRect l="51704" t="33276" b="33303"/>
+                <a:stretch/>
+              </p:blipFill>
+              <p:spPr>
+                <a:xfrm>
+                  <a:off x="18852160" y="27212461"/>
+                  <a:ext cx="5719936" cy="4837883"/>
+                </a:xfrm>
+                <a:prstGeom prst="rect">
+                  <a:avLst/>
+                </a:prstGeom>
+                <a:ln>
+                  <a:noFill/>
+                </a:ln>
+              </p:spPr>
+            </p:pic>
+          </p:grpSp>
+          <p:pic>
+            <p:nvPicPr>
+              <p:cNvPr id="41" name="Picture 40" descr="Bar chart&#10;&#10;Description automatically generated with low confidence">
+                <a:extLst>
+                  <a:ext uri="{FF2B5EF4-FFF2-40B4-BE49-F238E27FC236}">
+                    <a16:creationId xmlns:a16="http://schemas.microsoft.com/office/drawing/2014/main" id="{DB93A04B-5DB9-3E9B-9D99-48AD4C860062}"/>
+                  </a:ext>
+                </a:extLst>
+              </p:cNvPr>
+              <p:cNvPicPr>
+                <a:picLocks noChangeAspect="1"/>
+              </p:cNvPicPr>
+              <p:nvPr/>
+            </p:nvPicPr>
+            <p:blipFill rotWithShape="1">
+              <a:blip r:embed="rId4"/>
+              <a:srcRect t="49685" r="48931" b="33303"/>
+              <a:stretch/>
+            </p:blipFill>
+            <p:spPr>
+              <a:xfrm>
+                <a:off x="18540954" y="24827400"/>
+                <a:ext cx="6048427" cy="2462636"/>
+              </a:xfrm>
+              <a:prstGeom prst="rect">
+                <a:avLst/>
+              </a:prstGeom>
+              <a:ln>
+                <a:noFill/>
+              </a:ln>
+            </p:spPr>
+          </p:pic>
+        </p:grpSp>
         <p:sp>
           <p:nvSpPr>
-            <p:cNvPr id="13" name="TextBox 12">
+            <p:cNvPr id="39" name="TextBox 38">
               <a:extLst>
                 <a:ext uri="{FF2B5EF4-FFF2-40B4-BE49-F238E27FC236}">
-                  <a16:creationId xmlns:a16="http://schemas.microsoft.com/office/drawing/2014/main" id="{0C3C8076-BC07-40BC-B491-F72FA930CE72}"/>
+                  <a16:creationId xmlns:a16="http://schemas.microsoft.com/office/drawing/2014/main" id="{42FB8A0C-33D1-1A75-DDED-57111D5065BC}"/>
                 </a:ext>
               </a:extLst>
             </p:cNvPr>
@@ -3917,9 +4766,9 @@
             <p:nvPr/>
           </p:nvSpPr>
           <p:spPr>
-            <a:xfrm>
-              <a:off x="9523803" y="142570"/>
-              <a:ext cx="2619490" cy="369332"/>
+            <a:xfrm rot="16200000">
+              <a:off x="14436345" y="23012666"/>
+              <a:ext cx="5238980" cy="584775"/>
             </a:xfrm>
             <a:prstGeom prst="rect">
               <a:avLst/>
@@ -3934,12 +4783,209 @@
             <a:p>
               <a:pPr algn="ctr"/>
               <a:r>
-                <a:rPr lang="en-US" sz="1800" dirty="0"/>
-                <a:t>Non-bleached + Heated</a:t>
+                <a:rPr lang="en-US" sz="3200" dirty="0"/>
+                <a:t>Relative Abundance</a:t>
               </a:r>
             </a:p>
           </p:txBody>
         </p:sp>
+      </p:grpSp>
+      <p:sp>
+        <p:nvSpPr>
+          <p:cNvPr id="46" name="TextBox 45">
+            <a:extLst>
+              <a:ext uri="{FF2B5EF4-FFF2-40B4-BE49-F238E27FC236}">
+                <a16:creationId xmlns:a16="http://schemas.microsoft.com/office/drawing/2014/main" id="{62024BAF-3C97-5C37-CD85-AE7AC617B322}"/>
+              </a:ext>
+            </a:extLst>
+          </p:cNvPr>
+          <p:cNvSpPr txBox="1"/>
+          <p:nvPr/>
+        </p:nvSpPr>
+        <p:spPr>
+          <a:xfrm>
+            <a:off x="1057558" y="7352265"/>
+            <a:ext cx="6748046" cy="923330"/>
+          </a:xfrm>
+          <a:prstGeom prst="rect">
+            <a:avLst/>
+          </a:prstGeom>
+          <a:noFill/>
+        </p:spPr>
+        <p:txBody>
+          <a:bodyPr wrap="square" rtlCol="0">
+            <a:spAutoFit/>
+          </a:bodyPr>
+          <a:lstStyle/>
+          <a:p>
+            <a:pPr algn="ctr"/>
+            <a:r>
+              <a:rPr lang="en-US" sz="5400" b="1" dirty="0"/>
+              <a:t>Bleached + Ambient</a:t>
+            </a:r>
+          </a:p>
+        </p:txBody>
+      </p:sp>
+      <p:sp>
+        <p:nvSpPr>
+          <p:cNvPr id="47" name="TextBox 46">
+            <a:extLst>
+              <a:ext uri="{FF2B5EF4-FFF2-40B4-BE49-F238E27FC236}">
+                <a16:creationId xmlns:a16="http://schemas.microsoft.com/office/drawing/2014/main" id="{1079E882-EE3A-94E8-0F10-42F02D3AF740}"/>
+              </a:ext>
+            </a:extLst>
+          </p:cNvPr>
+          <p:cNvSpPr txBox="1"/>
+          <p:nvPr/>
+        </p:nvSpPr>
+        <p:spPr>
+          <a:xfrm>
+            <a:off x="9423307" y="7352266"/>
+            <a:ext cx="3878272" cy="923330"/>
+          </a:xfrm>
+          <a:prstGeom prst="rect">
+            <a:avLst/>
+          </a:prstGeom>
+          <a:noFill/>
+        </p:spPr>
+        <p:txBody>
+          <a:bodyPr wrap="square" rtlCol="0">
+            <a:spAutoFit/>
+          </a:bodyPr>
+          <a:lstStyle/>
+          <a:p>
+            <a:pPr algn="ctr"/>
+            <a:r>
+              <a:rPr lang="en-US" sz="5400" b="1" dirty="0"/>
+              <a:t>Heated</a:t>
+            </a:r>
+            <a:endParaRPr lang="en-US" sz="6400" b="1" dirty="0"/>
+          </a:p>
+        </p:txBody>
+      </p:sp>
+      <p:sp>
+        <p:nvSpPr>
+          <p:cNvPr id="48" name="TextBox 47">
+            <a:extLst>
+              <a:ext uri="{FF2B5EF4-FFF2-40B4-BE49-F238E27FC236}">
+                <a16:creationId xmlns:a16="http://schemas.microsoft.com/office/drawing/2014/main" id="{E4AD2705-A633-5A87-4B18-598CE6839B70}"/>
+              </a:ext>
+            </a:extLst>
+          </p:cNvPr>
+          <p:cNvSpPr txBox="1"/>
+          <p:nvPr/>
+        </p:nvSpPr>
+        <p:spPr>
+          <a:xfrm>
+            <a:off x="18933812" y="7323578"/>
+            <a:ext cx="4543876" cy="923330"/>
+          </a:xfrm>
+          <a:prstGeom prst="rect">
+            <a:avLst/>
+          </a:prstGeom>
+          <a:noFill/>
+        </p:spPr>
+        <p:txBody>
+          <a:bodyPr wrap="square" rtlCol="0">
+            <a:spAutoFit/>
+          </a:bodyPr>
+          <a:lstStyle/>
+          <a:p>
+            <a:pPr algn="ctr"/>
+            <a:r>
+              <a:rPr lang="en-US" sz="5400" b="1" dirty="0"/>
+              <a:t>All treatments</a:t>
+            </a:r>
+          </a:p>
+        </p:txBody>
+      </p:sp>
+      <p:sp>
+        <p:nvSpPr>
+          <p:cNvPr id="49" name="TextBox 48">
+            <a:extLst>
+              <a:ext uri="{FF2B5EF4-FFF2-40B4-BE49-F238E27FC236}">
+                <a16:creationId xmlns:a16="http://schemas.microsoft.com/office/drawing/2014/main" id="{A554A868-A922-4DD5-572E-B0D1B5A2ED71}"/>
+              </a:ext>
+            </a:extLst>
+          </p:cNvPr>
+          <p:cNvSpPr txBox="1"/>
+          <p:nvPr/>
+        </p:nvSpPr>
+        <p:spPr>
+          <a:xfrm>
+            <a:off x="9476123" y="5093351"/>
+            <a:ext cx="9636973" cy="1569660"/>
+          </a:xfrm>
+          <a:prstGeom prst="rect">
+            <a:avLst/>
+          </a:prstGeom>
+          <a:noFill/>
+        </p:spPr>
+        <p:txBody>
+          <a:bodyPr wrap="square" rtlCol="0">
+            <a:spAutoFit/>
+          </a:bodyPr>
+          <a:lstStyle/>
+          <a:p>
+            <a:pPr algn="ctr"/>
+            <a:r>
+              <a:rPr lang="en-US" sz="9600" b="1" u="sng" dirty="0"/>
+              <a:t>ASVs Depleted In:</a:t>
+            </a:r>
+            <a:endParaRPr lang="en-US" sz="11500" b="1" u="sng" dirty="0"/>
+          </a:p>
+        </p:txBody>
+      </p:sp>
+    </p:spTree>
+    <p:extLst>
+      <p:ext uri="{BB962C8B-B14F-4D97-AF65-F5344CB8AC3E}">
+        <p14:creationId xmlns:p14="http://schemas.microsoft.com/office/powerpoint/2010/main" val="3863060085"/>
+      </p:ext>
+    </p:extLst>
+  </p:cSld>
+  <p:clrMapOvr>
+    <a:masterClrMapping/>
+  </p:clrMapOvr>
+</p:sld>
+</file>
+
+<file path=ppt/slides/slide3.xml><?xml version="1.0" encoding="utf-8"?>
+<p:sld xmlns:a="http://schemas.openxmlformats.org/drawingml/2006/main" xmlns:r="http://schemas.openxmlformats.org/officeDocument/2006/relationships" xmlns:p="http://schemas.openxmlformats.org/presentationml/2006/main">
+  <p:cSld>
+    <p:spTree>
+      <p:nvGrpSpPr>
+        <p:cNvPr id="1" name=""/>
+        <p:cNvGrpSpPr/>
+        <p:nvPr/>
+      </p:nvGrpSpPr>
+      <p:grpSpPr>
+        <a:xfrm>
+          <a:off x="0" y="0"/>
+          <a:ext cx="0" cy="0"/>
+          <a:chOff x="0" y="0"/>
+          <a:chExt cx="0" cy="0"/>
+        </a:xfrm>
+      </p:grpSpPr>
+      <p:grpSp>
+        <p:nvGrpSpPr>
+          <p:cNvPr id="3" name="Group 2">
+            <a:extLst>
+              <a:ext uri="{FF2B5EF4-FFF2-40B4-BE49-F238E27FC236}">
+                <a16:creationId xmlns:a16="http://schemas.microsoft.com/office/drawing/2014/main" id="{A9942A65-9EDD-1EF0-5AC7-54770DD4776E}"/>
+              </a:ext>
+            </a:extLst>
+          </p:cNvPr>
+          <p:cNvGrpSpPr/>
+          <p:nvPr/>
+        </p:nvGrpSpPr>
+        <p:grpSpPr>
+          <a:xfrm>
+            <a:off x="497853" y="3669566"/>
+            <a:ext cx="6682512" cy="5238980"/>
+            <a:chOff x="5586383" y="3170615"/>
+            <a:chExt cx="6561498" cy="5238980"/>
+          </a:xfrm>
+        </p:grpSpPr>
         <p:sp>
           <p:nvSpPr>
             <p:cNvPr id="29" name="TextBox 28">
@@ -3954,8 +5000,8 @@
           </p:nvSpPr>
           <p:spPr>
             <a:xfrm rot="16200000">
-              <a:off x="-1137673" y="3957578"/>
-              <a:ext cx="2619490" cy="338554"/>
+              <a:off x="3253986" y="5503012"/>
+              <a:ext cx="5238980" cy="574185"/>
             </a:xfrm>
             <a:prstGeom prst="rect">
               <a:avLst/>
@@ -3970,7 +5016,749 @@
             <a:p>
               <a:pPr algn="ctr"/>
               <a:r>
-                <a:rPr lang="en-US" sz="1600" dirty="0"/>
+                <a:rPr lang="en-US" sz="3200" dirty="0"/>
+                <a:t>Relative Abundance</a:t>
+              </a:r>
+            </a:p>
+          </p:txBody>
+        </p:sp>
+        <p:grpSp>
+          <p:nvGrpSpPr>
+            <p:cNvPr id="14" name="Group 13">
+              <a:extLst>
+                <a:ext uri="{FF2B5EF4-FFF2-40B4-BE49-F238E27FC236}">
+                  <a16:creationId xmlns:a16="http://schemas.microsoft.com/office/drawing/2014/main" id="{C93A595C-29C8-393A-186E-9E42B578F541}"/>
+                </a:ext>
+              </a:extLst>
+            </p:cNvPr>
+            <p:cNvGrpSpPr/>
+            <p:nvPr/>
+          </p:nvGrpSpPr>
+          <p:grpSpPr>
+            <a:xfrm>
+              <a:off x="6226120" y="3488772"/>
+              <a:ext cx="5921761" cy="4767739"/>
+              <a:chOff x="8042060" y="3763359"/>
+              <a:chExt cx="5921761" cy="4767739"/>
+            </a:xfrm>
+          </p:grpSpPr>
+          <p:pic>
+            <p:nvPicPr>
+              <p:cNvPr id="7" name="Picture 6" descr="Graphical user interface, chart, box and whisker chart&#10;&#10;Description automatically generated">
+                <a:extLst>
+                  <a:ext uri="{FF2B5EF4-FFF2-40B4-BE49-F238E27FC236}">
+                    <a16:creationId xmlns:a16="http://schemas.microsoft.com/office/drawing/2014/main" id="{03A44678-0B2E-24BF-1AC6-7E2EA0C7711C}"/>
+                  </a:ext>
+                </a:extLst>
+              </p:cNvPr>
+              <p:cNvPicPr>
+                <a:picLocks noChangeAspect="1"/>
+              </p:cNvPicPr>
+              <p:nvPr/>
+            </p:nvPicPr>
+            <p:blipFill rotWithShape="1">
+              <a:blip r:embed="rId2"/>
+              <a:srcRect t="20053" b="59894"/>
+              <a:stretch/>
+            </p:blipFill>
+            <p:spPr>
+              <a:xfrm>
+                <a:off x="8042060" y="3763359"/>
+                <a:ext cx="5921760" cy="2418941"/>
+              </a:xfrm>
+              <a:prstGeom prst="rect">
+                <a:avLst/>
+              </a:prstGeom>
+              <a:ln>
+                <a:noFill/>
+              </a:ln>
+            </p:spPr>
+          </p:pic>
+          <p:pic>
+            <p:nvPicPr>
+              <p:cNvPr id="39" name="Picture 38" descr="Bar chart&#10;&#10;Description automatically generated with low confidence">
+                <a:extLst>
+                  <a:ext uri="{FF2B5EF4-FFF2-40B4-BE49-F238E27FC236}">
+                    <a16:creationId xmlns:a16="http://schemas.microsoft.com/office/drawing/2014/main" id="{13E1195C-7E87-50D6-F829-DD8F35AB09C7}"/>
+                  </a:ext>
+                </a:extLst>
+              </p:cNvPr>
+              <p:cNvPicPr>
+                <a:picLocks noChangeAspect="1"/>
+              </p:cNvPicPr>
+              <p:nvPr/>
+            </p:nvPicPr>
+            <p:blipFill rotWithShape="1">
+              <a:blip r:embed="rId3"/>
+              <a:srcRect l="50716" t="16711" b="66578"/>
+              <a:stretch/>
+            </p:blipFill>
+            <p:spPr>
+              <a:xfrm>
+                <a:off x="8222923" y="6151979"/>
+                <a:ext cx="5740898" cy="2379119"/>
+              </a:xfrm>
+              <a:prstGeom prst="rect">
+                <a:avLst/>
+              </a:prstGeom>
+              <a:ln>
+                <a:noFill/>
+              </a:ln>
+            </p:spPr>
+          </p:pic>
+        </p:grpSp>
+      </p:grpSp>
+      <p:sp>
+        <p:nvSpPr>
+          <p:cNvPr id="43" name="TextBox 42">
+            <a:extLst>
+              <a:ext uri="{FF2B5EF4-FFF2-40B4-BE49-F238E27FC236}">
+                <a16:creationId xmlns:a16="http://schemas.microsoft.com/office/drawing/2014/main" id="{07E65E05-2F54-A357-3F2C-9F6BCD0BE205}"/>
+              </a:ext>
+            </a:extLst>
+          </p:cNvPr>
+          <p:cNvSpPr txBox="1"/>
+          <p:nvPr/>
+        </p:nvSpPr>
+        <p:spPr>
+          <a:xfrm>
+            <a:off x="935893" y="2585191"/>
+            <a:ext cx="6748046" cy="923330"/>
+          </a:xfrm>
+          <a:prstGeom prst="rect">
+            <a:avLst/>
+          </a:prstGeom>
+          <a:noFill/>
+        </p:spPr>
+        <p:txBody>
+          <a:bodyPr wrap="square" rtlCol="0">
+            <a:spAutoFit/>
+          </a:bodyPr>
+          <a:lstStyle/>
+          <a:p>
+            <a:pPr algn="ctr"/>
+            <a:r>
+              <a:rPr lang="en-US" sz="5400" b="1" dirty="0"/>
+              <a:t>Bleached + Ambient</a:t>
+            </a:r>
+          </a:p>
+        </p:txBody>
+      </p:sp>
+      <p:sp>
+        <p:nvSpPr>
+          <p:cNvPr id="49" name="TextBox 48">
+            <a:extLst>
+              <a:ext uri="{FF2B5EF4-FFF2-40B4-BE49-F238E27FC236}">
+                <a16:creationId xmlns:a16="http://schemas.microsoft.com/office/drawing/2014/main" id="{9FE48EC9-7568-A004-326B-9EF65F4E4417}"/>
+              </a:ext>
+            </a:extLst>
+          </p:cNvPr>
+          <p:cNvSpPr txBox="1"/>
+          <p:nvPr/>
+        </p:nvSpPr>
+        <p:spPr>
+          <a:xfrm>
+            <a:off x="9301642" y="2585191"/>
+            <a:ext cx="3878272" cy="923330"/>
+          </a:xfrm>
+          <a:prstGeom prst="rect">
+            <a:avLst/>
+          </a:prstGeom>
+          <a:noFill/>
+        </p:spPr>
+        <p:txBody>
+          <a:bodyPr wrap="square" rtlCol="0">
+            <a:spAutoFit/>
+          </a:bodyPr>
+          <a:lstStyle/>
+          <a:p>
+            <a:pPr algn="ctr"/>
+            <a:r>
+              <a:rPr lang="en-US" sz="5400" b="1" dirty="0"/>
+              <a:t>Heated</a:t>
+            </a:r>
+            <a:endParaRPr lang="en-US" sz="6400" b="1" dirty="0"/>
+          </a:p>
+        </p:txBody>
+      </p:sp>
+      <p:sp>
+        <p:nvSpPr>
+          <p:cNvPr id="52" name="TextBox 51">
+            <a:extLst>
+              <a:ext uri="{FF2B5EF4-FFF2-40B4-BE49-F238E27FC236}">
+                <a16:creationId xmlns:a16="http://schemas.microsoft.com/office/drawing/2014/main" id="{151E86C4-4334-D9FE-C24F-3B043F3C79D9}"/>
+              </a:ext>
+            </a:extLst>
+          </p:cNvPr>
+          <p:cNvSpPr txBox="1"/>
+          <p:nvPr/>
+        </p:nvSpPr>
+        <p:spPr>
+          <a:xfrm>
+            <a:off x="18812147" y="2556503"/>
+            <a:ext cx="4543876" cy="923330"/>
+          </a:xfrm>
+          <a:prstGeom prst="rect">
+            <a:avLst/>
+          </a:prstGeom>
+          <a:noFill/>
+        </p:spPr>
+        <p:txBody>
+          <a:bodyPr wrap="square" rtlCol="0">
+            <a:spAutoFit/>
+          </a:bodyPr>
+          <a:lstStyle/>
+          <a:p>
+            <a:pPr algn="ctr"/>
+            <a:r>
+              <a:rPr lang="en-US" sz="5400" b="1" dirty="0"/>
+              <a:t>All treatments</a:t>
+            </a:r>
+          </a:p>
+        </p:txBody>
+      </p:sp>
+      <p:grpSp>
+        <p:nvGrpSpPr>
+          <p:cNvPr id="12" name="Group 11">
+            <a:extLst>
+              <a:ext uri="{FF2B5EF4-FFF2-40B4-BE49-F238E27FC236}">
+                <a16:creationId xmlns:a16="http://schemas.microsoft.com/office/drawing/2014/main" id="{D905BA39-52B4-BB44-10B2-F3A6417D6575}"/>
+              </a:ext>
+            </a:extLst>
+          </p:cNvPr>
+          <p:cNvGrpSpPr/>
+          <p:nvPr/>
+        </p:nvGrpSpPr>
+        <p:grpSpPr>
+          <a:xfrm>
+            <a:off x="14388192" y="3851196"/>
+            <a:ext cx="12579974" cy="16968190"/>
+            <a:chOff x="5084215" y="17405520"/>
+            <a:chExt cx="12579974" cy="16968190"/>
+          </a:xfrm>
+        </p:grpSpPr>
+        <p:pic>
+          <p:nvPicPr>
+            <p:cNvPr id="32" name="Picture 31" descr="Bar chart&#10;&#10;Description automatically generated with low confidence">
+              <a:extLst>
+                <a:ext uri="{FF2B5EF4-FFF2-40B4-BE49-F238E27FC236}">
+                  <a16:creationId xmlns:a16="http://schemas.microsoft.com/office/drawing/2014/main" id="{158079A9-4EBF-FFB3-A864-0F61869FA47A}"/>
+                </a:ext>
+              </a:extLst>
+            </p:cNvPr>
+            <p:cNvPicPr>
+              <a:picLocks noChangeAspect="1"/>
+            </p:cNvPicPr>
+            <p:nvPr/>
+          </p:nvPicPr>
+          <p:blipFill rotWithShape="1">
+            <a:blip r:embed="rId3"/>
+            <a:srcRect t="82988" r="48931" b="-1"/>
+            <a:stretch/>
+          </p:blipFill>
+          <p:spPr>
+            <a:xfrm>
+              <a:off x="11535555" y="24616054"/>
+              <a:ext cx="6122016" cy="2492599"/>
+            </a:xfrm>
+            <a:prstGeom prst="rect">
+              <a:avLst/>
+            </a:prstGeom>
+            <a:ln>
+              <a:noFill/>
+            </a:ln>
+          </p:spPr>
+        </p:pic>
+        <p:pic>
+          <p:nvPicPr>
+            <p:cNvPr id="53" name="Picture 52" descr="Chart, box and whisker chart&#10;&#10;Description automatically generated">
+              <a:extLst>
+                <a:ext uri="{FF2B5EF4-FFF2-40B4-BE49-F238E27FC236}">
+                  <a16:creationId xmlns:a16="http://schemas.microsoft.com/office/drawing/2014/main" id="{F7B57CB2-625F-4838-811D-3FDCDEB56A35}"/>
+                </a:ext>
+              </a:extLst>
+            </p:cNvPr>
+            <p:cNvPicPr>
+              <a:picLocks noChangeAspect="1"/>
+            </p:cNvPicPr>
+            <p:nvPr/>
+          </p:nvPicPr>
+          <p:blipFill rotWithShape="1">
+            <a:blip r:embed="rId4"/>
+            <a:srcRect t="74634" b="-1"/>
+            <a:stretch/>
+          </p:blipFill>
+          <p:spPr>
+            <a:xfrm>
+              <a:off x="11741611" y="29505045"/>
+              <a:ext cx="5915960" cy="2444475"/>
+            </a:xfrm>
+            <a:prstGeom prst="rect">
+              <a:avLst/>
+            </a:prstGeom>
+          </p:spPr>
+        </p:pic>
+        <p:pic>
+          <p:nvPicPr>
+            <p:cNvPr id="55" name="Picture 54" descr="Chart, box and whisker chart&#10;&#10;Description automatically generated">
+              <a:extLst>
+                <a:ext uri="{FF2B5EF4-FFF2-40B4-BE49-F238E27FC236}">
+                  <a16:creationId xmlns:a16="http://schemas.microsoft.com/office/drawing/2014/main" id="{0B4F4D65-1900-8D55-9E1B-743091BC02BF}"/>
+                </a:ext>
+              </a:extLst>
+            </p:cNvPr>
+            <p:cNvPicPr>
+              <a:picLocks noChangeAspect="1"/>
+            </p:cNvPicPr>
+            <p:nvPr/>
+          </p:nvPicPr>
+          <p:blipFill rotWithShape="1">
+            <a:blip r:embed="rId5"/>
+            <a:srcRect t="49490" b="-1"/>
+            <a:stretch/>
+          </p:blipFill>
+          <p:spPr>
+            <a:xfrm>
+              <a:off x="11674119" y="17435772"/>
+              <a:ext cx="5983452" cy="2462636"/>
+            </a:xfrm>
+            <a:prstGeom prst="rect">
+              <a:avLst/>
+            </a:prstGeom>
+          </p:spPr>
+        </p:pic>
+        <p:pic>
+          <p:nvPicPr>
+            <p:cNvPr id="16" name="Picture 15" descr="Chart, box and whisker chart&#10;&#10;Description automatically generated">
+              <a:extLst>
+                <a:ext uri="{FF2B5EF4-FFF2-40B4-BE49-F238E27FC236}">
+                  <a16:creationId xmlns:a16="http://schemas.microsoft.com/office/drawing/2014/main" id="{2B726B5C-D110-A42F-4E9A-9A5AF0991A43}"/>
+                </a:ext>
+              </a:extLst>
+            </p:cNvPr>
+            <p:cNvPicPr>
+              <a:picLocks noChangeAspect="1"/>
+            </p:cNvPicPr>
+            <p:nvPr/>
+          </p:nvPicPr>
+          <p:blipFill rotWithShape="1">
+            <a:blip r:embed="rId5"/>
+            <a:srcRect b="49969"/>
+            <a:stretch/>
+          </p:blipFill>
+          <p:spPr>
+            <a:xfrm>
+              <a:off x="5796655" y="24550067"/>
+              <a:ext cx="5983452" cy="2439221"/>
+            </a:xfrm>
+            <a:prstGeom prst="rect">
+              <a:avLst/>
+            </a:prstGeom>
+          </p:spPr>
+        </p:pic>
+        <p:grpSp>
+          <p:nvGrpSpPr>
+            <p:cNvPr id="54" name="Group 53">
+              <a:extLst>
+                <a:ext uri="{FF2B5EF4-FFF2-40B4-BE49-F238E27FC236}">
+                  <a16:creationId xmlns:a16="http://schemas.microsoft.com/office/drawing/2014/main" id="{5153BBB9-53A2-90EB-8870-74ADAB786FD1}"/>
+                </a:ext>
+              </a:extLst>
+            </p:cNvPr>
+            <p:cNvGrpSpPr/>
+            <p:nvPr/>
+          </p:nvGrpSpPr>
+          <p:grpSpPr>
+            <a:xfrm>
+              <a:off x="5858348" y="17405520"/>
+              <a:ext cx="5924259" cy="7197747"/>
+              <a:chOff x="6406982" y="23009374"/>
+              <a:chExt cx="5924259" cy="7197747"/>
+            </a:xfrm>
+          </p:grpSpPr>
+          <p:pic>
+            <p:nvPicPr>
+              <p:cNvPr id="18" name="Picture 17" descr="Chart, box and whisker chart&#10;&#10;Description automatically generated">
+                <a:extLst>
+                  <a:ext uri="{FF2B5EF4-FFF2-40B4-BE49-F238E27FC236}">
+                    <a16:creationId xmlns:a16="http://schemas.microsoft.com/office/drawing/2014/main" id="{5DDF7969-3B2F-AD06-4D73-FF0A82EE560F}"/>
+                  </a:ext>
+                </a:extLst>
+              </p:cNvPr>
+              <p:cNvPicPr>
+                <a:picLocks noChangeAspect="1"/>
+              </p:cNvPicPr>
+              <p:nvPr/>
+            </p:nvPicPr>
+            <p:blipFill rotWithShape="1">
+              <a:blip r:embed="rId6"/>
+              <a:srcRect b="33293"/>
+              <a:stretch/>
+            </p:blipFill>
+            <p:spPr>
+              <a:xfrm>
+                <a:off x="6427093" y="23009374"/>
+                <a:ext cx="5904148" cy="4813665"/>
+              </a:xfrm>
+              <a:prstGeom prst="rect">
+                <a:avLst/>
+              </a:prstGeom>
+            </p:spPr>
+          </p:pic>
+          <p:pic>
+            <p:nvPicPr>
+              <p:cNvPr id="25" name="Picture 24" descr="Chart, box and whisker chart&#10;&#10;Description automatically generated">
+                <a:extLst>
+                  <a:ext uri="{FF2B5EF4-FFF2-40B4-BE49-F238E27FC236}">
+                    <a16:creationId xmlns:a16="http://schemas.microsoft.com/office/drawing/2014/main" id="{811E630B-96CE-883A-52E0-F564A1EC14BC}"/>
+                  </a:ext>
+                </a:extLst>
+              </p:cNvPr>
+              <p:cNvPicPr>
+                <a:picLocks noChangeAspect="1"/>
+              </p:cNvPicPr>
+              <p:nvPr/>
+            </p:nvPicPr>
+            <p:blipFill rotWithShape="1">
+              <a:blip r:embed="rId4"/>
+              <a:srcRect t="-1" b="74713"/>
+              <a:stretch/>
+            </p:blipFill>
+            <p:spPr>
+              <a:xfrm>
+                <a:off x="6406982" y="27767900"/>
+                <a:ext cx="5921759" cy="2439221"/>
+              </a:xfrm>
+              <a:prstGeom prst="rect">
+                <a:avLst/>
+              </a:prstGeom>
+            </p:spPr>
+          </p:pic>
+        </p:grpSp>
+        <p:sp>
+          <p:nvSpPr>
+            <p:cNvPr id="28" name="TextBox 27">
+              <a:extLst>
+                <a:ext uri="{FF2B5EF4-FFF2-40B4-BE49-F238E27FC236}">
+                  <a16:creationId xmlns:a16="http://schemas.microsoft.com/office/drawing/2014/main" id="{E34F08E6-C668-C653-49C3-0185C6388F55}"/>
+                </a:ext>
+              </a:extLst>
+            </p:cNvPr>
+            <p:cNvSpPr txBox="1"/>
+            <p:nvPr/>
+          </p:nvSpPr>
+          <p:spPr>
+            <a:xfrm rot="16200000">
+              <a:off x="2757113" y="24491148"/>
+              <a:ext cx="5238980" cy="584775"/>
+            </a:xfrm>
+            <a:prstGeom prst="rect">
+              <a:avLst/>
+            </a:prstGeom>
+            <a:noFill/>
+          </p:spPr>
+          <p:txBody>
+            <a:bodyPr wrap="square" rtlCol="0">
+              <a:spAutoFit/>
+            </a:bodyPr>
+            <a:lstStyle/>
+            <a:p>
+              <a:pPr algn="ctr"/>
+              <a:r>
+                <a:rPr lang="en-US" sz="3200" dirty="0"/>
+                <a:t>Relative Abundance</a:t>
+              </a:r>
+            </a:p>
+          </p:txBody>
+        </p:sp>
+        <p:pic>
+          <p:nvPicPr>
+            <p:cNvPr id="35" name="Picture 34" descr="Graphical user interface, chart, box and whisker chart&#10;&#10;Description automatically generated">
+              <a:extLst>
+                <a:ext uri="{FF2B5EF4-FFF2-40B4-BE49-F238E27FC236}">
+                  <a16:creationId xmlns:a16="http://schemas.microsoft.com/office/drawing/2014/main" id="{83173606-8CBA-08ED-4F47-DF886C4ED603}"/>
+                </a:ext>
+              </a:extLst>
+            </p:cNvPr>
+            <p:cNvPicPr>
+              <a:picLocks noChangeAspect="1"/>
+            </p:cNvPicPr>
+            <p:nvPr/>
+          </p:nvPicPr>
+          <p:blipFill rotWithShape="1">
+            <a:blip r:embed="rId2"/>
+            <a:srcRect t="39774" b="40262"/>
+            <a:stretch/>
+          </p:blipFill>
+          <p:spPr>
+            <a:xfrm>
+              <a:off x="5642979" y="26989288"/>
+              <a:ext cx="6102621" cy="2481732"/>
+            </a:xfrm>
+            <a:prstGeom prst="rect">
+              <a:avLst/>
+            </a:prstGeom>
+            <a:ln>
+              <a:noFill/>
+            </a:ln>
+          </p:spPr>
+        </p:pic>
+        <p:pic>
+          <p:nvPicPr>
+            <p:cNvPr id="56" name="Picture 55" descr="Bar chart&#10;&#10;Description automatically generated with low confidence">
+              <a:extLst>
+                <a:ext uri="{FF2B5EF4-FFF2-40B4-BE49-F238E27FC236}">
+                  <a16:creationId xmlns:a16="http://schemas.microsoft.com/office/drawing/2014/main" id="{478CB6AC-D34F-71E4-88B3-0A71DD6FF542}"/>
+                </a:ext>
+              </a:extLst>
+            </p:cNvPr>
+            <p:cNvPicPr>
+              <a:picLocks noChangeAspect="1"/>
+            </p:cNvPicPr>
+            <p:nvPr/>
+          </p:nvPicPr>
+          <p:blipFill rotWithShape="1">
+            <a:blip r:embed="rId3"/>
+            <a:srcRect t="66378" r="49385" b="16771"/>
+            <a:stretch/>
+          </p:blipFill>
+          <p:spPr>
+            <a:xfrm>
+              <a:off x="5653088" y="29476635"/>
+              <a:ext cx="6040410" cy="2457854"/>
+            </a:xfrm>
+            <a:prstGeom prst="rect">
+              <a:avLst/>
+            </a:prstGeom>
+            <a:ln>
+              <a:noFill/>
+            </a:ln>
+          </p:spPr>
+        </p:pic>
+        <p:pic>
+          <p:nvPicPr>
+            <p:cNvPr id="57" name="Picture 56" descr="Bar chart&#10;&#10;Description automatically generated with low confidence">
+              <a:extLst>
+                <a:ext uri="{FF2B5EF4-FFF2-40B4-BE49-F238E27FC236}">
+                  <a16:creationId xmlns:a16="http://schemas.microsoft.com/office/drawing/2014/main" id="{9A3CDB79-63BF-DC0D-86F2-FC779BDB1E3E}"/>
+                </a:ext>
+              </a:extLst>
+            </p:cNvPr>
+            <p:cNvPicPr>
+              <a:picLocks noChangeAspect="1"/>
+            </p:cNvPicPr>
+            <p:nvPr/>
+          </p:nvPicPr>
+          <p:blipFill rotWithShape="1">
+            <a:blip r:embed="rId3"/>
+            <a:srcRect l="50636" t="66378" b="16771"/>
+            <a:stretch/>
+          </p:blipFill>
+          <p:spPr>
+            <a:xfrm>
+              <a:off x="5865179" y="31934489"/>
+              <a:ext cx="5846404" cy="2439221"/>
+            </a:xfrm>
+            <a:prstGeom prst="rect">
+              <a:avLst/>
+            </a:prstGeom>
+            <a:ln>
+              <a:noFill/>
+            </a:ln>
+          </p:spPr>
+        </p:pic>
+        <p:pic>
+          <p:nvPicPr>
+            <p:cNvPr id="59" name="Picture 58" descr="Bar chart&#10;&#10;Description automatically generated with low confidence">
+              <a:extLst>
+                <a:ext uri="{FF2B5EF4-FFF2-40B4-BE49-F238E27FC236}">
+                  <a16:creationId xmlns:a16="http://schemas.microsoft.com/office/drawing/2014/main" id="{FA441376-DF58-8978-9BC6-B68C0D5EC6C0}"/>
+                </a:ext>
+              </a:extLst>
+            </p:cNvPr>
+            <p:cNvPicPr>
+              <a:picLocks noChangeAspect="1"/>
+            </p:cNvPicPr>
+            <p:nvPr/>
+          </p:nvPicPr>
+          <p:blipFill rotWithShape="1">
+            <a:blip r:embed="rId3"/>
+            <a:srcRect l="50288" t="82988" b="-1"/>
+            <a:stretch/>
+          </p:blipFill>
+          <p:spPr>
+            <a:xfrm>
+              <a:off x="11704947" y="27063522"/>
+              <a:ext cx="5959242" cy="2492599"/>
+            </a:xfrm>
+            <a:prstGeom prst="rect">
+              <a:avLst/>
+            </a:prstGeom>
+            <a:ln>
+              <a:noFill/>
+            </a:ln>
+          </p:spPr>
+        </p:pic>
+        <p:pic>
+          <p:nvPicPr>
+            <p:cNvPr id="60" name="Picture 59" descr="Chart, box and whisker chart&#10;&#10;Description automatically generated">
+              <a:extLst>
+                <a:ext uri="{FF2B5EF4-FFF2-40B4-BE49-F238E27FC236}">
+                  <a16:creationId xmlns:a16="http://schemas.microsoft.com/office/drawing/2014/main" id="{F20062D1-3B31-447E-BA77-3C40FBA6396A}"/>
+                </a:ext>
+              </a:extLst>
+            </p:cNvPr>
+            <p:cNvPicPr>
+              <a:picLocks noChangeAspect="1"/>
+            </p:cNvPicPr>
+            <p:nvPr/>
+          </p:nvPicPr>
+          <p:blipFill rotWithShape="1">
+            <a:blip r:embed="rId4"/>
+            <a:srcRect t="25058" b="25332"/>
+            <a:stretch/>
+          </p:blipFill>
+          <p:spPr>
+            <a:xfrm>
+              <a:off x="11725550" y="19854645"/>
+              <a:ext cx="5932021" cy="4793534"/>
+            </a:xfrm>
+            <a:prstGeom prst="rect">
+              <a:avLst/>
+            </a:prstGeom>
+          </p:spPr>
+        </p:pic>
+      </p:grpSp>
+      <p:grpSp>
+        <p:nvGrpSpPr>
+          <p:cNvPr id="6" name="Group 5">
+            <a:extLst>
+              <a:ext uri="{FF2B5EF4-FFF2-40B4-BE49-F238E27FC236}">
+                <a16:creationId xmlns:a16="http://schemas.microsoft.com/office/drawing/2014/main" id="{2BEE0F02-1242-F55D-DF33-7AA19C4DFB8A}"/>
+              </a:ext>
+            </a:extLst>
+          </p:cNvPr>
+          <p:cNvGrpSpPr/>
+          <p:nvPr/>
+        </p:nvGrpSpPr>
+        <p:grpSpPr>
+          <a:xfrm>
+            <a:off x="7643256" y="3837247"/>
+            <a:ext cx="6520724" cy="7158496"/>
+            <a:chOff x="5235075" y="8441774"/>
+            <a:chExt cx="6520724" cy="7158496"/>
+          </a:xfrm>
+        </p:grpSpPr>
+        <p:grpSp>
+          <p:nvGrpSpPr>
+            <p:cNvPr id="17" name="Group 16">
+              <a:extLst>
+                <a:ext uri="{FF2B5EF4-FFF2-40B4-BE49-F238E27FC236}">
+                  <a16:creationId xmlns:a16="http://schemas.microsoft.com/office/drawing/2014/main" id="{AF241B7A-3DEF-C874-B7AD-FF1E887CA242}"/>
+                </a:ext>
+              </a:extLst>
+            </p:cNvPr>
+            <p:cNvGrpSpPr/>
+            <p:nvPr/>
+          </p:nvGrpSpPr>
+          <p:grpSpPr>
+            <a:xfrm>
+              <a:off x="5909395" y="8441774"/>
+              <a:ext cx="5846404" cy="7158496"/>
+              <a:chOff x="5056709" y="13846062"/>
+              <a:chExt cx="5846404" cy="7158496"/>
+            </a:xfrm>
+          </p:grpSpPr>
+          <p:pic>
+            <p:nvPicPr>
+              <p:cNvPr id="20" name="Picture 19" descr="Chart, box and whisker chart&#10;&#10;Description automatically generated">
+                <a:extLst>
+                  <a:ext uri="{FF2B5EF4-FFF2-40B4-BE49-F238E27FC236}">
+                    <a16:creationId xmlns:a16="http://schemas.microsoft.com/office/drawing/2014/main" id="{8DEC8B51-2756-CA06-53A4-12EE43F9BB41}"/>
+                  </a:ext>
+                </a:extLst>
+              </p:cNvPr>
+              <p:cNvPicPr>
+                <a:picLocks noChangeAspect="1"/>
+              </p:cNvPicPr>
+              <p:nvPr/>
+            </p:nvPicPr>
+            <p:blipFill rotWithShape="1">
+              <a:blip r:embed="rId7"/>
+              <a:srcRect t="50000"/>
+              <a:stretch/>
+            </p:blipFill>
+            <p:spPr>
+              <a:xfrm>
+                <a:off x="5056709" y="16242986"/>
+                <a:ext cx="5846404" cy="4761572"/>
+              </a:xfrm>
+              <a:prstGeom prst="rect">
+                <a:avLst/>
+              </a:prstGeom>
+            </p:spPr>
+          </p:pic>
+          <p:pic>
+            <p:nvPicPr>
+              <p:cNvPr id="51" name="Picture 50" descr="Chart, box and whisker chart&#10;&#10;Description automatically generated">
+                <a:extLst>
+                  <a:ext uri="{FF2B5EF4-FFF2-40B4-BE49-F238E27FC236}">
+                    <a16:creationId xmlns:a16="http://schemas.microsoft.com/office/drawing/2014/main" id="{BCB8D679-D46E-D836-E6D8-EFB750C4244E}"/>
+                  </a:ext>
+                </a:extLst>
+              </p:cNvPr>
+              <p:cNvPicPr>
+                <a:picLocks noChangeAspect="1"/>
+              </p:cNvPicPr>
+              <p:nvPr/>
+            </p:nvPicPr>
+            <p:blipFill rotWithShape="1">
+              <a:blip r:embed="rId7"/>
+              <a:srcRect b="74712"/>
+              <a:stretch/>
+            </p:blipFill>
+            <p:spPr>
+              <a:xfrm>
+                <a:off x="5056709" y="13846062"/>
+                <a:ext cx="5846404" cy="2408182"/>
+              </a:xfrm>
+              <a:prstGeom prst="rect">
+                <a:avLst/>
+              </a:prstGeom>
+            </p:spPr>
+          </p:pic>
+        </p:grpSp>
+        <p:sp>
+          <p:nvSpPr>
+            <p:cNvPr id="61" name="TextBox 60">
+              <a:extLst>
+                <a:ext uri="{FF2B5EF4-FFF2-40B4-BE49-F238E27FC236}">
+                  <a16:creationId xmlns:a16="http://schemas.microsoft.com/office/drawing/2014/main" id="{F2A313A7-9EEE-3483-4804-F6B8049DDAE4}"/>
+                </a:ext>
+              </a:extLst>
+            </p:cNvPr>
+            <p:cNvSpPr txBox="1"/>
+            <p:nvPr/>
+          </p:nvSpPr>
+          <p:spPr>
+            <a:xfrm rot="16200000">
+              <a:off x="2907973" y="11822126"/>
+              <a:ext cx="5238980" cy="584775"/>
+            </a:xfrm>
+            <a:prstGeom prst="rect">
+              <a:avLst/>
+            </a:prstGeom>
+            <a:noFill/>
+          </p:spPr>
+          <p:txBody>
+            <a:bodyPr wrap="square" rtlCol="0">
+              <a:spAutoFit/>
+            </a:bodyPr>
+            <a:lstStyle/>
+            <a:p>
+              <a:pPr algn="ctr"/>
+              <a:r>
+                <a:rPr lang="en-US" sz="3200" dirty="0"/>
                 <a:t>Relative Abundance</a:t>
               </a:r>
             </a:p>
@@ -3979,10 +5767,10 @@
       </p:grpSp>
       <p:sp>
         <p:nvSpPr>
-          <p:cNvPr id="33" name="TextBox 32">
+          <p:cNvPr id="30" name="TextBox 29">
             <a:extLst>
               <a:ext uri="{FF2B5EF4-FFF2-40B4-BE49-F238E27FC236}">
-                <a16:creationId xmlns:a16="http://schemas.microsoft.com/office/drawing/2014/main" id="{9360FB3F-591F-BB38-4749-F30DBC3A3AE9}"/>
+                <a16:creationId xmlns:a16="http://schemas.microsoft.com/office/drawing/2014/main" id="{888B99AD-7447-D0A3-A714-AD330114A3CE}"/>
               </a:ext>
             </a:extLst>
           </p:cNvPr>
@@ -3991,8 +5779,8 @@
         </p:nvSpPr>
         <p:spPr>
           <a:xfrm>
-            <a:off x="3113060" y="187995"/>
-            <a:ext cx="6617040" cy="584775"/>
+            <a:off x="9345494" y="317316"/>
+            <a:ext cx="9636973" cy="1569660"/>
           </a:xfrm>
           <a:prstGeom prst="rect">
             <a:avLst/>
@@ -4007,18 +5795,610 @@
           <a:p>
             <a:pPr algn="ctr"/>
             <a:r>
-              <a:rPr lang="en-US" sz="3200" b="1" u="sng" dirty="0"/>
-              <a:t>DA ASVs in a single treatment</a:t>
-            </a:r>
-          </a:p>
-        </p:txBody>
-      </p:sp>
-      <p:sp>
-        <p:nvSpPr>
-          <p:cNvPr id="34" name="TextBox 33">
+              <a:rPr lang="en-US" sz="9600" b="1" u="sng" dirty="0"/>
+              <a:t>ASVs Enriched In:</a:t>
+            </a:r>
+            <a:endParaRPr lang="en-US" sz="11500" b="1" u="sng" dirty="0"/>
+          </a:p>
+        </p:txBody>
+      </p:sp>
+      <p:grpSp>
+        <p:nvGrpSpPr>
+          <p:cNvPr id="31" name="Group 30">
             <a:extLst>
               <a:ext uri="{FF2B5EF4-FFF2-40B4-BE49-F238E27FC236}">
-                <a16:creationId xmlns:a16="http://schemas.microsoft.com/office/drawing/2014/main" id="{C4325A48-8C60-EF4C-DC98-4A00C398EE65}"/>
+                <a16:creationId xmlns:a16="http://schemas.microsoft.com/office/drawing/2014/main" id="{0B8751CB-862C-8DE9-BB62-608B07D1EB22}"/>
+              </a:ext>
+            </a:extLst>
+          </p:cNvPr>
+          <p:cNvGrpSpPr/>
+          <p:nvPr/>
+        </p:nvGrpSpPr>
+        <p:grpSpPr>
+          <a:xfrm>
+            <a:off x="516718" y="25195021"/>
+            <a:ext cx="6728383" cy="7341883"/>
+            <a:chOff x="16768706" y="8443570"/>
+            <a:chExt cx="6607375" cy="7341883"/>
+          </a:xfrm>
+        </p:grpSpPr>
+        <p:grpSp>
+          <p:nvGrpSpPr>
+            <p:cNvPr id="33" name="Group 32">
+              <a:extLst>
+                <a:ext uri="{FF2B5EF4-FFF2-40B4-BE49-F238E27FC236}">
+                  <a16:creationId xmlns:a16="http://schemas.microsoft.com/office/drawing/2014/main" id="{FC76EEC7-6756-EAFE-B73B-E906F879D286}"/>
+                </a:ext>
+              </a:extLst>
+            </p:cNvPr>
+            <p:cNvGrpSpPr/>
+            <p:nvPr/>
+          </p:nvGrpSpPr>
+          <p:grpSpPr>
+            <a:xfrm>
+              <a:off x="17327653" y="8443570"/>
+              <a:ext cx="6048428" cy="7341883"/>
+              <a:chOff x="14974949" y="13968279"/>
+              <a:chExt cx="6048428" cy="7341883"/>
+            </a:xfrm>
+          </p:grpSpPr>
+          <p:pic>
+            <p:nvPicPr>
+              <p:cNvPr id="36" name="Picture 35" descr="Graphical user interface, chart, box and whisker chart&#10;&#10;Description automatically generated">
+                <a:extLst>
+                  <a:ext uri="{FF2B5EF4-FFF2-40B4-BE49-F238E27FC236}">
+                    <a16:creationId xmlns:a16="http://schemas.microsoft.com/office/drawing/2014/main" id="{C171AC8B-BE7A-544A-919F-A73552A669AD}"/>
+                  </a:ext>
+                </a:extLst>
+              </p:cNvPr>
+              <p:cNvPicPr>
+                <a:picLocks noChangeAspect="1"/>
+              </p:cNvPicPr>
+              <p:nvPr/>
+            </p:nvPicPr>
+            <p:blipFill rotWithShape="1">
+              <a:blip r:embed="rId2"/>
+              <a:srcRect t="59894"/>
+              <a:stretch/>
+            </p:blipFill>
+            <p:spPr>
+              <a:xfrm>
+                <a:off x="14974949" y="16368796"/>
+                <a:ext cx="6048427" cy="4941366"/>
+              </a:xfrm>
+              <a:prstGeom prst="rect">
+                <a:avLst/>
+              </a:prstGeom>
+              <a:ln>
+                <a:noFill/>
+              </a:ln>
+            </p:spPr>
+          </p:pic>
+          <p:pic>
+            <p:nvPicPr>
+              <p:cNvPr id="37" name="Picture 36" descr="Chart, box and whisker chart&#10;&#10;Description automatically generated">
+                <a:extLst>
+                  <a:ext uri="{FF2B5EF4-FFF2-40B4-BE49-F238E27FC236}">
+                    <a16:creationId xmlns:a16="http://schemas.microsoft.com/office/drawing/2014/main" id="{C7D3A7C1-2D7E-5446-4050-3E6A4EF5A4F7}"/>
+                  </a:ext>
+                </a:extLst>
+              </p:cNvPr>
+              <p:cNvPicPr>
+                <a:picLocks noChangeAspect="1"/>
+              </p:cNvPicPr>
+              <p:nvPr/>
+            </p:nvPicPr>
+            <p:blipFill rotWithShape="1">
+              <a:blip r:embed="rId7"/>
+              <a:srcRect t="24904" b="49797"/>
+              <a:stretch/>
+            </p:blipFill>
+            <p:spPr>
+              <a:xfrm>
+                <a:off x="15176973" y="13968279"/>
+                <a:ext cx="5846404" cy="2409234"/>
+              </a:xfrm>
+              <a:prstGeom prst="rect">
+                <a:avLst/>
+              </a:prstGeom>
+            </p:spPr>
+          </p:pic>
+        </p:grpSp>
+        <p:sp>
+          <p:nvSpPr>
+            <p:cNvPr id="34" name="TextBox 33">
+              <a:extLst>
+                <a:ext uri="{FF2B5EF4-FFF2-40B4-BE49-F238E27FC236}">
+                  <a16:creationId xmlns:a16="http://schemas.microsoft.com/office/drawing/2014/main" id="{04E14B26-D3BB-EBC3-D1B8-3DC2BF73AEC8}"/>
+                </a:ext>
+              </a:extLst>
+            </p:cNvPr>
+            <p:cNvSpPr txBox="1"/>
+            <p:nvPr/>
+          </p:nvSpPr>
+          <p:spPr>
+            <a:xfrm rot="16200000">
+              <a:off x="14436345" y="11827382"/>
+              <a:ext cx="5238980" cy="574258"/>
+            </a:xfrm>
+            <a:prstGeom prst="rect">
+              <a:avLst/>
+            </a:prstGeom>
+            <a:noFill/>
+          </p:spPr>
+          <p:txBody>
+            <a:bodyPr wrap="square" rtlCol="0">
+              <a:spAutoFit/>
+            </a:bodyPr>
+            <a:lstStyle/>
+            <a:p>
+              <a:pPr algn="ctr"/>
+              <a:r>
+                <a:rPr lang="en-US" sz="3200" dirty="0"/>
+                <a:t>Relative Abundance</a:t>
+              </a:r>
+            </a:p>
+          </p:txBody>
+        </p:sp>
+      </p:grpSp>
+      <p:grpSp>
+        <p:nvGrpSpPr>
+          <p:cNvPr id="38" name="Group 37">
+            <a:extLst>
+              <a:ext uri="{FF2B5EF4-FFF2-40B4-BE49-F238E27FC236}">
+                <a16:creationId xmlns:a16="http://schemas.microsoft.com/office/drawing/2014/main" id="{5F9B4CED-9DAE-B0AF-0787-8BE9C731C10D}"/>
+              </a:ext>
+            </a:extLst>
+          </p:cNvPr>
+          <p:cNvGrpSpPr/>
+          <p:nvPr/>
+        </p:nvGrpSpPr>
+        <p:grpSpPr>
+          <a:xfrm>
+            <a:off x="7522662" y="25003141"/>
+            <a:ext cx="6711408" cy="9932719"/>
+            <a:chOff x="7796131" y="21227695"/>
+            <a:chExt cx="6711408" cy="9932719"/>
+          </a:xfrm>
+        </p:grpSpPr>
+        <p:grpSp>
+          <p:nvGrpSpPr>
+            <p:cNvPr id="40" name="Group 39">
+              <a:extLst>
+                <a:ext uri="{FF2B5EF4-FFF2-40B4-BE49-F238E27FC236}">
+                  <a16:creationId xmlns:a16="http://schemas.microsoft.com/office/drawing/2014/main" id="{E9F8EB61-5488-CEAF-EA5D-1DFD042CE5BF}"/>
+                </a:ext>
+              </a:extLst>
+            </p:cNvPr>
+            <p:cNvGrpSpPr/>
+            <p:nvPr/>
+          </p:nvGrpSpPr>
+          <p:grpSpPr>
+            <a:xfrm>
+              <a:off x="7796131" y="21227695"/>
+              <a:ext cx="6711408" cy="5238980"/>
+              <a:chOff x="13791977" y="3201097"/>
+              <a:chExt cx="6711408" cy="5238980"/>
+            </a:xfrm>
+          </p:grpSpPr>
+          <p:grpSp>
+            <p:nvGrpSpPr>
+              <p:cNvPr id="42" name="Group 41">
+                <a:extLst>
+                  <a:ext uri="{FF2B5EF4-FFF2-40B4-BE49-F238E27FC236}">
+                    <a16:creationId xmlns:a16="http://schemas.microsoft.com/office/drawing/2014/main" id="{705232E9-C2A1-1340-8C3D-18AC44964F9B}"/>
+                  </a:ext>
+                </a:extLst>
+              </p:cNvPr>
+              <p:cNvGrpSpPr/>
+              <p:nvPr/>
+            </p:nvGrpSpPr>
+            <p:grpSpPr>
+              <a:xfrm>
+                <a:off x="14425889" y="3416902"/>
+                <a:ext cx="6077496" cy="4864931"/>
+                <a:chOff x="11648960" y="2669935"/>
+                <a:chExt cx="6077496" cy="4864931"/>
+              </a:xfrm>
+            </p:grpSpPr>
+            <p:pic>
+              <p:nvPicPr>
+                <p:cNvPr id="45" name="Picture 44" descr="Bar chart&#10;&#10;Description automatically generated with low confidence">
+                  <a:extLst>
+                    <a:ext uri="{FF2B5EF4-FFF2-40B4-BE49-F238E27FC236}">
+                      <a16:creationId xmlns:a16="http://schemas.microsoft.com/office/drawing/2014/main" id="{F2D441CC-AC61-7C33-630C-F8DDAABEC68E}"/>
+                    </a:ext>
+                  </a:extLst>
+                </p:cNvPr>
+                <p:cNvPicPr>
+                  <a:picLocks noChangeAspect="1"/>
+                </p:cNvPicPr>
+                <p:nvPr/>
+              </p:nvPicPr>
+              <p:blipFill rotWithShape="1">
+                <a:blip r:embed="rId3"/>
+                <a:srcRect l="50716" b="82966"/>
+                <a:stretch/>
+              </p:blipFill>
+              <p:spPr>
+                <a:xfrm>
+                  <a:off x="11889465" y="2669935"/>
+                  <a:ext cx="5836991" cy="2465638"/>
+                </a:xfrm>
+                <a:prstGeom prst="rect">
+                  <a:avLst/>
+                </a:prstGeom>
+                <a:ln>
+                  <a:noFill/>
+                </a:ln>
+              </p:spPr>
+            </p:pic>
+            <p:pic>
+              <p:nvPicPr>
+                <p:cNvPr id="46" name="Picture 45" descr="Graphical user interface, chart, box and whisker chart&#10;&#10;Description automatically generated">
+                  <a:extLst>
+                    <a:ext uri="{FF2B5EF4-FFF2-40B4-BE49-F238E27FC236}">
+                      <a16:creationId xmlns:a16="http://schemas.microsoft.com/office/drawing/2014/main" id="{EE7B081E-D4C0-D242-3815-798AFC559812}"/>
+                    </a:ext>
+                  </a:extLst>
+                </p:cNvPr>
+                <p:cNvPicPr>
+                  <a:picLocks noChangeAspect="1"/>
+                </p:cNvPicPr>
+                <p:nvPr/>
+              </p:nvPicPr>
+              <p:blipFill rotWithShape="1">
+                <a:blip r:embed="rId2"/>
+                <a:srcRect b="79947"/>
+                <a:stretch/>
+              </p:blipFill>
+              <p:spPr>
+                <a:xfrm>
+                  <a:off x="11648960" y="5052309"/>
+                  <a:ext cx="6077496" cy="2482557"/>
+                </a:xfrm>
+                <a:prstGeom prst="rect">
+                  <a:avLst/>
+                </a:prstGeom>
+                <a:ln>
+                  <a:noFill/>
+                </a:ln>
+              </p:spPr>
+            </p:pic>
+          </p:grpSp>
+          <p:sp>
+            <p:nvSpPr>
+              <p:cNvPr id="44" name="TextBox 43">
+                <a:extLst>
+                  <a:ext uri="{FF2B5EF4-FFF2-40B4-BE49-F238E27FC236}">
+                    <a16:creationId xmlns:a16="http://schemas.microsoft.com/office/drawing/2014/main" id="{EF17DBE5-4216-3DAE-97C8-C6DA64D91EBC}"/>
+                  </a:ext>
+                </a:extLst>
+              </p:cNvPr>
+              <p:cNvSpPr txBox="1"/>
+              <p:nvPr/>
+            </p:nvSpPr>
+            <p:spPr>
+              <a:xfrm rot="16200000">
+                <a:off x="11464875" y="5528199"/>
+                <a:ext cx="5238980" cy="584775"/>
+              </a:xfrm>
+              <a:prstGeom prst="rect">
+                <a:avLst/>
+              </a:prstGeom>
+              <a:noFill/>
+            </p:spPr>
+            <p:txBody>
+              <a:bodyPr wrap="square" rtlCol="0">
+                <a:spAutoFit/>
+              </a:bodyPr>
+              <a:lstStyle/>
+              <a:p>
+                <a:pPr algn="ctr"/>
+                <a:r>
+                  <a:rPr lang="en-US" sz="3200" dirty="0"/>
+                  <a:t>Relative Abundance</a:t>
+                </a:r>
+              </a:p>
+            </p:txBody>
+          </p:sp>
+        </p:grpSp>
+        <p:pic>
+          <p:nvPicPr>
+            <p:cNvPr id="41" name="Picture 40" descr="Bar chart&#10;&#10;Description automatically generated with low confidence">
+              <a:extLst>
+                <a:ext uri="{FF2B5EF4-FFF2-40B4-BE49-F238E27FC236}">
+                  <a16:creationId xmlns:a16="http://schemas.microsoft.com/office/drawing/2014/main" id="{42F335AF-1ABA-EBA6-2B03-EC635EACD9E7}"/>
+                </a:ext>
+              </a:extLst>
+            </p:cNvPr>
+            <p:cNvPicPr>
+              <a:picLocks noChangeAspect="1"/>
+            </p:cNvPicPr>
+            <p:nvPr/>
+          </p:nvPicPr>
+          <p:blipFill rotWithShape="1">
+            <a:blip r:embed="rId3"/>
+            <a:srcRect r="49228" b="66578"/>
+            <a:stretch/>
+          </p:blipFill>
+          <p:spPr>
+            <a:xfrm>
+              <a:off x="8494382" y="26322530"/>
+              <a:ext cx="6013157" cy="4837884"/>
+            </a:xfrm>
+            <a:prstGeom prst="rect">
+              <a:avLst/>
+            </a:prstGeom>
+            <a:ln>
+              <a:noFill/>
+            </a:ln>
+          </p:spPr>
+        </p:pic>
+      </p:grpSp>
+      <p:grpSp>
+        <p:nvGrpSpPr>
+          <p:cNvPr id="47" name="Group 46">
+            <a:extLst>
+              <a:ext uri="{FF2B5EF4-FFF2-40B4-BE49-F238E27FC236}">
+                <a16:creationId xmlns:a16="http://schemas.microsoft.com/office/drawing/2014/main" id="{BADC29EF-2C5C-41DD-34DA-68500D9987FA}"/>
+              </a:ext>
+            </a:extLst>
+          </p:cNvPr>
+          <p:cNvGrpSpPr/>
+          <p:nvPr/>
+        </p:nvGrpSpPr>
+        <p:grpSpPr>
+          <a:xfrm>
+            <a:off x="14420788" y="25272737"/>
+            <a:ext cx="6659898" cy="14288688"/>
+            <a:chOff x="16763447" y="17290303"/>
+            <a:chExt cx="6659898" cy="14288688"/>
+          </a:xfrm>
+        </p:grpSpPr>
+        <p:grpSp>
+          <p:nvGrpSpPr>
+            <p:cNvPr id="48" name="Group 47">
+              <a:extLst>
+                <a:ext uri="{FF2B5EF4-FFF2-40B4-BE49-F238E27FC236}">
+                  <a16:creationId xmlns:a16="http://schemas.microsoft.com/office/drawing/2014/main" id="{501CC765-AFAC-D815-BE0F-DD0AF798E094}"/>
+                </a:ext>
+              </a:extLst>
+            </p:cNvPr>
+            <p:cNvGrpSpPr/>
+            <p:nvPr/>
+          </p:nvGrpSpPr>
+          <p:grpSpPr>
+            <a:xfrm>
+              <a:off x="17348223" y="17290303"/>
+              <a:ext cx="6075122" cy="14288688"/>
+              <a:chOff x="18540954" y="20043967"/>
+              <a:chExt cx="6075122" cy="14288688"/>
+            </a:xfrm>
+          </p:grpSpPr>
+          <p:grpSp>
+            <p:nvGrpSpPr>
+              <p:cNvPr id="58" name="Group 57">
+                <a:extLst>
+                  <a:ext uri="{FF2B5EF4-FFF2-40B4-BE49-F238E27FC236}">
+                    <a16:creationId xmlns:a16="http://schemas.microsoft.com/office/drawing/2014/main" id="{74E47E8C-4B90-E6C6-EDBC-05FCF6C00833}"/>
+                  </a:ext>
+                </a:extLst>
+              </p:cNvPr>
+              <p:cNvGrpSpPr/>
+              <p:nvPr/>
+            </p:nvGrpSpPr>
+            <p:grpSpPr>
+              <a:xfrm>
+                <a:off x="18540955" y="20043967"/>
+                <a:ext cx="6075121" cy="14288688"/>
+                <a:chOff x="18540955" y="20043967"/>
+                <a:chExt cx="6075121" cy="14288688"/>
+              </a:xfrm>
+            </p:grpSpPr>
+            <p:pic>
+              <p:nvPicPr>
+                <p:cNvPr id="63" name="Picture 62" descr="Chart&#10;&#10;Description automatically generated">
+                  <a:extLst>
+                    <a:ext uri="{FF2B5EF4-FFF2-40B4-BE49-F238E27FC236}">
+                      <a16:creationId xmlns:a16="http://schemas.microsoft.com/office/drawing/2014/main" id="{0AE2D47C-BBD3-5B6F-D2AD-B21187868714}"/>
+                    </a:ext>
+                  </a:extLst>
+                </p:cNvPr>
+                <p:cNvPicPr>
+                  <a:picLocks noChangeAspect="1"/>
+                </p:cNvPicPr>
+                <p:nvPr/>
+              </p:nvPicPr>
+              <p:blipFill>
+                <a:blip r:embed="rId8"/>
+                <a:stretch>
+                  <a:fillRect/>
+                </a:stretch>
+              </p:blipFill>
+              <p:spPr>
+                <a:xfrm>
+                  <a:off x="18711928" y="31949520"/>
+                  <a:ext cx="5860168" cy="2383135"/>
+                </a:xfrm>
+                <a:prstGeom prst="rect">
+                  <a:avLst/>
+                </a:prstGeom>
+                <a:ln>
+                  <a:noFill/>
+                </a:ln>
+              </p:spPr>
+            </p:pic>
+            <p:pic>
+              <p:nvPicPr>
+                <p:cNvPr id="64" name="Picture 63" descr="Chart, box and whisker chart&#10;&#10;Description automatically generated">
+                  <a:extLst>
+                    <a:ext uri="{FF2B5EF4-FFF2-40B4-BE49-F238E27FC236}">
+                      <a16:creationId xmlns:a16="http://schemas.microsoft.com/office/drawing/2014/main" id="{5EC61814-820B-76F7-AB26-567A7E74E5A5}"/>
+                    </a:ext>
+                  </a:extLst>
+                </p:cNvPr>
+                <p:cNvPicPr>
+                  <a:picLocks noChangeAspect="1"/>
+                </p:cNvPicPr>
+                <p:nvPr/>
+              </p:nvPicPr>
+              <p:blipFill rotWithShape="1">
+                <a:blip r:embed="rId6"/>
+                <a:srcRect t="66629"/>
+                <a:stretch/>
+              </p:blipFill>
+              <p:spPr>
+                <a:xfrm>
+                  <a:off x="18711928" y="22496920"/>
+                  <a:ext cx="5904148" cy="2408183"/>
+                </a:xfrm>
+                <a:prstGeom prst="rect">
+                  <a:avLst/>
+                </a:prstGeom>
+              </p:spPr>
+            </p:pic>
+            <p:pic>
+              <p:nvPicPr>
+                <p:cNvPr id="65" name="Picture 64" descr="Bar chart&#10;&#10;Description automatically generated with low confidence">
+                  <a:extLst>
+                    <a:ext uri="{FF2B5EF4-FFF2-40B4-BE49-F238E27FC236}">
+                      <a16:creationId xmlns:a16="http://schemas.microsoft.com/office/drawing/2014/main" id="{3D56DAB8-27CF-63BA-11FB-7486B907E4AD}"/>
+                    </a:ext>
+                  </a:extLst>
+                </p:cNvPr>
+                <p:cNvPicPr>
+                  <a:picLocks noChangeAspect="1"/>
+                </p:cNvPicPr>
+                <p:nvPr/>
+              </p:nvPicPr>
+              <p:blipFill rotWithShape="1">
+                <a:blip r:embed="rId3"/>
+                <a:srcRect t="33276" r="48931" b="50080"/>
+                <a:stretch/>
+              </p:blipFill>
+              <p:spPr>
+                <a:xfrm>
+                  <a:off x="18540955" y="20043967"/>
+                  <a:ext cx="6048427" cy="2409234"/>
+                </a:xfrm>
+                <a:prstGeom prst="rect">
+                  <a:avLst/>
+                </a:prstGeom>
+                <a:ln>
+                  <a:noFill/>
+                </a:ln>
+              </p:spPr>
+            </p:pic>
+            <p:pic>
+              <p:nvPicPr>
+                <p:cNvPr id="66" name="Picture 65" descr="Bar chart&#10;&#10;Description automatically generated with low confidence">
+                  <a:extLst>
+                    <a:ext uri="{FF2B5EF4-FFF2-40B4-BE49-F238E27FC236}">
+                      <a16:creationId xmlns:a16="http://schemas.microsoft.com/office/drawing/2014/main" id="{DA0CEE8C-C1D1-9344-458B-2FF818AE302F}"/>
+                    </a:ext>
+                  </a:extLst>
+                </p:cNvPr>
+                <p:cNvPicPr>
+                  <a:picLocks noChangeAspect="1"/>
+                </p:cNvPicPr>
+                <p:nvPr/>
+              </p:nvPicPr>
+              <p:blipFill rotWithShape="1">
+                <a:blip r:embed="rId3"/>
+                <a:srcRect l="51704" t="33276" b="33303"/>
+                <a:stretch/>
+              </p:blipFill>
+              <p:spPr>
+                <a:xfrm>
+                  <a:off x="18852160" y="27212461"/>
+                  <a:ext cx="5719936" cy="4837883"/>
+                </a:xfrm>
+                <a:prstGeom prst="rect">
+                  <a:avLst/>
+                </a:prstGeom>
+                <a:ln>
+                  <a:noFill/>
+                </a:ln>
+              </p:spPr>
+            </p:pic>
+          </p:grpSp>
+          <p:pic>
+            <p:nvPicPr>
+              <p:cNvPr id="62" name="Picture 61" descr="Bar chart&#10;&#10;Description automatically generated with low confidence">
+                <a:extLst>
+                  <a:ext uri="{FF2B5EF4-FFF2-40B4-BE49-F238E27FC236}">
+                    <a16:creationId xmlns:a16="http://schemas.microsoft.com/office/drawing/2014/main" id="{BC23873B-A7A6-E703-D879-B229D6ECB4C6}"/>
+                  </a:ext>
+                </a:extLst>
+              </p:cNvPr>
+              <p:cNvPicPr>
+                <a:picLocks noChangeAspect="1"/>
+              </p:cNvPicPr>
+              <p:nvPr/>
+            </p:nvPicPr>
+            <p:blipFill rotWithShape="1">
+              <a:blip r:embed="rId3"/>
+              <a:srcRect t="49685" r="48931" b="33303"/>
+              <a:stretch/>
+            </p:blipFill>
+            <p:spPr>
+              <a:xfrm>
+                <a:off x="18540954" y="24827400"/>
+                <a:ext cx="6048427" cy="2462636"/>
+              </a:xfrm>
+              <a:prstGeom prst="rect">
+                <a:avLst/>
+              </a:prstGeom>
+              <a:ln>
+                <a:noFill/>
+              </a:ln>
+            </p:spPr>
+          </p:pic>
+        </p:grpSp>
+        <p:sp>
+          <p:nvSpPr>
+            <p:cNvPr id="50" name="TextBox 49">
+              <a:extLst>
+                <a:ext uri="{FF2B5EF4-FFF2-40B4-BE49-F238E27FC236}">
+                  <a16:creationId xmlns:a16="http://schemas.microsoft.com/office/drawing/2014/main" id="{42290A7C-E2D1-C603-F766-46294A3251B1}"/>
+                </a:ext>
+              </a:extLst>
+            </p:cNvPr>
+            <p:cNvSpPr txBox="1"/>
+            <p:nvPr/>
+          </p:nvSpPr>
+          <p:spPr>
+            <a:xfrm rot="16200000">
+              <a:off x="14436345" y="23012666"/>
+              <a:ext cx="5238980" cy="584775"/>
+            </a:xfrm>
+            <a:prstGeom prst="rect">
+              <a:avLst/>
+            </a:prstGeom>
+            <a:noFill/>
+          </p:spPr>
+          <p:txBody>
+            <a:bodyPr wrap="square" rtlCol="0">
+              <a:spAutoFit/>
+            </a:bodyPr>
+            <a:lstStyle/>
+            <a:p>
+              <a:pPr algn="ctr"/>
+              <a:r>
+                <a:rPr lang="en-US" sz="3200" dirty="0"/>
+                <a:t>Relative Abundance</a:t>
+              </a:r>
+            </a:p>
+          </p:txBody>
+        </p:sp>
+      </p:grpSp>
+      <p:sp>
+        <p:nvSpPr>
+          <p:cNvPr id="67" name="TextBox 66">
+            <a:extLst>
+              <a:ext uri="{FF2B5EF4-FFF2-40B4-BE49-F238E27FC236}">
+                <a16:creationId xmlns:a16="http://schemas.microsoft.com/office/drawing/2014/main" id="{3ECCDCB9-1D77-AB7F-989A-C91505C944AA}"/>
               </a:ext>
             </a:extLst>
           </p:cNvPr>
@@ -4027,8 +6407,8 @@
         </p:nvSpPr>
         <p:spPr>
           <a:xfrm>
-            <a:off x="3025618" y="8935223"/>
-            <a:ext cx="6617040" cy="584775"/>
+            <a:off x="945452" y="23929300"/>
+            <a:ext cx="6748046" cy="923330"/>
           </a:xfrm>
           <a:prstGeom prst="rect">
             <a:avLst/>
@@ -4043,16 +6423,126 @@
           <a:p>
             <a:pPr algn="ctr"/>
             <a:r>
-              <a:rPr lang="en-US" sz="3200" b="1" u="sng" dirty="0"/>
-              <a:t>DA ASVs in multiple treatments</a:t>
-            </a:r>
+              <a:rPr lang="en-US" sz="5400" b="1" dirty="0"/>
+              <a:t>Bleached + Ambient</a:t>
+            </a:r>
+          </a:p>
+        </p:txBody>
+      </p:sp>
+      <p:sp>
+        <p:nvSpPr>
+          <p:cNvPr id="68" name="TextBox 67">
+            <a:extLst>
+              <a:ext uri="{FF2B5EF4-FFF2-40B4-BE49-F238E27FC236}">
+                <a16:creationId xmlns:a16="http://schemas.microsoft.com/office/drawing/2014/main" id="{4C14BC30-CB13-A241-D652-95E096EFB449}"/>
+              </a:ext>
+            </a:extLst>
+          </p:cNvPr>
+          <p:cNvSpPr txBox="1"/>
+          <p:nvPr/>
+        </p:nvSpPr>
+        <p:spPr>
+          <a:xfrm>
+            <a:off x="9311201" y="23929300"/>
+            <a:ext cx="3878272" cy="923330"/>
+          </a:xfrm>
+          <a:prstGeom prst="rect">
+            <a:avLst/>
+          </a:prstGeom>
+          <a:noFill/>
+        </p:spPr>
+        <p:txBody>
+          <a:bodyPr wrap="square" rtlCol="0">
+            <a:spAutoFit/>
+          </a:bodyPr>
+          <a:lstStyle/>
+          <a:p>
+            <a:pPr algn="ctr"/>
+            <a:r>
+              <a:rPr lang="en-US" sz="5400" b="1" dirty="0"/>
+              <a:t>Heated</a:t>
+            </a:r>
+            <a:endParaRPr lang="en-US" sz="6400" b="1" dirty="0"/>
+          </a:p>
+        </p:txBody>
+      </p:sp>
+      <p:sp>
+        <p:nvSpPr>
+          <p:cNvPr id="69" name="TextBox 68">
+            <a:extLst>
+              <a:ext uri="{FF2B5EF4-FFF2-40B4-BE49-F238E27FC236}">
+                <a16:creationId xmlns:a16="http://schemas.microsoft.com/office/drawing/2014/main" id="{5A1300E3-A4EA-B4B1-1DA4-A10D641A3B10}"/>
+              </a:ext>
+            </a:extLst>
+          </p:cNvPr>
+          <p:cNvSpPr txBox="1"/>
+          <p:nvPr/>
+        </p:nvSpPr>
+        <p:spPr>
+          <a:xfrm>
+            <a:off x="18821706" y="23900613"/>
+            <a:ext cx="4543876" cy="923330"/>
+          </a:xfrm>
+          <a:prstGeom prst="rect">
+            <a:avLst/>
+          </a:prstGeom>
+          <a:noFill/>
+        </p:spPr>
+        <p:txBody>
+          <a:bodyPr wrap="square" rtlCol="0">
+            <a:spAutoFit/>
+          </a:bodyPr>
+          <a:lstStyle/>
+          <a:p>
+            <a:pPr algn="ctr"/>
+            <a:r>
+              <a:rPr lang="en-US" sz="5400" b="1" dirty="0"/>
+              <a:t>All treatments</a:t>
+            </a:r>
+          </a:p>
+        </p:txBody>
+      </p:sp>
+      <p:sp>
+        <p:nvSpPr>
+          <p:cNvPr id="70" name="TextBox 69">
+            <a:extLst>
+              <a:ext uri="{FF2B5EF4-FFF2-40B4-BE49-F238E27FC236}">
+                <a16:creationId xmlns:a16="http://schemas.microsoft.com/office/drawing/2014/main" id="{0D9A635C-5091-7F9A-75E0-A2869CE41923}"/>
+              </a:ext>
+            </a:extLst>
+          </p:cNvPr>
+          <p:cNvSpPr txBox="1"/>
+          <p:nvPr/>
+        </p:nvSpPr>
+        <p:spPr>
+          <a:xfrm>
+            <a:off x="9364018" y="21670386"/>
+            <a:ext cx="9636973" cy="1569660"/>
+          </a:xfrm>
+          <a:prstGeom prst="rect">
+            <a:avLst/>
+          </a:prstGeom>
+          <a:noFill/>
+        </p:spPr>
+        <p:txBody>
+          <a:bodyPr wrap="square" rtlCol="0">
+            <a:spAutoFit/>
+          </a:bodyPr>
+          <a:lstStyle/>
+          <a:p>
+            <a:pPr algn="ctr"/>
+            <a:r>
+              <a:rPr lang="en-US" sz="9600" b="1" u="sng" dirty="0"/>
+              <a:t>ASVs Depleted In:</a:t>
+            </a:r>
+            <a:endParaRPr lang="en-US" sz="11500" b="1" u="sng" dirty="0"/>
           </a:p>
         </p:txBody>
       </p:sp>
     </p:spTree>
     <p:extLst>
       <p:ext uri="{BB962C8B-B14F-4D97-AF65-F5344CB8AC3E}">
-        <p14:creationId xmlns:p14="http://schemas.microsoft.com/office/powerpoint/2010/main" val="1089444230"/>
+        <p14:creationId xmlns:p14="http://schemas.microsoft.com/office/powerpoint/2010/main" val="1736920335"/>
       </p:ext>
     </p:extLst>
   </p:cSld>

--- a/figures/Sig ASVs mod.deseq4 v1.pptx
+++ b/figures/Sig ASVs mod.deseq4 v1.pptx
@@ -245,7 +245,7 @@
           <a:p>
             <a:fld id="{6E3ADA4A-3132-471B-AC99-0A34C065C717}" type="datetimeFigureOut">
               <a:rPr lang="en-US" smtClean="0"/>
-              <a:t>7/1/2022</a:t>
+              <a:t>11/7/2022</a:t>
             </a:fld>
             <a:endParaRPr lang="en-US"/>
           </a:p>
@@ -415,7 +415,7 @@
           <a:p>
             <a:fld id="{6E3ADA4A-3132-471B-AC99-0A34C065C717}" type="datetimeFigureOut">
               <a:rPr lang="en-US" smtClean="0"/>
-              <a:t>7/1/2022</a:t>
+              <a:t>11/7/2022</a:t>
             </a:fld>
             <a:endParaRPr lang="en-US"/>
           </a:p>
@@ -595,7 +595,7 @@
           <a:p>
             <a:fld id="{6E3ADA4A-3132-471B-AC99-0A34C065C717}" type="datetimeFigureOut">
               <a:rPr lang="en-US" smtClean="0"/>
-              <a:t>7/1/2022</a:t>
+              <a:t>11/7/2022</a:t>
             </a:fld>
             <a:endParaRPr lang="en-US"/>
           </a:p>
@@ -1124,7 +1124,7 @@
           <a:p>
             <a:fld id="{6E3ADA4A-3132-471B-AC99-0A34C065C717}" type="datetimeFigureOut">
               <a:rPr lang="en-US" smtClean="0"/>
-              <a:t>7/1/2022</a:t>
+              <a:t>11/7/2022</a:t>
             </a:fld>
             <a:endParaRPr lang="en-US"/>
           </a:p>
@@ -1368,7 +1368,7 @@
           <a:p>
             <a:fld id="{6E3ADA4A-3132-471B-AC99-0A34C065C717}" type="datetimeFigureOut">
               <a:rPr lang="en-US" smtClean="0"/>
-              <a:t>7/1/2022</a:t>
+              <a:t>11/7/2022</a:t>
             </a:fld>
             <a:endParaRPr lang="en-US"/>
           </a:p>
@@ -1600,7 +1600,7 @@
           <a:p>
             <a:fld id="{6E3ADA4A-3132-471B-AC99-0A34C065C717}" type="datetimeFigureOut">
               <a:rPr lang="en-US" smtClean="0"/>
-              <a:t>7/1/2022</a:t>
+              <a:t>11/7/2022</a:t>
             </a:fld>
             <a:endParaRPr lang="en-US"/>
           </a:p>
@@ -1967,7 +1967,7 @@
           <a:p>
             <a:fld id="{6E3ADA4A-3132-471B-AC99-0A34C065C717}" type="datetimeFigureOut">
               <a:rPr lang="en-US" smtClean="0"/>
-              <a:t>7/1/2022</a:t>
+              <a:t>11/7/2022</a:t>
             </a:fld>
             <a:endParaRPr lang="en-US"/>
           </a:p>
@@ -2085,7 +2085,7 @@
           <a:p>
             <a:fld id="{6E3ADA4A-3132-471B-AC99-0A34C065C717}" type="datetimeFigureOut">
               <a:rPr lang="en-US" smtClean="0"/>
-              <a:t>7/1/2022</a:t>
+              <a:t>11/7/2022</a:t>
             </a:fld>
             <a:endParaRPr lang="en-US"/>
           </a:p>
@@ -2180,7 +2180,7 @@
           <a:p>
             <a:fld id="{6E3ADA4A-3132-471B-AC99-0A34C065C717}" type="datetimeFigureOut">
               <a:rPr lang="en-US" smtClean="0"/>
-              <a:t>7/1/2022</a:t>
+              <a:t>11/7/2022</a:t>
             </a:fld>
             <a:endParaRPr lang="en-US"/>
           </a:p>
@@ -2457,7 +2457,7 @@
           <a:p>
             <a:fld id="{6E3ADA4A-3132-471B-AC99-0A34C065C717}" type="datetimeFigureOut">
               <a:rPr lang="en-US" smtClean="0"/>
-              <a:t>7/1/2022</a:t>
+              <a:t>11/7/2022</a:t>
             </a:fld>
             <a:endParaRPr lang="en-US"/>
           </a:p>
@@ -2714,7 +2714,7 @@
           <a:p>
             <a:fld id="{6E3ADA4A-3132-471B-AC99-0A34C065C717}" type="datetimeFigureOut">
               <a:rPr lang="en-US" smtClean="0"/>
-              <a:t>7/1/2022</a:t>
+              <a:t>11/7/2022</a:t>
             </a:fld>
             <a:endParaRPr lang="en-US"/>
           </a:p>
@@ -2927,7 +2927,7 @@
           <a:p>
             <a:fld id="{6E3ADA4A-3132-471B-AC99-0A34C065C717}" type="datetimeFigureOut">
               <a:rPr lang="en-US" smtClean="0"/>
-              <a:t>7/1/2022</a:t>
+              <a:t>11/7/2022</a:t>
             </a:fld>
             <a:endParaRPr lang="en-US"/>
           </a:p>
@@ -4213,7 +4213,7 @@
         </p:nvGrpSpPr>
         <p:grpSpPr>
           <a:xfrm>
-            <a:off x="628824" y="8617986"/>
+            <a:off x="7529557" y="8695702"/>
             <a:ext cx="6728383" cy="7341883"/>
             <a:chOff x="16768706" y="8443570"/>
             <a:chExt cx="6607375" cy="7341883"/>
@@ -4352,7 +4352,7 @@
         </p:nvGrpSpPr>
         <p:grpSpPr>
           <a:xfrm>
-            <a:off x="7634769" y="8426106"/>
+            <a:off x="274494" y="8460523"/>
             <a:ext cx="6711408" cy="9932719"/>
             <a:chOff x="7796131" y="21227695"/>
             <a:chExt cx="6711408" cy="9932719"/>
@@ -5802,12 +5802,49 @@
           </a:p>
         </p:txBody>
       </p:sp>
+      <p:sp>
+        <p:nvSpPr>
+          <p:cNvPr id="70" name="TextBox 69">
+            <a:extLst>
+              <a:ext uri="{FF2B5EF4-FFF2-40B4-BE49-F238E27FC236}">
+                <a16:creationId xmlns:a16="http://schemas.microsoft.com/office/drawing/2014/main" id="{0D9A635C-5091-7F9A-75E0-A2869CE41923}"/>
+              </a:ext>
+            </a:extLst>
+          </p:cNvPr>
+          <p:cNvSpPr txBox="1"/>
+          <p:nvPr/>
+        </p:nvSpPr>
+        <p:spPr>
+          <a:xfrm>
+            <a:off x="9364018" y="21670386"/>
+            <a:ext cx="9636973" cy="1569660"/>
+          </a:xfrm>
+          <a:prstGeom prst="rect">
+            <a:avLst/>
+          </a:prstGeom>
+          <a:noFill/>
+        </p:spPr>
+        <p:txBody>
+          <a:bodyPr wrap="square" rtlCol="0">
+            <a:spAutoFit/>
+          </a:bodyPr>
+          <a:lstStyle/>
+          <a:p>
+            <a:pPr algn="ctr"/>
+            <a:r>
+              <a:rPr lang="en-US" sz="9600" b="1" u="sng" dirty="0"/>
+              <a:t>ASVs Depleted In:</a:t>
+            </a:r>
+            <a:endParaRPr lang="en-US" sz="11500" b="1" u="sng" dirty="0"/>
+          </a:p>
+        </p:txBody>
+      </p:sp>
       <p:grpSp>
         <p:nvGrpSpPr>
-          <p:cNvPr id="31" name="Group 30">
+          <p:cNvPr id="2" name="Group 1">
             <a:extLst>
               <a:ext uri="{FF2B5EF4-FFF2-40B4-BE49-F238E27FC236}">
-                <a16:creationId xmlns:a16="http://schemas.microsoft.com/office/drawing/2014/main" id="{0B8751CB-862C-8DE9-BB62-608B07D1EB22}"/>
+                <a16:creationId xmlns:a16="http://schemas.microsoft.com/office/drawing/2014/main" id="{CF7C7135-FADA-EB8F-58C7-8C3ED46AA8A2}"/>
               </a:ext>
             </a:extLst>
           </p:cNvPr>
@@ -5816,7 +5853,7 @@
         </p:nvGrpSpPr>
         <p:grpSpPr>
           <a:xfrm>
-            <a:off x="516718" y="25195021"/>
+            <a:off x="7529557" y="25454851"/>
             <a:ext cx="6728383" cy="7341883"/>
             <a:chOff x="16768706" y="8443570"/>
             <a:chExt cx="6607375" cy="7341883"/>
@@ -5824,10 +5861,10 @@
         </p:grpSpPr>
         <p:grpSp>
           <p:nvGrpSpPr>
-            <p:cNvPr id="33" name="Group 32">
+            <p:cNvPr id="4" name="Group 3">
               <a:extLst>
                 <a:ext uri="{FF2B5EF4-FFF2-40B4-BE49-F238E27FC236}">
-                  <a16:creationId xmlns:a16="http://schemas.microsoft.com/office/drawing/2014/main" id="{FC76EEC7-6756-EAFE-B73B-E906F879D286}"/>
+                  <a16:creationId xmlns:a16="http://schemas.microsoft.com/office/drawing/2014/main" id="{464140F8-A688-64D6-85F6-077E808FFE89}"/>
                 </a:ext>
               </a:extLst>
             </p:cNvPr>
@@ -5844,10 +5881,10 @@
           </p:grpSpPr>
           <p:pic>
             <p:nvPicPr>
-              <p:cNvPr id="36" name="Picture 35" descr="Graphical user interface, chart, box and whisker chart&#10;&#10;Description automatically generated">
+              <p:cNvPr id="8" name="Picture 7" descr="Graphical user interface, chart, box and whisker chart&#10;&#10;Description automatically generated">
                 <a:extLst>
                   <a:ext uri="{FF2B5EF4-FFF2-40B4-BE49-F238E27FC236}">
-                    <a16:creationId xmlns:a16="http://schemas.microsoft.com/office/drawing/2014/main" id="{C171AC8B-BE7A-544A-919F-A73552A669AD}"/>
+                    <a16:creationId xmlns:a16="http://schemas.microsoft.com/office/drawing/2014/main" id="{0E421DA5-A1F0-8BF5-A4C3-01AE0E97F869}"/>
                   </a:ext>
                 </a:extLst>
               </p:cNvPr>
@@ -5876,10 +5913,10 @@
           </p:pic>
           <p:pic>
             <p:nvPicPr>
-              <p:cNvPr id="37" name="Picture 36" descr="Chart, box and whisker chart&#10;&#10;Description automatically generated">
+              <p:cNvPr id="9" name="Picture 8" descr="Chart, box and whisker chart&#10;&#10;Description automatically generated">
                 <a:extLst>
                   <a:ext uri="{FF2B5EF4-FFF2-40B4-BE49-F238E27FC236}">
-                    <a16:creationId xmlns:a16="http://schemas.microsoft.com/office/drawing/2014/main" id="{C7D3A7C1-2D7E-5446-4050-3E6A4EF5A4F7}"/>
+                    <a16:creationId xmlns:a16="http://schemas.microsoft.com/office/drawing/2014/main" id="{C2988B79-4ACA-62E0-5B82-57B824752E9A}"/>
                   </a:ext>
                 </a:extLst>
               </p:cNvPr>
@@ -5906,10 +5943,10 @@
         </p:grpSp>
         <p:sp>
           <p:nvSpPr>
-            <p:cNvPr id="34" name="TextBox 33">
+            <p:cNvPr id="5" name="TextBox 4">
               <a:extLst>
                 <a:ext uri="{FF2B5EF4-FFF2-40B4-BE49-F238E27FC236}">
-                  <a16:creationId xmlns:a16="http://schemas.microsoft.com/office/drawing/2014/main" id="{04E14B26-D3BB-EBC3-D1B8-3DC2BF73AEC8}"/>
+                  <a16:creationId xmlns:a16="http://schemas.microsoft.com/office/drawing/2014/main" id="{0F3EF75F-A0DD-CB34-03CF-435D4A025B82}"/>
                 </a:ext>
               </a:extLst>
             </p:cNvPr>
@@ -5943,10 +5980,10 @@
       </p:grpSp>
       <p:grpSp>
         <p:nvGrpSpPr>
-          <p:cNvPr id="38" name="Group 37">
+          <p:cNvPr id="10" name="Group 9">
             <a:extLst>
               <a:ext uri="{FF2B5EF4-FFF2-40B4-BE49-F238E27FC236}">
-                <a16:creationId xmlns:a16="http://schemas.microsoft.com/office/drawing/2014/main" id="{5F9B4CED-9DAE-B0AF-0787-8BE9C731C10D}"/>
+                <a16:creationId xmlns:a16="http://schemas.microsoft.com/office/drawing/2014/main" id="{ABCDC33C-7E5A-4393-960F-CDDB428E85CC}"/>
               </a:ext>
             </a:extLst>
           </p:cNvPr>
@@ -5955,7 +5992,7 @@
         </p:nvGrpSpPr>
         <p:grpSpPr>
           <a:xfrm>
-            <a:off x="7522662" y="25003141"/>
+            <a:off x="443829" y="25151944"/>
             <a:ext cx="6711408" cy="9932719"/>
             <a:chOff x="7796131" y="21227695"/>
             <a:chExt cx="6711408" cy="9932719"/>
@@ -5963,10 +6000,10 @@
         </p:grpSpPr>
         <p:grpSp>
           <p:nvGrpSpPr>
-            <p:cNvPr id="40" name="Group 39">
+            <p:cNvPr id="11" name="Group 10">
               <a:extLst>
                 <a:ext uri="{FF2B5EF4-FFF2-40B4-BE49-F238E27FC236}">
-                  <a16:creationId xmlns:a16="http://schemas.microsoft.com/office/drawing/2014/main" id="{E9F8EB61-5488-CEAF-EA5D-1DFD042CE5BF}"/>
+                  <a16:creationId xmlns:a16="http://schemas.microsoft.com/office/drawing/2014/main" id="{B727BE64-D9BA-8389-E402-2375ECF2DC2A}"/>
                 </a:ext>
               </a:extLst>
             </p:cNvPr>
@@ -5983,10 +6020,10 @@
           </p:grpSpPr>
           <p:grpSp>
             <p:nvGrpSpPr>
-              <p:cNvPr id="42" name="Group 41">
+              <p:cNvPr id="15" name="Group 14">
                 <a:extLst>
                   <a:ext uri="{FF2B5EF4-FFF2-40B4-BE49-F238E27FC236}">
-                    <a16:creationId xmlns:a16="http://schemas.microsoft.com/office/drawing/2014/main" id="{705232E9-C2A1-1340-8C3D-18AC44964F9B}"/>
+                    <a16:creationId xmlns:a16="http://schemas.microsoft.com/office/drawing/2014/main" id="{80B7A1C8-D022-D352-315B-075427CA9251}"/>
                   </a:ext>
                 </a:extLst>
               </p:cNvPr>
@@ -6003,10 +6040,10 @@
             </p:grpSpPr>
             <p:pic>
               <p:nvPicPr>
-                <p:cNvPr id="45" name="Picture 44" descr="Bar chart&#10;&#10;Description automatically generated with low confidence">
+                <p:cNvPr id="21" name="Picture 20" descr="Bar chart&#10;&#10;Description automatically generated with low confidence">
                   <a:extLst>
                     <a:ext uri="{FF2B5EF4-FFF2-40B4-BE49-F238E27FC236}">
-                      <a16:creationId xmlns:a16="http://schemas.microsoft.com/office/drawing/2014/main" id="{F2D441CC-AC61-7C33-630C-F8DDAABEC68E}"/>
+                      <a16:creationId xmlns:a16="http://schemas.microsoft.com/office/drawing/2014/main" id="{F5E7CF39-BB50-7774-5149-AE6FCBADEC76}"/>
                     </a:ext>
                   </a:extLst>
                 </p:cNvPr>
@@ -6035,10 +6072,10 @@
             </p:pic>
             <p:pic>
               <p:nvPicPr>
-                <p:cNvPr id="46" name="Picture 45" descr="Graphical user interface, chart, box and whisker chart&#10;&#10;Description automatically generated">
+                <p:cNvPr id="22" name="Picture 21" descr="Graphical user interface, chart, box and whisker chart&#10;&#10;Description automatically generated">
                   <a:extLst>
                     <a:ext uri="{FF2B5EF4-FFF2-40B4-BE49-F238E27FC236}">
-                      <a16:creationId xmlns:a16="http://schemas.microsoft.com/office/drawing/2014/main" id="{EE7B081E-D4C0-D242-3815-798AFC559812}"/>
+                      <a16:creationId xmlns:a16="http://schemas.microsoft.com/office/drawing/2014/main" id="{DD6EE913-73C7-7ED3-AC1A-94B0595C7473}"/>
                     </a:ext>
                   </a:extLst>
                 </p:cNvPr>
@@ -6068,10 +6105,10 @@
           </p:grpSp>
           <p:sp>
             <p:nvSpPr>
-              <p:cNvPr id="44" name="TextBox 43">
+              <p:cNvPr id="19" name="TextBox 18">
                 <a:extLst>
                   <a:ext uri="{FF2B5EF4-FFF2-40B4-BE49-F238E27FC236}">
-                    <a16:creationId xmlns:a16="http://schemas.microsoft.com/office/drawing/2014/main" id="{EF17DBE5-4216-3DAE-97C8-C6DA64D91EBC}"/>
+                    <a16:creationId xmlns:a16="http://schemas.microsoft.com/office/drawing/2014/main" id="{39151832-2ED4-4E71-58A7-CC5CA9176FB6}"/>
                   </a:ext>
                 </a:extLst>
               </p:cNvPr>
@@ -6105,10 +6142,10 @@
         </p:grpSp>
         <p:pic>
           <p:nvPicPr>
-            <p:cNvPr id="41" name="Picture 40" descr="Bar chart&#10;&#10;Description automatically generated with low confidence">
+            <p:cNvPr id="13" name="Picture 12" descr="Bar chart&#10;&#10;Description automatically generated with low confidence">
               <a:extLst>
                 <a:ext uri="{FF2B5EF4-FFF2-40B4-BE49-F238E27FC236}">
-                  <a16:creationId xmlns:a16="http://schemas.microsoft.com/office/drawing/2014/main" id="{42F335AF-1ABA-EBA6-2B03-EC635EACD9E7}"/>
+                  <a16:creationId xmlns:a16="http://schemas.microsoft.com/office/drawing/2014/main" id="{43BF35AF-D1CE-6446-0657-A4856B0BA938}"/>
                 </a:ext>
               </a:extLst>
             </p:cNvPr>
@@ -6138,10 +6175,10 @@
       </p:grpSp>
       <p:grpSp>
         <p:nvGrpSpPr>
-          <p:cNvPr id="47" name="Group 46">
+          <p:cNvPr id="23" name="Group 22">
             <a:extLst>
               <a:ext uri="{FF2B5EF4-FFF2-40B4-BE49-F238E27FC236}">
-                <a16:creationId xmlns:a16="http://schemas.microsoft.com/office/drawing/2014/main" id="{BADC29EF-2C5C-41DD-34DA-68500D9987FA}"/>
+                <a16:creationId xmlns:a16="http://schemas.microsoft.com/office/drawing/2014/main" id="{C734B91E-3CAB-4C8A-D3E3-41FC2EF4338C}"/>
               </a:ext>
             </a:extLst>
           </p:cNvPr>
@@ -6150,7 +6187,7 @@
         </p:nvGrpSpPr>
         <p:grpSpPr>
           <a:xfrm>
-            <a:off x="14420788" y="25272737"/>
+            <a:off x="14329692" y="25454851"/>
             <a:ext cx="6659898" cy="14288688"/>
             <a:chOff x="16763447" y="17290303"/>
             <a:chExt cx="6659898" cy="14288688"/>
@@ -6158,10 +6195,10 @@
         </p:grpSpPr>
         <p:grpSp>
           <p:nvGrpSpPr>
-            <p:cNvPr id="48" name="Group 47">
+            <p:cNvPr id="24" name="Group 23">
               <a:extLst>
                 <a:ext uri="{FF2B5EF4-FFF2-40B4-BE49-F238E27FC236}">
-                  <a16:creationId xmlns:a16="http://schemas.microsoft.com/office/drawing/2014/main" id="{501CC765-AFAC-D815-BE0F-DD0AF798E094}"/>
+                  <a16:creationId xmlns:a16="http://schemas.microsoft.com/office/drawing/2014/main" id="{A2903EBA-B8C7-0123-5121-8C842FD15183}"/>
                 </a:ext>
               </a:extLst>
             </p:cNvPr>
@@ -6178,10 +6215,10 @@
           </p:grpSpPr>
           <p:grpSp>
             <p:nvGrpSpPr>
-              <p:cNvPr id="58" name="Group 57">
+              <p:cNvPr id="27" name="Group 26">
                 <a:extLst>
                   <a:ext uri="{FF2B5EF4-FFF2-40B4-BE49-F238E27FC236}">
-                    <a16:creationId xmlns:a16="http://schemas.microsoft.com/office/drawing/2014/main" id="{74E47E8C-4B90-E6C6-EDBC-05FCF6C00833}"/>
+                    <a16:creationId xmlns:a16="http://schemas.microsoft.com/office/drawing/2014/main" id="{250943E6-D40C-D22B-228B-39F4D948AD37}"/>
                   </a:ext>
                 </a:extLst>
               </p:cNvPr>
@@ -6198,10 +6235,10 @@
             </p:grpSpPr>
             <p:pic>
               <p:nvPicPr>
-                <p:cNvPr id="63" name="Picture 62" descr="Chart&#10;&#10;Description automatically generated">
+                <p:cNvPr id="72" name="Picture 71" descr="Chart&#10;&#10;Description automatically generated">
                   <a:extLst>
                     <a:ext uri="{FF2B5EF4-FFF2-40B4-BE49-F238E27FC236}">
-                      <a16:creationId xmlns:a16="http://schemas.microsoft.com/office/drawing/2014/main" id="{0AE2D47C-BBD3-5B6F-D2AD-B21187868714}"/>
+                      <a16:creationId xmlns:a16="http://schemas.microsoft.com/office/drawing/2014/main" id="{564A6A4E-73A8-704C-71B8-71827F9756B9}"/>
                     </a:ext>
                   </a:extLst>
                 </p:cNvPr>
@@ -6231,10 +6268,10 @@
             </p:pic>
             <p:pic>
               <p:nvPicPr>
-                <p:cNvPr id="64" name="Picture 63" descr="Chart, box and whisker chart&#10;&#10;Description automatically generated">
+                <p:cNvPr id="73" name="Picture 72" descr="Chart, box and whisker chart&#10;&#10;Description automatically generated">
                   <a:extLst>
                     <a:ext uri="{FF2B5EF4-FFF2-40B4-BE49-F238E27FC236}">
-                      <a16:creationId xmlns:a16="http://schemas.microsoft.com/office/drawing/2014/main" id="{5EC61814-820B-76F7-AB26-567A7E74E5A5}"/>
+                      <a16:creationId xmlns:a16="http://schemas.microsoft.com/office/drawing/2014/main" id="{ABED17F4-403B-BC6B-7561-986C58B7C8FD}"/>
                     </a:ext>
                   </a:extLst>
                 </p:cNvPr>
@@ -6260,10 +6297,10 @@
             </p:pic>
             <p:pic>
               <p:nvPicPr>
-                <p:cNvPr id="65" name="Picture 64" descr="Bar chart&#10;&#10;Description automatically generated with low confidence">
+                <p:cNvPr id="74" name="Picture 73" descr="Bar chart&#10;&#10;Description automatically generated with low confidence">
                   <a:extLst>
                     <a:ext uri="{FF2B5EF4-FFF2-40B4-BE49-F238E27FC236}">
-                      <a16:creationId xmlns:a16="http://schemas.microsoft.com/office/drawing/2014/main" id="{3D56DAB8-27CF-63BA-11FB-7486B907E4AD}"/>
+                      <a16:creationId xmlns:a16="http://schemas.microsoft.com/office/drawing/2014/main" id="{3D7BB390-BE01-561D-140F-D0F85DB3AFC6}"/>
                     </a:ext>
                   </a:extLst>
                 </p:cNvPr>
@@ -6292,10 +6329,10 @@
             </p:pic>
             <p:pic>
               <p:nvPicPr>
-                <p:cNvPr id="66" name="Picture 65" descr="Bar chart&#10;&#10;Description automatically generated with low confidence">
+                <p:cNvPr id="75" name="Picture 74" descr="Bar chart&#10;&#10;Description automatically generated with low confidence">
                   <a:extLst>
                     <a:ext uri="{FF2B5EF4-FFF2-40B4-BE49-F238E27FC236}">
-                      <a16:creationId xmlns:a16="http://schemas.microsoft.com/office/drawing/2014/main" id="{DA0CEE8C-C1D1-9344-458B-2FF818AE302F}"/>
+                      <a16:creationId xmlns:a16="http://schemas.microsoft.com/office/drawing/2014/main" id="{92E24846-11B3-A2ED-E89D-8BA16D1169B7}"/>
                     </a:ext>
                   </a:extLst>
                 </p:cNvPr>
@@ -6325,10 +6362,10 @@
           </p:grpSp>
           <p:pic>
             <p:nvPicPr>
-              <p:cNvPr id="62" name="Picture 61" descr="Bar chart&#10;&#10;Description automatically generated with low confidence">
+              <p:cNvPr id="71" name="Picture 70" descr="Bar chart&#10;&#10;Description automatically generated with low confidence">
                 <a:extLst>
                   <a:ext uri="{FF2B5EF4-FFF2-40B4-BE49-F238E27FC236}">
-                    <a16:creationId xmlns:a16="http://schemas.microsoft.com/office/drawing/2014/main" id="{BC23873B-A7A6-E703-D879-B229D6ECB4C6}"/>
+                    <a16:creationId xmlns:a16="http://schemas.microsoft.com/office/drawing/2014/main" id="{9F5801D1-7DC2-7EFA-61C9-0EAB3D958DEE}"/>
                   </a:ext>
                 </a:extLst>
               </p:cNvPr>
@@ -6358,10 +6395,10 @@
         </p:grpSp>
         <p:sp>
           <p:nvSpPr>
-            <p:cNvPr id="50" name="TextBox 49">
+            <p:cNvPr id="26" name="TextBox 25">
               <a:extLst>
                 <a:ext uri="{FF2B5EF4-FFF2-40B4-BE49-F238E27FC236}">
-                  <a16:creationId xmlns:a16="http://schemas.microsoft.com/office/drawing/2014/main" id="{42290A7C-E2D1-C603-F766-46294A3251B1}"/>
+                  <a16:creationId xmlns:a16="http://schemas.microsoft.com/office/drawing/2014/main" id="{85FCA5F9-6F7B-0428-4505-17BACA956A3D}"/>
                 </a:ext>
               </a:extLst>
             </p:cNvPr>
@@ -6395,10 +6432,10 @@
       </p:grpSp>
       <p:sp>
         <p:nvSpPr>
-          <p:cNvPr id="67" name="TextBox 66">
+          <p:cNvPr id="76" name="TextBox 75">
             <a:extLst>
               <a:ext uri="{FF2B5EF4-FFF2-40B4-BE49-F238E27FC236}">
-                <a16:creationId xmlns:a16="http://schemas.microsoft.com/office/drawing/2014/main" id="{3ECCDCB9-1D77-AB7F-989A-C91505C944AA}"/>
+                <a16:creationId xmlns:a16="http://schemas.microsoft.com/office/drawing/2014/main" id="{5D2DEBC4-810F-6F77-5326-F108A09A1DB3}"/>
               </a:ext>
             </a:extLst>
           </p:cNvPr>
@@ -6407,7 +6444,7 @@
         </p:nvSpPr>
         <p:spPr>
           <a:xfrm>
-            <a:off x="945452" y="23929300"/>
+            <a:off x="1057558" y="24111414"/>
             <a:ext cx="6748046" cy="923330"/>
           </a:xfrm>
           <a:prstGeom prst="rect">
@@ -6431,10 +6468,10 @@
       </p:sp>
       <p:sp>
         <p:nvSpPr>
-          <p:cNvPr id="68" name="TextBox 67">
+          <p:cNvPr id="77" name="TextBox 76">
             <a:extLst>
               <a:ext uri="{FF2B5EF4-FFF2-40B4-BE49-F238E27FC236}">
-                <a16:creationId xmlns:a16="http://schemas.microsoft.com/office/drawing/2014/main" id="{4C14BC30-CB13-A241-D652-95E096EFB449}"/>
+                <a16:creationId xmlns:a16="http://schemas.microsoft.com/office/drawing/2014/main" id="{C8ECA00C-AF2A-F6D8-BDDA-8490F76DBB49}"/>
               </a:ext>
             </a:extLst>
           </p:cNvPr>
@@ -6443,7 +6480,7 @@
         </p:nvSpPr>
         <p:spPr>
           <a:xfrm>
-            <a:off x="9311201" y="23929300"/>
+            <a:off x="9423307" y="24111415"/>
             <a:ext cx="3878272" cy="923330"/>
           </a:xfrm>
           <a:prstGeom prst="rect">
@@ -6468,10 +6505,10 @@
       </p:sp>
       <p:sp>
         <p:nvSpPr>
-          <p:cNvPr id="69" name="TextBox 68">
+          <p:cNvPr id="78" name="TextBox 77">
             <a:extLst>
               <a:ext uri="{FF2B5EF4-FFF2-40B4-BE49-F238E27FC236}">
-                <a16:creationId xmlns:a16="http://schemas.microsoft.com/office/drawing/2014/main" id="{5A1300E3-A4EA-B4B1-1DA4-A10D641A3B10}"/>
+                <a16:creationId xmlns:a16="http://schemas.microsoft.com/office/drawing/2014/main" id="{8A6EBB1D-E4B1-0DEB-C69D-A3599000E4F3}"/>
               </a:ext>
             </a:extLst>
           </p:cNvPr>
@@ -6480,7 +6517,7 @@
         </p:nvSpPr>
         <p:spPr>
           <a:xfrm>
-            <a:off x="18821706" y="23900613"/>
+            <a:off x="18933812" y="24082727"/>
             <a:ext cx="4543876" cy="923330"/>
           </a:xfrm>
           <a:prstGeom prst="rect">
@@ -6499,43 +6536,6 @@
               <a:rPr lang="en-US" sz="5400" b="1" dirty="0"/>
               <a:t>All treatments</a:t>
             </a:r>
-          </a:p>
-        </p:txBody>
-      </p:sp>
-      <p:sp>
-        <p:nvSpPr>
-          <p:cNvPr id="70" name="TextBox 69">
-            <a:extLst>
-              <a:ext uri="{FF2B5EF4-FFF2-40B4-BE49-F238E27FC236}">
-                <a16:creationId xmlns:a16="http://schemas.microsoft.com/office/drawing/2014/main" id="{0D9A635C-5091-7F9A-75E0-A2869CE41923}"/>
-              </a:ext>
-            </a:extLst>
-          </p:cNvPr>
-          <p:cNvSpPr txBox="1"/>
-          <p:nvPr/>
-        </p:nvSpPr>
-        <p:spPr>
-          <a:xfrm>
-            <a:off x="9364018" y="21670386"/>
-            <a:ext cx="9636973" cy="1569660"/>
-          </a:xfrm>
-          <a:prstGeom prst="rect">
-            <a:avLst/>
-          </a:prstGeom>
-          <a:noFill/>
-        </p:spPr>
-        <p:txBody>
-          <a:bodyPr wrap="square" rtlCol="0">
-            <a:spAutoFit/>
-          </a:bodyPr>
-          <a:lstStyle/>
-          <a:p>
-            <a:pPr algn="ctr"/>
-            <a:r>
-              <a:rPr lang="en-US" sz="9600" b="1" u="sng" dirty="0"/>
-              <a:t>ASVs Depleted In:</a:t>
-            </a:r>
-            <a:endParaRPr lang="en-US" sz="11500" b="1" u="sng" dirty="0"/>
           </a:p>
         </p:txBody>
       </p:sp>
